--- a/Analysis of Motor Vehicle Crashes.pptx
+++ b/Analysis of Motor Vehicle Crashes.pptx
@@ -8,8 +8,10 @@
     <p:sldId id="256" r:id="rId2"/>
     <p:sldId id="257" r:id="rId3"/>
     <p:sldId id="258" r:id="rId4"/>
-    <p:sldId id="259" r:id="rId5"/>
-    <p:sldId id="260" r:id="rId6"/>
+    <p:sldId id="263" r:id="rId5"/>
+    <p:sldId id="259" r:id="rId6"/>
+    <p:sldId id="260" r:id="rId7"/>
+    <p:sldId id="261" r:id="rId8"/>
   </p:sldIdLst>
   <p:sldSz cx="12192000" cy="6858000"/>
   <p:notesSz cx="6858000" cy="9144000"/>
@@ -108,13 +110,30 @@
       </a:defRPr>
     </a:lvl9pPr>
   </p:defaultTextStyle>
+  <p:extLst>
+    <p:ext uri="{EFAFB233-063F-42B5-8137-9DF3F51BA10A}">
+      <p15:sldGuideLst xmlns:p15="http://schemas.microsoft.com/office/powerpoint/2012/main"/>
+    </p:ext>
+  </p:extLst>
 </p:presentation>
+</file>
+
+<file path=ppt/commentAuthors.xml><?xml version="1.0" encoding="utf-8"?>
+<p:cmAuthorLst xmlns:a="http://schemas.openxmlformats.org/drawingml/2006/main" xmlns:r="http://schemas.openxmlformats.org/officeDocument/2006/relationships" xmlns:p="http://schemas.openxmlformats.org/presentationml/2006/main">
+  <p:cmAuthor id="1" name="Niharika Sachdeva" initials="NS" lastIdx="1" clrIdx="0">
+    <p:extLst>
+      <p:ext uri="{19B8F6BF-5375-455C-9EA6-DF929625EA0E}">
+        <p15:presenceInfo xmlns:p15="http://schemas.microsoft.com/office/powerpoint/2012/main" userId="a6485dc24ed82a52" providerId="Windows Live"/>
+      </p:ext>
+    </p:extLst>
+  </p:cmAuthor>
+</p:cmAuthorLst>
 </file>
 
 <file path=ppt/revisionInfo.xml><?xml version="1.0" encoding="utf-8"?>
 <p1510:revInfo xmlns:a="http://schemas.openxmlformats.org/drawingml/2006/main" xmlns:r="http://schemas.openxmlformats.org/officeDocument/2006/relationships" xmlns:p1510="http://schemas.microsoft.com/office/powerpoint/2015/10/main">
   <p1510:revLst>
-    <p1510:client id="{EB4E9C1D-324C-4D51-B933-AF4CD5ADF96B}" v="753" dt="2018-09-24T08:50:19.154"/>
+    <p1510:client id="{EB4E9C1D-324C-4D51-B933-AF4CD5ADF96B}" v="2200" dt="2018-09-24T17:59:38.946"/>
   </p1510:revLst>
 </p1510:revInfo>
 </file>
@@ -123,8 +142,8 @@
 <pc:chgInfo xmlns:a="http://schemas.openxmlformats.org/drawingml/2006/main" xmlns:r="http://schemas.openxmlformats.org/officeDocument/2006/relationships" xmlns:ac="http://schemas.microsoft.com/office/drawing/2013/main/command" xmlns:pc="http://schemas.microsoft.com/office/powerpoint/2013/main/command">
   <pc:docChgLst>
     <pc:chgData name="Niharika Sachdeva" userId="a6485dc24ed82a52" providerId="LiveId" clId="{EB4E9C1D-324C-4D51-B933-AF4CD5ADF96B}"/>
-    <pc:docChg chg="custSel addSld modSld">
-      <pc:chgData name="Niharika Sachdeva" userId="a6485dc24ed82a52" providerId="LiveId" clId="{EB4E9C1D-324C-4D51-B933-AF4CD5ADF96B}" dt="2018-09-24T08:50:19.142" v="752"/>
+    <pc:docChg chg="undo custSel mod addSld delSld modSld">
+      <pc:chgData name="Niharika Sachdeva" userId="a6485dc24ed82a52" providerId="LiveId" clId="{EB4E9C1D-324C-4D51-B933-AF4CD5ADF96B}" dt="2018-09-24T17:59:38.946" v="2200" actId="6549"/>
       <pc:docMkLst>
         <pc:docMk/>
       </pc:docMkLst>
@@ -175,12 +194,337 @@
           </ac:picMkLst>
         </pc:picChg>
       </pc:sldChg>
-      <pc:sldChg chg="add">
-        <pc:chgData name="Niharika Sachdeva" userId="a6485dc24ed82a52" providerId="LiveId" clId="{EB4E9C1D-324C-4D51-B933-AF4CD5ADF96B}" dt="2018-09-24T08:50:19.142" v="752"/>
+      <pc:sldChg chg="addSp delSp modSp add mod setBg">
+        <pc:chgData name="Niharika Sachdeva" userId="a6485dc24ed82a52" providerId="LiveId" clId="{EB4E9C1D-324C-4D51-B933-AF4CD5ADF96B}" dt="2018-09-24T16:40:46.225" v="1796" actId="688"/>
         <pc:sldMkLst>
           <pc:docMk/>
           <pc:sldMk cId="1044642986" sldId="260"/>
         </pc:sldMkLst>
+        <pc:spChg chg="add del">
+          <ac:chgData name="Niharika Sachdeva" userId="a6485dc24ed82a52" providerId="LiveId" clId="{EB4E9C1D-324C-4D51-B933-AF4CD5ADF96B}" dt="2018-09-24T15:08:50.944" v="754"/>
+          <ac:spMkLst>
+            <pc:docMk/>
+            <pc:sldMk cId="1044642986" sldId="260"/>
+            <ac:spMk id="2" creationId="{3687D772-2F4F-41C5-8E6A-C84887535A28}"/>
+          </ac:spMkLst>
+        </pc:spChg>
+        <pc:spChg chg="add del">
+          <ac:chgData name="Niharika Sachdeva" userId="a6485dc24ed82a52" providerId="LiveId" clId="{EB4E9C1D-324C-4D51-B933-AF4CD5ADF96B}" dt="2018-09-24T15:19:10.552" v="778"/>
+          <ac:spMkLst>
+            <pc:docMk/>
+            <pc:sldMk cId="1044642986" sldId="260"/>
+            <ac:spMk id="3" creationId="{C55B599D-AEDC-440D-8716-C48976B722B4}"/>
+          </ac:spMkLst>
+        </pc:spChg>
+        <pc:spChg chg="add del">
+          <ac:chgData name="Niharika Sachdeva" userId="a6485dc24ed82a52" providerId="LiveId" clId="{EB4E9C1D-324C-4D51-B933-AF4CD5ADF96B}" dt="2018-09-24T15:19:18.797" v="782"/>
+          <ac:spMkLst>
+            <pc:docMk/>
+            <pc:sldMk cId="1044642986" sldId="260"/>
+            <ac:spMk id="4" creationId="{99B60A25-58E0-4875-A7C7-3C02BAAB447A}"/>
+          </ac:spMkLst>
+        </pc:spChg>
+        <pc:spChg chg="add del">
+          <ac:chgData name="Niharika Sachdeva" userId="a6485dc24ed82a52" providerId="LiveId" clId="{EB4E9C1D-324C-4D51-B933-AF4CD5ADF96B}" dt="2018-09-24T15:19:34.710" v="784"/>
+          <ac:spMkLst>
+            <pc:docMk/>
+            <pc:sldMk cId="1044642986" sldId="260"/>
+            <ac:spMk id="5" creationId="{2ECBFB84-51F6-43A9-8A31-EF6D901DE6A8}"/>
+          </ac:spMkLst>
+        </pc:spChg>
+        <pc:spChg chg="add del">
+          <ac:chgData name="Niharika Sachdeva" userId="a6485dc24ed82a52" providerId="LiveId" clId="{EB4E9C1D-324C-4D51-B933-AF4CD5ADF96B}" dt="2018-09-24T15:19:41.265" v="786"/>
+          <ac:spMkLst>
+            <pc:docMk/>
+            <pc:sldMk cId="1044642986" sldId="260"/>
+            <ac:spMk id="6" creationId="{B5BFB172-B16F-492E-AB6E-9BA4FACBC13E}"/>
+          </ac:spMkLst>
+        </pc:spChg>
+        <pc:spChg chg="add del">
+          <ac:chgData name="Niharika Sachdeva" userId="a6485dc24ed82a52" providerId="LiveId" clId="{EB4E9C1D-324C-4D51-B933-AF4CD5ADF96B}" dt="2018-09-24T15:19:57.624" v="790"/>
+          <ac:spMkLst>
+            <pc:docMk/>
+            <pc:sldMk cId="1044642986" sldId="260"/>
+            <ac:spMk id="7" creationId="{0D91D021-98E7-4FC9-8DA2-B5D910EDFA12}"/>
+          </ac:spMkLst>
+        </pc:spChg>
+        <pc:spChg chg="add del mod">
+          <ac:chgData name="Niharika Sachdeva" userId="a6485dc24ed82a52" providerId="LiveId" clId="{EB4E9C1D-324C-4D51-B933-AF4CD5ADF96B}" dt="2018-09-24T15:20:14.911" v="793"/>
+          <ac:spMkLst>
+            <pc:docMk/>
+            <pc:sldMk cId="1044642986" sldId="260"/>
+            <ac:spMk id="8" creationId="{427AA454-4F97-44E3-A6F9-5013A12B5147}"/>
+          </ac:spMkLst>
+        </pc:spChg>
+        <pc:spChg chg="add mod">
+          <ac:chgData name="Niharika Sachdeva" userId="a6485dc24ed82a52" providerId="LiveId" clId="{EB4E9C1D-324C-4D51-B933-AF4CD5ADF96B}" dt="2018-09-24T16:40:46.225" v="1796" actId="688"/>
+          <ac:spMkLst>
+            <pc:docMk/>
+            <pc:sldMk cId="1044642986" sldId="260"/>
+            <ac:spMk id="9" creationId="{2EE020CF-9686-4601-AE3A-EF81EAC7DDF9}"/>
+          </ac:spMkLst>
+        </pc:spChg>
+        <pc:spChg chg="add mod">
+          <ac:chgData name="Niharika Sachdeva" userId="a6485dc24ed82a52" providerId="LiveId" clId="{EB4E9C1D-324C-4D51-B933-AF4CD5ADF96B}" dt="2018-09-24T15:30:31.593" v="1793" actId="20577"/>
+          <ac:spMkLst>
+            <pc:docMk/>
+            <pc:sldMk cId="1044642986" sldId="260"/>
+            <ac:spMk id="21" creationId="{340809F5-D571-4551-822C-4F13068C236B}"/>
+          </ac:spMkLst>
+        </pc:spChg>
+        <pc:spChg chg="add del">
+          <ac:chgData name="Niharika Sachdeva" userId="a6485dc24ed82a52" providerId="LiveId" clId="{EB4E9C1D-324C-4D51-B933-AF4CD5ADF96B}" dt="2018-09-24T15:16:39.993" v="774" actId="26606"/>
+          <ac:spMkLst>
+            <pc:docMk/>
+            <pc:sldMk cId="1044642986" sldId="260"/>
+            <ac:spMk id="80" creationId="{E1750109-3B91-4506-B997-0CD8E35A1488}"/>
+          </ac:spMkLst>
+        </pc:spChg>
+        <pc:spChg chg="add del">
+          <ac:chgData name="Niharika Sachdeva" userId="a6485dc24ed82a52" providerId="LiveId" clId="{EB4E9C1D-324C-4D51-B933-AF4CD5ADF96B}" dt="2018-09-24T15:16:39.993" v="774" actId="26606"/>
+          <ac:spMkLst>
+            <pc:docMk/>
+            <pc:sldMk cId="1044642986" sldId="260"/>
+            <ac:spMk id="82" creationId="{E72D8D1B-59F6-4FF3-8547-9BBB6129F2FA}"/>
+          </ac:spMkLst>
+        </pc:spChg>
+        <pc:spChg chg="add del">
+          <ac:chgData name="Niharika Sachdeva" userId="a6485dc24ed82a52" providerId="LiveId" clId="{EB4E9C1D-324C-4D51-B933-AF4CD5ADF96B}" dt="2018-09-24T15:16:39.993" v="774" actId="26606"/>
+          <ac:spMkLst>
+            <pc:docMk/>
+            <pc:sldMk cId="1044642986" sldId="260"/>
+            <ac:spMk id="84" creationId="{14044C96-7CFD-44DB-A579-D77B0D37C681}"/>
+          </ac:spMkLst>
+        </pc:spChg>
+        <pc:spChg chg="add del">
+          <ac:chgData name="Niharika Sachdeva" userId="a6485dc24ed82a52" providerId="LiveId" clId="{EB4E9C1D-324C-4D51-B933-AF4CD5ADF96B}" dt="2018-09-24T15:16:39.993" v="774" actId="26606"/>
+          <ac:spMkLst>
+            <pc:docMk/>
+            <pc:sldMk cId="1044642986" sldId="260"/>
+            <ac:spMk id="86" creationId="{8FC8C21F-9484-4A71-ABFA-6C10682FAC3E}"/>
+          </ac:spMkLst>
+        </pc:spChg>
+        <pc:spChg chg="add del">
+          <ac:chgData name="Niharika Sachdeva" userId="a6485dc24ed82a52" providerId="LiveId" clId="{EB4E9C1D-324C-4D51-B933-AF4CD5ADF96B}" dt="2018-09-24T15:16:39.993" v="774" actId="26606"/>
+          <ac:spMkLst>
+            <pc:docMk/>
+            <pc:sldMk cId="1044642986" sldId="260"/>
+            <ac:spMk id="88" creationId="{2C444748-5A8D-4B53-89FE-42B455DFA2D1}"/>
+          </ac:spMkLst>
+        </pc:spChg>
+        <pc:spChg chg="add del">
+          <ac:chgData name="Niharika Sachdeva" userId="a6485dc24ed82a52" providerId="LiveId" clId="{EB4E9C1D-324C-4D51-B933-AF4CD5ADF96B}" dt="2018-09-24T15:16:39.993" v="774" actId="26606"/>
+          <ac:spMkLst>
+            <pc:docMk/>
+            <pc:sldMk cId="1044642986" sldId="260"/>
+            <ac:spMk id="90" creationId="{F4FFA271-A10A-4AC3-8F06-E3313A197A80}"/>
+          </ac:spMkLst>
+        </pc:spChg>
+        <pc:picChg chg="add mod ord">
+          <ac:chgData name="Niharika Sachdeva" userId="a6485dc24ed82a52" providerId="LiveId" clId="{EB4E9C1D-324C-4D51-B933-AF4CD5ADF96B}" dt="2018-09-24T15:22:53.615" v="1085" actId="1035"/>
+          <ac:picMkLst>
+            <pc:docMk/>
+            <pc:sldMk cId="1044642986" sldId="260"/>
+            <ac:picMk id="1027" creationId="{1F5E28C2-C816-4F07-8124-6C7C0D901080}"/>
+          </ac:picMkLst>
+        </pc:picChg>
+        <pc:picChg chg="add mod">
+          <ac:chgData name="Niharika Sachdeva" userId="a6485dc24ed82a52" providerId="LiveId" clId="{EB4E9C1D-324C-4D51-B933-AF4CD5ADF96B}" dt="2018-09-24T15:23:09.469" v="1229" actId="14100"/>
+          <ac:picMkLst>
+            <pc:docMk/>
+            <pc:sldMk cId="1044642986" sldId="260"/>
+            <ac:picMk id="1029" creationId="{F0EF154A-DE14-45AF-88E4-B2FC9C3C7A78}"/>
+          </ac:picMkLst>
+        </pc:picChg>
+        <pc:picChg chg="add mod ord">
+          <ac:chgData name="Niharika Sachdeva" userId="a6485dc24ed82a52" providerId="LiveId" clId="{EB4E9C1D-324C-4D51-B933-AF4CD5ADF96B}" dt="2018-09-24T15:22:43.450" v="993" actId="1037"/>
+          <ac:picMkLst>
+            <pc:docMk/>
+            <pc:sldMk cId="1044642986" sldId="260"/>
+            <ac:picMk id="1031" creationId="{A69A033B-FAF3-43C1-8348-F3D5D100E2CA}"/>
+          </ac:picMkLst>
+        </pc:picChg>
+        <pc:picChg chg="add mod">
+          <ac:chgData name="Niharika Sachdeva" userId="a6485dc24ed82a52" providerId="LiveId" clId="{EB4E9C1D-324C-4D51-B933-AF4CD5ADF96B}" dt="2018-09-24T15:22:34.782" v="945" actId="1037"/>
+          <ac:picMkLst>
+            <pc:docMk/>
+            <pc:sldMk cId="1044642986" sldId="260"/>
+            <ac:picMk id="1033" creationId="{5DE1F4A3-3CE1-4F2A-BFDF-07B3EBB977BC}"/>
+          </ac:picMkLst>
+        </pc:picChg>
+        <pc:picChg chg="add mod ord">
+          <ac:chgData name="Niharika Sachdeva" userId="a6485dc24ed82a52" providerId="LiveId" clId="{EB4E9C1D-324C-4D51-B933-AF4CD5ADF96B}" dt="2018-09-24T15:22:23.942" v="827" actId="1036"/>
+          <ac:picMkLst>
+            <pc:docMk/>
+            <pc:sldMk cId="1044642986" sldId="260"/>
+            <ac:picMk id="1035" creationId="{F33BF08E-CCFB-4813-B183-3D17D3554728}"/>
+          </ac:picMkLst>
+        </pc:picChg>
+      </pc:sldChg>
+      <pc:sldChg chg="addSp delSp modSp add addCm delCm">
+        <pc:chgData name="Niharika Sachdeva" userId="a6485dc24ed82a52" providerId="LiveId" clId="{EB4E9C1D-324C-4D51-B933-AF4CD5ADF96B}" dt="2018-09-24T17:59:38.946" v="2200" actId="6549"/>
+        <pc:sldMkLst>
+          <pc:docMk/>
+          <pc:sldMk cId="1339316662" sldId="261"/>
+        </pc:sldMkLst>
+        <pc:spChg chg="add del">
+          <ac:chgData name="Niharika Sachdeva" userId="a6485dc24ed82a52" providerId="LiveId" clId="{EB4E9C1D-324C-4D51-B933-AF4CD5ADF96B}" dt="2018-09-24T16:42:18.662" v="1799"/>
+          <ac:spMkLst>
+            <pc:docMk/>
+            <pc:sldMk cId="1339316662" sldId="261"/>
+            <ac:spMk id="2" creationId="{E4D024D5-03A7-4BE5-9E38-7CBE87B4CF87}"/>
+          </ac:spMkLst>
+        </pc:spChg>
+        <pc:spChg chg="add mod">
+          <ac:chgData name="Niharika Sachdeva" userId="a6485dc24ed82a52" providerId="LiveId" clId="{EB4E9C1D-324C-4D51-B933-AF4CD5ADF96B}" dt="2018-09-24T17:56:36.082" v="2044" actId="14100"/>
+          <ac:spMkLst>
+            <pc:docMk/>
+            <pc:sldMk cId="1339316662" sldId="261"/>
+            <ac:spMk id="3" creationId="{FB19A2A6-DD03-47C5-B951-C6131E119EB3}"/>
+          </ac:spMkLst>
+        </pc:spChg>
+        <pc:spChg chg="add mod">
+          <ac:chgData name="Niharika Sachdeva" userId="a6485dc24ed82a52" providerId="LiveId" clId="{EB4E9C1D-324C-4D51-B933-AF4CD5ADF96B}" dt="2018-09-24T17:57:56.122" v="2080" actId="14100"/>
+          <ac:spMkLst>
+            <pc:docMk/>
+            <pc:sldMk cId="1339316662" sldId="261"/>
+            <ac:spMk id="7" creationId="{7AE3B177-F001-4E48-97EA-8D60E1521047}"/>
+          </ac:spMkLst>
+        </pc:spChg>
+        <pc:spChg chg="add mod">
+          <ac:chgData name="Niharika Sachdeva" userId="a6485dc24ed82a52" providerId="LiveId" clId="{EB4E9C1D-324C-4D51-B933-AF4CD5ADF96B}" dt="2018-09-24T17:59:38.946" v="2200" actId="6549"/>
+          <ac:spMkLst>
+            <pc:docMk/>
+            <pc:sldMk cId="1339316662" sldId="261"/>
+            <ac:spMk id="12" creationId="{13501BD2-7969-4A69-BB3C-0CB8C03995AF}"/>
+          </ac:spMkLst>
+        </pc:spChg>
+        <pc:picChg chg="add del">
+          <ac:chgData name="Niharika Sachdeva" userId="a6485dc24ed82a52" providerId="LiveId" clId="{EB4E9C1D-324C-4D51-B933-AF4CD5ADF96B}" dt="2018-09-24T16:42:57.228" v="1801" actId="478"/>
+          <ac:picMkLst>
+            <pc:docMk/>
+            <pc:sldMk cId="1339316662" sldId="261"/>
+            <ac:picMk id="2051" creationId="{85B441C1-BE71-460E-A0E4-C7F1B59DFB93}"/>
+          </ac:picMkLst>
+        </pc:picChg>
+        <pc:picChg chg="add del mod">
+          <ac:chgData name="Niharika Sachdeva" userId="a6485dc24ed82a52" providerId="LiveId" clId="{EB4E9C1D-324C-4D51-B933-AF4CD5ADF96B}" dt="2018-09-24T17:55:17.499" v="2028" actId="478"/>
+          <ac:picMkLst>
+            <pc:docMk/>
+            <pc:sldMk cId="1339316662" sldId="261"/>
+            <ac:picMk id="2053" creationId="{B4303AA9-7E1A-42E4-90FF-1888EB04F0FF}"/>
+          </ac:picMkLst>
+        </pc:picChg>
+        <pc:picChg chg="add del">
+          <ac:chgData name="Niharika Sachdeva" userId="a6485dc24ed82a52" providerId="LiveId" clId="{EB4E9C1D-324C-4D51-B933-AF4CD5ADF96B}" dt="2018-09-24T16:46:36.969" v="1864"/>
+          <ac:picMkLst>
+            <pc:docMk/>
+            <pc:sldMk cId="1339316662" sldId="261"/>
+            <ac:picMk id="2055" creationId="{481AA24C-2072-4846-A12F-1F235A11EC6D}"/>
+          </ac:picMkLst>
+        </pc:picChg>
+        <pc:picChg chg="add mod">
+          <ac:chgData name="Niharika Sachdeva" userId="a6485dc24ed82a52" providerId="LiveId" clId="{EB4E9C1D-324C-4D51-B933-AF4CD5ADF96B}" dt="2018-09-24T17:56:49.151" v="2046" actId="14100"/>
+          <ac:picMkLst>
+            <pc:docMk/>
+            <pc:sldMk cId="1339316662" sldId="261"/>
+            <ac:picMk id="2057" creationId="{F6151840-05B6-425C-BE38-BBBF06E280B0}"/>
+          </ac:picMkLst>
+        </pc:picChg>
+        <pc:picChg chg="add mod">
+          <ac:chgData name="Niharika Sachdeva" userId="a6485dc24ed82a52" providerId="LiveId" clId="{EB4E9C1D-324C-4D51-B933-AF4CD5ADF96B}" dt="2018-09-24T17:56:44.954" v="2045" actId="14100"/>
+          <ac:picMkLst>
+            <pc:docMk/>
+            <pc:sldMk cId="1339316662" sldId="261"/>
+            <ac:picMk id="2059" creationId="{BBF05B07-3E5A-4512-AEDC-F7EA610838A0}"/>
+          </ac:picMkLst>
+        </pc:picChg>
+        <pc:picChg chg="add del">
+          <ac:chgData name="Niharika Sachdeva" userId="a6485dc24ed82a52" providerId="LiveId" clId="{EB4E9C1D-324C-4D51-B933-AF4CD5ADF96B}" dt="2018-09-24T17:57:41.717" v="2077"/>
+          <ac:picMkLst>
+            <pc:docMk/>
+            <pc:sldMk cId="1339316662" sldId="261"/>
+            <ac:picMk id="2061" creationId="{D7C43396-2519-4CC0-BA8F-1C61603F15C6}"/>
+          </ac:picMkLst>
+        </pc:picChg>
+        <pc:picChg chg="add del">
+          <ac:chgData name="Niharika Sachdeva" userId="a6485dc24ed82a52" providerId="LiveId" clId="{EB4E9C1D-324C-4D51-B933-AF4CD5ADF96B}" dt="2018-09-24T17:57:47.394" v="2079"/>
+          <ac:picMkLst>
+            <pc:docMk/>
+            <pc:sldMk cId="1339316662" sldId="261"/>
+            <ac:picMk id="2063" creationId="{E83E810D-D369-4D5A-B538-898200A2F8FA}"/>
+          </ac:picMkLst>
+        </pc:picChg>
+      </pc:sldChg>
+      <pc:sldChg chg="add del">
+        <pc:chgData name="Niharika Sachdeva" userId="a6485dc24ed82a52" providerId="LiveId" clId="{EB4E9C1D-324C-4D51-B933-AF4CD5ADF96B}" dt="2018-09-24T17:18:14.937" v="2027" actId="2696"/>
+        <pc:sldMkLst>
+          <pc:docMk/>
+          <pc:sldMk cId="3997503937" sldId="262"/>
+        </pc:sldMkLst>
+      </pc:sldChg>
+      <pc:sldChg chg="addSp delSp modSp add mod setBg">
+        <pc:chgData name="Niharika Sachdeva" userId="a6485dc24ed82a52" providerId="LiveId" clId="{EB4E9C1D-324C-4D51-B933-AF4CD5ADF96B}" dt="2018-09-24T17:17:34.887" v="2026" actId="113"/>
+        <pc:sldMkLst>
+          <pc:docMk/>
+          <pc:sldMk cId="1333734352" sldId="263"/>
+        </pc:sldMkLst>
+        <pc:spChg chg="add mod">
+          <ac:chgData name="Niharika Sachdeva" userId="a6485dc24ed82a52" providerId="LiveId" clId="{EB4E9C1D-324C-4D51-B933-AF4CD5ADF96B}" dt="2018-09-24T17:17:34.887" v="2026" actId="113"/>
+          <ac:spMkLst>
+            <pc:docMk/>
+            <pc:sldMk cId="1333734352" sldId="263"/>
+            <ac:spMk id="3" creationId="{9CBB3CA7-CFA4-445D-9F8A-5F559031A770}"/>
+          </ac:spMkLst>
+        </pc:spChg>
+        <pc:spChg chg="add del">
+          <ac:chgData name="Niharika Sachdeva" userId="a6485dc24ed82a52" providerId="LiveId" clId="{EB4E9C1D-324C-4D51-B933-AF4CD5ADF96B}" dt="2018-09-24T17:13:30.259" v="1970" actId="26606"/>
+          <ac:spMkLst>
+            <pc:docMk/>
+            <pc:sldMk cId="1333734352" sldId="263"/>
+            <ac:spMk id="7" creationId="{A2509F26-B5DC-4BA7-B476-4CB044237A2E}"/>
+          </ac:spMkLst>
+        </pc:spChg>
+        <pc:spChg chg="add del">
+          <ac:chgData name="Niharika Sachdeva" userId="a6485dc24ed82a52" providerId="LiveId" clId="{EB4E9C1D-324C-4D51-B933-AF4CD5ADF96B}" dt="2018-09-24T17:13:30.259" v="1970" actId="26606"/>
+          <ac:spMkLst>
+            <pc:docMk/>
+            <pc:sldMk cId="1333734352" sldId="263"/>
+            <ac:spMk id="9" creationId="{DB103EB1-B135-4526-B883-33228FC27FF1}"/>
+          </ac:spMkLst>
+        </pc:spChg>
+        <pc:spChg chg="add del">
+          <ac:chgData name="Niharika Sachdeva" userId="a6485dc24ed82a52" providerId="LiveId" clId="{EB4E9C1D-324C-4D51-B933-AF4CD5ADF96B}" dt="2018-09-24T17:13:43.007" v="1972" actId="26606"/>
+          <ac:spMkLst>
+            <pc:docMk/>
+            <pc:sldMk cId="1333734352" sldId="263"/>
+            <ac:spMk id="11" creationId="{53BB5D57-6178-4F62-B472-0312F6D95A85}"/>
+          </ac:spMkLst>
+        </pc:spChg>
+        <pc:spChg chg="add del">
+          <ac:chgData name="Niharika Sachdeva" userId="a6485dc24ed82a52" providerId="LiveId" clId="{EB4E9C1D-324C-4D51-B933-AF4CD5ADF96B}" dt="2018-09-24T17:13:43.007" v="1972" actId="26606"/>
+          <ac:spMkLst>
+            <pc:docMk/>
+            <pc:sldMk cId="1333734352" sldId="263"/>
+            <ac:spMk id="12" creationId="{4C61BD32-7542-4D52-BA5A-3ADE869BF8AC}"/>
+          </ac:spMkLst>
+        </pc:spChg>
+        <pc:picChg chg="add mod">
+          <ac:chgData name="Niharika Sachdeva" userId="a6485dc24ed82a52" providerId="LiveId" clId="{EB4E9C1D-324C-4D51-B933-AF4CD5ADF96B}" dt="2018-09-24T17:14:35.540" v="1982" actId="14100"/>
+          <ac:picMkLst>
+            <pc:docMk/>
+            <pc:sldMk cId="1333734352" sldId="263"/>
+            <ac:picMk id="2" creationId="{94B97345-D14C-47D3-9D35-210973D58F34}"/>
+          </ac:picMkLst>
+        </pc:picChg>
+        <pc:picChg chg="add del">
+          <ac:chgData name="Niharika Sachdeva" userId="a6485dc24ed82a52" providerId="LiveId" clId="{EB4E9C1D-324C-4D51-B933-AF4CD5ADF96B}" dt="2018-09-24T17:14:01.589" v="1976" actId="26606"/>
+          <ac:picMkLst>
+            <pc:docMk/>
+            <pc:sldMk cId="1333734352" sldId="263"/>
+            <ac:picMk id="14" creationId="{7309214B-9B60-4A94-88B5-44CB8D263285}"/>
+          </ac:picMkLst>
+        </pc:picChg>
       </pc:sldChg>
     </pc:docChg>
   </pc:docChgLst>
@@ -334,7 +678,7 @@
           <a:p>
             <a:fld id="{769E655C-4475-4DA5-90DB-861734EC662E}" type="datetimeFigureOut">
               <a:rPr lang="en-US" smtClean="0"/>
-              <a:t>9/22/2018</a:t>
+              <a:t>9/24/2018</a:t>
             </a:fld>
             <a:endParaRPr lang="en-US"/>
           </a:p>
@@ -532,7 +876,7 @@
           <a:p>
             <a:fld id="{769E655C-4475-4DA5-90DB-861734EC662E}" type="datetimeFigureOut">
               <a:rPr lang="en-US" smtClean="0"/>
-              <a:t>9/22/2018</a:t>
+              <a:t>9/24/2018</a:t>
             </a:fld>
             <a:endParaRPr lang="en-US"/>
           </a:p>
@@ -740,7 +1084,7 @@
           <a:p>
             <a:fld id="{769E655C-4475-4DA5-90DB-861734EC662E}" type="datetimeFigureOut">
               <a:rPr lang="en-US" smtClean="0"/>
-              <a:t>9/22/2018</a:t>
+              <a:t>9/24/2018</a:t>
             </a:fld>
             <a:endParaRPr lang="en-US"/>
           </a:p>
@@ -938,7 +1282,7 @@
           <a:p>
             <a:fld id="{769E655C-4475-4DA5-90DB-861734EC662E}" type="datetimeFigureOut">
               <a:rPr lang="en-US" smtClean="0"/>
-              <a:t>9/22/2018</a:t>
+              <a:t>9/24/2018</a:t>
             </a:fld>
             <a:endParaRPr lang="en-US"/>
           </a:p>
@@ -1213,7 +1557,7 @@
           <a:p>
             <a:fld id="{769E655C-4475-4DA5-90DB-861734EC662E}" type="datetimeFigureOut">
               <a:rPr lang="en-US" smtClean="0"/>
-              <a:t>9/22/2018</a:t>
+              <a:t>9/24/2018</a:t>
             </a:fld>
             <a:endParaRPr lang="en-US"/>
           </a:p>
@@ -1478,7 +1822,7 @@
           <a:p>
             <a:fld id="{769E655C-4475-4DA5-90DB-861734EC662E}" type="datetimeFigureOut">
               <a:rPr lang="en-US" smtClean="0"/>
-              <a:t>9/22/2018</a:t>
+              <a:t>9/24/2018</a:t>
             </a:fld>
             <a:endParaRPr lang="en-US"/>
           </a:p>
@@ -1890,7 +2234,7 @@
           <a:p>
             <a:fld id="{769E655C-4475-4DA5-90DB-861734EC662E}" type="datetimeFigureOut">
               <a:rPr lang="en-US" smtClean="0"/>
-              <a:t>9/22/2018</a:t>
+              <a:t>9/24/2018</a:t>
             </a:fld>
             <a:endParaRPr lang="en-US"/>
           </a:p>
@@ -2031,7 +2375,7 @@
           <a:p>
             <a:fld id="{769E655C-4475-4DA5-90DB-861734EC662E}" type="datetimeFigureOut">
               <a:rPr lang="en-US" smtClean="0"/>
-              <a:t>9/22/2018</a:t>
+              <a:t>9/24/2018</a:t>
             </a:fld>
             <a:endParaRPr lang="en-US"/>
           </a:p>
@@ -2144,7 +2488,7 @@
           <a:p>
             <a:fld id="{769E655C-4475-4DA5-90DB-861734EC662E}" type="datetimeFigureOut">
               <a:rPr lang="en-US" smtClean="0"/>
-              <a:t>9/22/2018</a:t>
+              <a:t>9/24/2018</a:t>
             </a:fld>
             <a:endParaRPr lang="en-US"/>
           </a:p>
@@ -2455,7 +2799,7 @@
           <a:p>
             <a:fld id="{769E655C-4475-4DA5-90DB-861734EC662E}" type="datetimeFigureOut">
               <a:rPr lang="en-US" smtClean="0"/>
-              <a:t>9/22/2018</a:t>
+              <a:t>9/24/2018</a:t>
             </a:fld>
             <a:endParaRPr lang="en-US"/>
           </a:p>
@@ -2743,7 +3087,7 @@
           <a:p>
             <a:fld id="{769E655C-4475-4DA5-90DB-861734EC662E}" type="datetimeFigureOut">
               <a:rPr lang="en-US" smtClean="0"/>
-              <a:t>9/22/2018</a:t>
+              <a:t>9/24/2018</a:t>
             </a:fld>
             <a:endParaRPr lang="en-US"/>
           </a:p>
@@ -2984,7 +3328,7 @@
           <a:p>
             <a:fld id="{769E655C-4475-4DA5-90DB-861734EC662E}" type="datetimeFigureOut">
               <a:rPr lang="en-US" smtClean="0"/>
-              <a:t>9/22/2018</a:t>
+              <a:t>9/24/2018</a:t>
             </a:fld>
             <a:endParaRPr lang="en-US"/>
           </a:p>
@@ -3754,6 +4098,105 @@
           <a:chExt cx="0" cy="0"/>
         </a:xfrm>
       </p:grpSpPr>
+      <p:pic>
+        <p:nvPicPr>
+          <p:cNvPr id="2" name="Picture 1">
+            <a:extLst>
+              <a:ext uri="{FF2B5EF4-FFF2-40B4-BE49-F238E27FC236}">
+                <a16:creationId xmlns:a16="http://schemas.microsoft.com/office/drawing/2014/main" id="{94B97345-D14C-47D3-9D35-210973D58F34}"/>
+              </a:ext>
+            </a:extLst>
+          </p:cNvPr>
+          <p:cNvPicPr>
+            <a:picLocks noChangeAspect="1"/>
+          </p:cNvPicPr>
+          <p:nvPr/>
+        </p:nvPicPr>
+        <p:blipFill>
+          <a:blip r:embed="rId2"/>
+          <a:stretch>
+            <a:fillRect/>
+          </a:stretch>
+        </p:blipFill>
+        <p:spPr>
+          <a:xfrm>
+            <a:off x="203199" y="877454"/>
+            <a:ext cx="11813309" cy="5980545"/>
+          </a:xfrm>
+          <a:prstGeom prst="rect">
+            <a:avLst/>
+          </a:prstGeom>
+        </p:spPr>
+      </p:pic>
+      <p:sp>
+        <p:nvSpPr>
+          <p:cNvPr id="3" name="TextBox 2">
+            <a:extLst>
+              <a:ext uri="{FF2B5EF4-FFF2-40B4-BE49-F238E27FC236}">
+                <a16:creationId xmlns:a16="http://schemas.microsoft.com/office/drawing/2014/main" id="{9CBB3CA7-CFA4-445D-9F8A-5F559031A770}"/>
+              </a:ext>
+            </a:extLst>
+          </p:cNvPr>
+          <p:cNvSpPr txBox="1"/>
+          <p:nvPr/>
+        </p:nvSpPr>
+        <p:spPr>
+          <a:xfrm>
+            <a:off x="3158836" y="424873"/>
+            <a:ext cx="5329382" cy="369332"/>
+          </a:xfrm>
+          <a:prstGeom prst="rect">
+            <a:avLst/>
+          </a:prstGeom>
+          <a:noFill/>
+        </p:spPr>
+        <p:txBody>
+          <a:bodyPr wrap="square" rtlCol="0">
+            <a:spAutoFit/>
+          </a:bodyPr>
+          <a:lstStyle/>
+          <a:p>
+            <a:r>
+              <a:rPr lang="en-US" b="1" dirty="0">
+                <a:solidFill>
+                  <a:srgbClr val="FF0000"/>
+                </a:solidFill>
+              </a:rPr>
+              <a:t>CSV FILE – “MOTOR VEHICLE CRASH”</a:t>
+            </a:r>
+          </a:p>
+        </p:txBody>
+      </p:sp>
+    </p:spTree>
+    <p:extLst>
+      <p:ext uri="{BB962C8B-B14F-4D97-AF65-F5344CB8AC3E}">
+        <p14:creationId xmlns:p14="http://schemas.microsoft.com/office/powerpoint/2010/main" val="1333734352"/>
+      </p:ext>
+    </p:extLst>
+  </p:cSld>
+  <p:clrMapOvr>
+    <a:masterClrMapping/>
+  </p:clrMapOvr>
+</p:sld>
+</file>
+
+<file path=ppt/slides/slide5.xml><?xml version="1.0" encoding="utf-8"?>
+<p:sld xmlns:a="http://schemas.openxmlformats.org/drawingml/2006/main" xmlns:r="http://schemas.openxmlformats.org/officeDocument/2006/relationships" xmlns:p="http://schemas.openxmlformats.org/presentationml/2006/main">
+  <p:cSld>
+    <p:spTree>
+      <p:nvGrpSpPr>
+        <p:cNvPr id="1" name=""/>
+        <p:cNvGrpSpPr/>
+        <p:nvPr/>
+      </p:nvGrpSpPr>
+      <p:grpSpPr>
+        <a:xfrm>
+          <a:off x="0" y="0"/>
+          <a:ext cx="0" cy="0"/>
+          <a:chOff x="0" y="0"/>
+          <a:chExt cx="0" cy="0"/>
+        </a:xfrm>
+      </p:grpSpPr>
       <p:sp>
         <p:nvSpPr>
           <p:cNvPr id="2" name="Title 1">
@@ -3991,7 +4434,540 @@
 </p:sld>
 </file>
 
-<file path=ppt/slides/slide5.xml><?xml version="1.0" encoding="utf-8"?>
+<file path=ppt/slides/slide6.xml><?xml version="1.0" encoding="utf-8"?>
+<p:sld xmlns:a="http://schemas.openxmlformats.org/drawingml/2006/main" xmlns:r="http://schemas.openxmlformats.org/officeDocument/2006/relationships" xmlns:p="http://schemas.openxmlformats.org/presentationml/2006/main">
+  <p:cSld>
+    <p:bg>
+      <p:bgPr>
+        <a:solidFill>
+          <a:schemeClr val="bg1"/>
+        </a:solidFill>
+        <a:effectLst/>
+      </p:bgPr>
+    </p:bg>
+    <p:spTree>
+      <p:nvGrpSpPr>
+        <p:cNvPr id="1" name=""/>
+        <p:cNvGrpSpPr/>
+        <p:nvPr/>
+      </p:nvGrpSpPr>
+      <p:grpSpPr>
+        <a:xfrm>
+          <a:off x="0" y="0"/>
+          <a:ext cx="0" cy="0"/>
+          <a:chOff x="0" y="0"/>
+          <a:chExt cx="0" cy="0"/>
+        </a:xfrm>
+      </p:grpSpPr>
+      <p:pic>
+        <p:nvPicPr>
+          <p:cNvPr id="1035" name="Picture 11">
+            <a:extLst>
+              <a:ext uri="{FF2B5EF4-FFF2-40B4-BE49-F238E27FC236}">
+                <a16:creationId xmlns:a16="http://schemas.microsoft.com/office/drawing/2014/main" id="{F33BF08E-CCFB-4813-B183-3D17D3554728}"/>
+              </a:ext>
+            </a:extLst>
+          </p:cNvPr>
+          <p:cNvPicPr>
+            <a:picLocks noChangeAspect="1" noChangeArrowheads="1"/>
+          </p:cNvPicPr>
+          <p:nvPr/>
+        </p:nvPicPr>
+        <p:blipFill>
+          <a:blip r:embed="rId2">
+            <a:extLst>
+              <a:ext uri="{28A0092B-C50C-407E-A947-70E740481C1C}">
+                <a14:useLocalDpi xmlns:a14="http://schemas.microsoft.com/office/drawing/2010/main" val="0"/>
+              </a:ext>
+            </a:extLst>
+          </a:blip>
+          <a:srcRect/>
+          <a:stretch>
+            <a:fillRect/>
+          </a:stretch>
+        </p:blipFill>
+        <p:spPr bwMode="auto">
+          <a:xfrm>
+            <a:off x="321549" y="676517"/>
+            <a:ext cx="2820441" cy="2624663"/>
+          </a:xfrm>
+          <a:prstGeom prst="rect">
+            <a:avLst/>
+          </a:prstGeom>
+          <a:noFill/>
+          <a:extLst>
+            <a:ext uri="{909E8E84-426E-40DD-AFC4-6F175D3DCCD1}">
+              <a14:hiddenFill xmlns:a14="http://schemas.microsoft.com/office/drawing/2010/main">
+                <a:solidFill>
+                  <a:srgbClr val="FFFFFF"/>
+                </a:solidFill>
+              </a14:hiddenFill>
+            </a:ext>
+          </a:extLst>
+        </p:spPr>
+      </p:pic>
+      <p:pic>
+        <p:nvPicPr>
+          <p:cNvPr id="1029" name="Picture 5">
+            <a:extLst>
+              <a:ext uri="{FF2B5EF4-FFF2-40B4-BE49-F238E27FC236}">
+                <a16:creationId xmlns:a16="http://schemas.microsoft.com/office/drawing/2014/main" id="{F0EF154A-DE14-45AF-88E4-B2FC9C3C7A78}"/>
+              </a:ext>
+            </a:extLst>
+          </p:cNvPr>
+          <p:cNvPicPr>
+            <a:picLocks noChangeAspect="1" noChangeArrowheads="1"/>
+          </p:cNvPicPr>
+          <p:nvPr/>
+        </p:nvPicPr>
+        <p:blipFill>
+          <a:blip r:embed="rId3">
+            <a:extLst>
+              <a:ext uri="{28A0092B-C50C-407E-A947-70E740481C1C}">
+                <a14:useLocalDpi xmlns:a14="http://schemas.microsoft.com/office/drawing/2010/main" val="0"/>
+              </a:ext>
+            </a:extLst>
+          </a:blip>
+          <a:srcRect/>
+          <a:stretch>
+            <a:fillRect/>
+          </a:stretch>
+        </p:blipFill>
+        <p:spPr bwMode="auto">
+          <a:xfrm>
+            <a:off x="46054" y="3584333"/>
+            <a:ext cx="3292057" cy="3292057"/>
+          </a:xfrm>
+          <a:prstGeom prst="rect">
+            <a:avLst/>
+          </a:prstGeom>
+          <a:noFill/>
+          <a:extLst>
+            <a:ext uri="{909E8E84-426E-40DD-AFC4-6F175D3DCCD1}">
+              <a14:hiddenFill xmlns:a14="http://schemas.microsoft.com/office/drawing/2010/main">
+                <a:solidFill>
+                  <a:srgbClr val="FFFFFF"/>
+                </a:solidFill>
+              </a14:hiddenFill>
+            </a:ext>
+          </a:extLst>
+        </p:spPr>
+      </p:pic>
+      <p:pic>
+        <p:nvPicPr>
+          <p:cNvPr id="1031" name="Picture 7">
+            <a:extLst>
+              <a:ext uri="{FF2B5EF4-FFF2-40B4-BE49-F238E27FC236}">
+                <a16:creationId xmlns:a16="http://schemas.microsoft.com/office/drawing/2014/main" id="{A69A033B-FAF3-43C1-8348-F3D5D100E2CA}"/>
+              </a:ext>
+            </a:extLst>
+          </p:cNvPr>
+          <p:cNvPicPr>
+            <a:picLocks noChangeAspect="1" noChangeArrowheads="1"/>
+          </p:cNvPicPr>
+          <p:nvPr/>
+        </p:nvPicPr>
+        <p:blipFill>
+          <a:blip r:embed="rId4">
+            <a:extLst>
+              <a:ext uri="{28A0092B-C50C-407E-A947-70E740481C1C}">
+                <a14:useLocalDpi xmlns:a14="http://schemas.microsoft.com/office/drawing/2010/main" val="0"/>
+              </a:ext>
+            </a:extLst>
+          </a:blip>
+          <a:srcRect/>
+          <a:stretch>
+            <a:fillRect/>
+          </a:stretch>
+        </p:blipFill>
+        <p:spPr bwMode="auto">
+          <a:xfrm>
+            <a:off x="6414203" y="643466"/>
+            <a:ext cx="2820440" cy="2624662"/>
+          </a:xfrm>
+          <a:prstGeom prst="rect">
+            <a:avLst/>
+          </a:prstGeom>
+          <a:noFill/>
+          <a:extLst>
+            <a:ext uri="{909E8E84-426E-40DD-AFC4-6F175D3DCCD1}">
+              <a14:hiddenFill xmlns:a14="http://schemas.microsoft.com/office/drawing/2010/main">
+                <a:solidFill>
+                  <a:srgbClr val="FFFFFF"/>
+                </a:solidFill>
+              </a14:hiddenFill>
+            </a:ext>
+          </a:extLst>
+        </p:spPr>
+      </p:pic>
+      <p:pic>
+        <p:nvPicPr>
+          <p:cNvPr id="1033" name="Picture 9">
+            <a:extLst>
+              <a:ext uri="{FF2B5EF4-FFF2-40B4-BE49-F238E27FC236}">
+                <a16:creationId xmlns:a16="http://schemas.microsoft.com/office/drawing/2014/main" id="{5DE1F4A3-3CE1-4F2A-BFDF-07B3EBB977BC}"/>
+              </a:ext>
+            </a:extLst>
+          </p:cNvPr>
+          <p:cNvPicPr>
+            <a:picLocks noChangeAspect="1" noChangeArrowheads="1"/>
+          </p:cNvPicPr>
+          <p:nvPr/>
+        </p:nvPicPr>
+        <p:blipFill>
+          <a:blip r:embed="rId5">
+            <a:extLst>
+              <a:ext uri="{28A0092B-C50C-407E-A947-70E740481C1C}">
+                <a14:useLocalDpi xmlns:a14="http://schemas.microsoft.com/office/drawing/2010/main" val="0"/>
+              </a:ext>
+            </a:extLst>
+          </a:blip>
+          <a:srcRect/>
+          <a:stretch>
+            <a:fillRect/>
+          </a:stretch>
+        </p:blipFill>
+        <p:spPr bwMode="auto">
+          <a:xfrm>
+            <a:off x="3450341" y="659372"/>
+            <a:ext cx="2820443" cy="2624665"/>
+          </a:xfrm>
+          <a:prstGeom prst="rect">
+            <a:avLst/>
+          </a:prstGeom>
+          <a:noFill/>
+          <a:extLst>
+            <a:ext uri="{909E8E84-426E-40DD-AFC4-6F175D3DCCD1}">
+              <a14:hiddenFill xmlns:a14="http://schemas.microsoft.com/office/drawing/2010/main">
+                <a:solidFill>
+                  <a:srgbClr val="FFFFFF"/>
+                </a:solidFill>
+              </a14:hiddenFill>
+            </a:ext>
+          </a:extLst>
+        </p:spPr>
+      </p:pic>
+      <p:pic>
+        <p:nvPicPr>
+          <p:cNvPr id="1027" name="Picture 3">
+            <a:extLst>
+              <a:ext uri="{FF2B5EF4-FFF2-40B4-BE49-F238E27FC236}">
+                <a16:creationId xmlns:a16="http://schemas.microsoft.com/office/drawing/2014/main" id="{1F5E28C2-C816-4F07-8124-6C7C0D901080}"/>
+              </a:ext>
+            </a:extLst>
+          </p:cNvPr>
+          <p:cNvPicPr>
+            <a:picLocks noChangeAspect="1" noChangeArrowheads="1"/>
+          </p:cNvPicPr>
+          <p:nvPr/>
+        </p:nvPicPr>
+        <p:blipFill>
+          <a:blip r:embed="rId6">
+            <a:extLst>
+              <a:ext uri="{28A0092B-C50C-407E-A947-70E740481C1C}">
+                <a14:useLocalDpi xmlns:a14="http://schemas.microsoft.com/office/drawing/2010/main" val="0"/>
+              </a:ext>
+            </a:extLst>
+          </a:blip>
+          <a:srcRect/>
+          <a:stretch>
+            <a:fillRect/>
+          </a:stretch>
+        </p:blipFill>
+        <p:spPr bwMode="auto">
+          <a:xfrm>
+            <a:off x="9268211" y="615302"/>
+            <a:ext cx="2841212" cy="2643992"/>
+          </a:xfrm>
+          <a:prstGeom prst="rect">
+            <a:avLst/>
+          </a:prstGeom>
+          <a:noFill/>
+          <a:extLst>
+            <a:ext uri="{909E8E84-426E-40DD-AFC4-6F175D3DCCD1}">
+              <a14:hiddenFill xmlns:a14="http://schemas.microsoft.com/office/drawing/2010/main">
+                <a:solidFill>
+                  <a:srgbClr val="FFFFFF"/>
+                </a:solidFill>
+              </a14:hiddenFill>
+            </a:ext>
+          </a:extLst>
+        </p:spPr>
+      </p:pic>
+      <p:sp>
+        <p:nvSpPr>
+          <p:cNvPr id="9" name="TextBox 8">
+            <a:extLst>
+              <a:ext uri="{FF2B5EF4-FFF2-40B4-BE49-F238E27FC236}">
+                <a16:creationId xmlns:a16="http://schemas.microsoft.com/office/drawing/2014/main" id="{2EE020CF-9686-4601-AE3A-EF81EAC7DDF9}"/>
+              </a:ext>
+            </a:extLst>
+          </p:cNvPr>
+          <p:cNvSpPr txBox="1"/>
+          <p:nvPr/>
+        </p:nvSpPr>
+        <p:spPr>
+          <a:xfrm>
+            <a:off x="3673573" y="321732"/>
+            <a:ext cx="4834468" cy="430887"/>
+          </a:xfrm>
+          <a:prstGeom prst="rect">
+            <a:avLst/>
+          </a:prstGeom>
+          <a:noFill/>
+        </p:spPr>
+        <p:txBody>
+          <a:bodyPr wrap="square" rtlCol="0">
+            <a:spAutoFit/>
+          </a:bodyPr>
+          <a:lstStyle/>
+          <a:p>
+            <a:r>
+              <a:rPr lang="en-US" sz="2200" b="1" dirty="0">
+                <a:solidFill>
+                  <a:srgbClr val="FF0000"/>
+                </a:solidFill>
+              </a:rPr>
+              <a:t>Top 5 factors contributing to accidents</a:t>
+            </a:r>
+          </a:p>
+        </p:txBody>
+      </p:sp>
+      <p:sp>
+        <p:nvSpPr>
+          <p:cNvPr id="21" name="Text Placeholder 3">
+            <a:extLst>
+              <a:ext uri="{FF2B5EF4-FFF2-40B4-BE49-F238E27FC236}">
+                <a16:creationId xmlns:a16="http://schemas.microsoft.com/office/drawing/2014/main" id="{340809F5-D571-4551-822C-4F13068C236B}"/>
+              </a:ext>
+            </a:extLst>
+          </p:cNvPr>
+          <p:cNvSpPr txBox="1">
+            <a:spLocks/>
+          </p:cNvSpPr>
+          <p:nvPr/>
+        </p:nvSpPr>
+        <p:spPr>
+          <a:xfrm>
+            <a:off x="3817619" y="3578620"/>
+            <a:ext cx="8046721" cy="2810455"/>
+          </a:xfrm>
+          <a:prstGeom prst="rect">
+            <a:avLst/>
+          </a:prstGeom>
+        </p:spPr>
+        <p:txBody>
+          <a:bodyPr>
+            <a:noAutofit/>
+          </a:bodyPr>
+          <a:lstStyle>
+            <a:lvl1pPr marL="228600" indent="-228600" algn="l" defTabSz="914400" rtl="0" eaLnBrk="1" latinLnBrk="0" hangingPunct="1">
+              <a:lnSpc>
+                <a:spcPct val="90000"/>
+              </a:lnSpc>
+              <a:spcBef>
+                <a:spcPts val="1000"/>
+              </a:spcBef>
+              <a:buFont typeface="Arial" panose="020B0604020202020204" pitchFamily="34" charset="0"/>
+              <a:buChar char="•"/>
+              <a:defRPr sz="2800" kern="1200">
+                <a:solidFill>
+                  <a:schemeClr val="tx1"/>
+                </a:solidFill>
+                <a:latin typeface="+mn-lt"/>
+                <a:ea typeface="+mn-ea"/>
+                <a:cs typeface="+mn-cs"/>
+              </a:defRPr>
+            </a:lvl1pPr>
+            <a:lvl2pPr marL="685800" indent="-228600" algn="l" defTabSz="914400" rtl="0" eaLnBrk="1" latinLnBrk="0" hangingPunct="1">
+              <a:lnSpc>
+                <a:spcPct val="90000"/>
+              </a:lnSpc>
+              <a:spcBef>
+                <a:spcPts val="500"/>
+              </a:spcBef>
+              <a:buFont typeface="Arial" panose="020B0604020202020204" pitchFamily="34" charset="0"/>
+              <a:buChar char="•"/>
+              <a:defRPr sz="2400" kern="1200">
+                <a:solidFill>
+                  <a:schemeClr val="tx1"/>
+                </a:solidFill>
+                <a:latin typeface="+mn-lt"/>
+                <a:ea typeface="+mn-ea"/>
+                <a:cs typeface="+mn-cs"/>
+              </a:defRPr>
+            </a:lvl2pPr>
+            <a:lvl3pPr marL="1143000" indent="-228600" algn="l" defTabSz="914400" rtl="0" eaLnBrk="1" latinLnBrk="0" hangingPunct="1">
+              <a:lnSpc>
+                <a:spcPct val="90000"/>
+              </a:lnSpc>
+              <a:spcBef>
+                <a:spcPts val="500"/>
+              </a:spcBef>
+              <a:buFont typeface="Arial" panose="020B0604020202020204" pitchFamily="34" charset="0"/>
+              <a:buChar char="•"/>
+              <a:defRPr sz="2000" kern="1200">
+                <a:solidFill>
+                  <a:schemeClr val="tx1"/>
+                </a:solidFill>
+                <a:latin typeface="+mn-lt"/>
+                <a:ea typeface="+mn-ea"/>
+                <a:cs typeface="+mn-cs"/>
+              </a:defRPr>
+            </a:lvl3pPr>
+            <a:lvl4pPr marL="1600200" indent="-228600" algn="l" defTabSz="914400" rtl="0" eaLnBrk="1" latinLnBrk="0" hangingPunct="1">
+              <a:lnSpc>
+                <a:spcPct val="90000"/>
+              </a:lnSpc>
+              <a:spcBef>
+                <a:spcPts val="500"/>
+              </a:spcBef>
+              <a:buFont typeface="Arial" panose="020B0604020202020204" pitchFamily="34" charset="0"/>
+              <a:buChar char="•"/>
+              <a:defRPr sz="1800" kern="1200">
+                <a:solidFill>
+                  <a:schemeClr val="tx1"/>
+                </a:solidFill>
+                <a:latin typeface="+mn-lt"/>
+                <a:ea typeface="+mn-ea"/>
+                <a:cs typeface="+mn-cs"/>
+              </a:defRPr>
+            </a:lvl4pPr>
+            <a:lvl5pPr marL="2057400" indent="-228600" algn="l" defTabSz="914400" rtl="0" eaLnBrk="1" latinLnBrk="0" hangingPunct="1">
+              <a:lnSpc>
+                <a:spcPct val="90000"/>
+              </a:lnSpc>
+              <a:spcBef>
+                <a:spcPts val="500"/>
+              </a:spcBef>
+              <a:buFont typeface="Arial" panose="020B0604020202020204" pitchFamily="34" charset="0"/>
+              <a:buChar char="•"/>
+              <a:defRPr sz="1800" kern="1200">
+                <a:solidFill>
+                  <a:schemeClr val="tx1"/>
+                </a:solidFill>
+                <a:latin typeface="+mn-lt"/>
+                <a:ea typeface="+mn-ea"/>
+                <a:cs typeface="+mn-cs"/>
+              </a:defRPr>
+            </a:lvl5pPr>
+            <a:lvl6pPr marL="2514600" indent="-228600" algn="l" defTabSz="914400" rtl="0" eaLnBrk="1" latinLnBrk="0" hangingPunct="1">
+              <a:lnSpc>
+                <a:spcPct val="90000"/>
+              </a:lnSpc>
+              <a:spcBef>
+                <a:spcPts val="500"/>
+              </a:spcBef>
+              <a:buFont typeface="Arial" panose="020B0604020202020204" pitchFamily="34" charset="0"/>
+              <a:buChar char="•"/>
+              <a:defRPr sz="1800" kern="1200">
+                <a:solidFill>
+                  <a:schemeClr val="tx1"/>
+                </a:solidFill>
+                <a:latin typeface="+mn-lt"/>
+                <a:ea typeface="+mn-ea"/>
+                <a:cs typeface="+mn-cs"/>
+              </a:defRPr>
+            </a:lvl6pPr>
+            <a:lvl7pPr marL="2971800" indent="-228600" algn="l" defTabSz="914400" rtl="0" eaLnBrk="1" latinLnBrk="0" hangingPunct="1">
+              <a:lnSpc>
+                <a:spcPct val="90000"/>
+              </a:lnSpc>
+              <a:spcBef>
+                <a:spcPts val="500"/>
+              </a:spcBef>
+              <a:buFont typeface="Arial" panose="020B0604020202020204" pitchFamily="34" charset="0"/>
+              <a:buChar char="•"/>
+              <a:defRPr sz="1800" kern="1200">
+                <a:solidFill>
+                  <a:schemeClr val="tx1"/>
+                </a:solidFill>
+                <a:latin typeface="+mn-lt"/>
+                <a:ea typeface="+mn-ea"/>
+                <a:cs typeface="+mn-cs"/>
+              </a:defRPr>
+            </a:lvl7pPr>
+            <a:lvl8pPr marL="3429000" indent="-228600" algn="l" defTabSz="914400" rtl="0" eaLnBrk="1" latinLnBrk="0" hangingPunct="1">
+              <a:lnSpc>
+                <a:spcPct val="90000"/>
+              </a:lnSpc>
+              <a:spcBef>
+                <a:spcPts val="500"/>
+              </a:spcBef>
+              <a:buFont typeface="Arial" panose="020B0604020202020204" pitchFamily="34" charset="0"/>
+              <a:buChar char="•"/>
+              <a:defRPr sz="1800" kern="1200">
+                <a:solidFill>
+                  <a:schemeClr val="tx1"/>
+                </a:solidFill>
+                <a:latin typeface="+mn-lt"/>
+                <a:ea typeface="+mn-ea"/>
+                <a:cs typeface="+mn-cs"/>
+              </a:defRPr>
+            </a:lvl8pPr>
+            <a:lvl9pPr marL="3886200" indent="-228600" algn="l" defTabSz="914400" rtl="0" eaLnBrk="1" latinLnBrk="0" hangingPunct="1">
+              <a:lnSpc>
+                <a:spcPct val="90000"/>
+              </a:lnSpc>
+              <a:spcBef>
+                <a:spcPts val="500"/>
+              </a:spcBef>
+              <a:buFont typeface="Arial" panose="020B0604020202020204" pitchFamily="34" charset="0"/>
+              <a:buChar char="•"/>
+              <a:defRPr sz="1800" kern="1200">
+                <a:solidFill>
+                  <a:schemeClr val="tx1"/>
+                </a:solidFill>
+                <a:latin typeface="+mn-lt"/>
+                <a:ea typeface="+mn-ea"/>
+                <a:cs typeface="+mn-cs"/>
+              </a:defRPr>
+            </a:lvl9pPr>
+          </a:lstStyle>
+          <a:p>
+            <a:pPr marL="0" indent="0">
+              <a:buNone/>
+            </a:pPr>
+            <a:r>
+              <a:rPr lang="en-US" sz="2000" dirty="0"/>
+              <a:t>We analyzed what happened before the accident in top five contributing factors and inferred:</a:t>
+            </a:r>
+          </a:p>
+          <a:p>
+            <a:pPr marL="342900" indent="-342900"/>
+            <a:r>
+              <a:rPr lang="en-US" sz="2000" dirty="0"/>
+              <a:t>Going straight ahead is common across all accident types. Which means that its not caused by the car but due to human causes – bad driving habits, alcohol involvement, speeding </a:t>
+            </a:r>
+            <a:r>
+              <a:rPr lang="en-US" sz="2000" dirty="0" err="1"/>
+              <a:t>etc</a:t>
+            </a:r>
+            <a:endParaRPr lang="en-US" sz="2000" dirty="0"/>
+          </a:p>
+          <a:p>
+            <a:pPr marL="342900" indent="-342900"/>
+            <a:r>
+              <a:rPr lang="en-US" sz="2000" dirty="0"/>
+              <a:t>Slowing or stopping is another common occurrence: </a:t>
+            </a:r>
+          </a:p>
+        </p:txBody>
+      </p:sp>
+    </p:spTree>
+    <p:extLst>
+      <p:ext uri="{BB962C8B-B14F-4D97-AF65-F5344CB8AC3E}">
+        <p14:creationId xmlns:p14="http://schemas.microsoft.com/office/powerpoint/2010/main" val="1044642986"/>
+      </p:ext>
+    </p:extLst>
+  </p:cSld>
+  <p:clrMapOvr>
+    <a:masterClrMapping/>
+  </p:clrMapOvr>
+</p:sld>
+</file>
+
+<file path=ppt/slides/slide7.xml><?xml version="1.0" encoding="utf-8"?>
 <p:sld xmlns:a="http://schemas.openxmlformats.org/drawingml/2006/main" xmlns:r="http://schemas.openxmlformats.org/officeDocument/2006/relationships" xmlns:p="http://schemas.openxmlformats.org/presentationml/2006/main">
   <p:cSld>
     <p:spTree>
@@ -4008,10 +4984,581 @@
           <a:chExt cx="0" cy="0"/>
         </a:xfrm>
       </p:grpSpPr>
+      <p:sp>
+        <p:nvSpPr>
+          <p:cNvPr id="3" name="TextBox 2">
+            <a:extLst>
+              <a:ext uri="{FF2B5EF4-FFF2-40B4-BE49-F238E27FC236}">
+                <a16:creationId xmlns:a16="http://schemas.microsoft.com/office/drawing/2014/main" id="{FB19A2A6-DD03-47C5-B951-C6131E119EB3}"/>
+              </a:ext>
+            </a:extLst>
+          </p:cNvPr>
+          <p:cNvSpPr txBox="1"/>
+          <p:nvPr/>
+        </p:nvSpPr>
+        <p:spPr>
+          <a:xfrm rot="10800000" flipV="1">
+            <a:off x="4627418" y="133927"/>
+            <a:ext cx="3491346" cy="369332"/>
+          </a:xfrm>
+          <a:prstGeom prst="rect">
+            <a:avLst/>
+          </a:prstGeom>
+          <a:noFill/>
+        </p:spPr>
+        <p:txBody>
+          <a:bodyPr wrap="square" rtlCol="0">
+            <a:spAutoFit/>
+          </a:bodyPr>
+          <a:lstStyle/>
+          <a:p>
+            <a:r>
+              <a:rPr lang="en-US" b="1" dirty="0">
+                <a:solidFill>
+                  <a:srgbClr val="FF0000"/>
+                </a:solidFill>
+              </a:rPr>
+              <a:t>Passenger Vehicle Body Type </a:t>
+            </a:r>
+          </a:p>
+        </p:txBody>
+      </p:sp>
+      <p:sp>
+        <p:nvSpPr>
+          <p:cNvPr id="7" name="Text Placeholder 3">
+            <a:extLst>
+              <a:ext uri="{FF2B5EF4-FFF2-40B4-BE49-F238E27FC236}">
+                <a16:creationId xmlns:a16="http://schemas.microsoft.com/office/drawing/2014/main" id="{7AE3B177-F001-4E48-97EA-8D60E1521047}"/>
+              </a:ext>
+            </a:extLst>
+          </p:cNvPr>
+          <p:cNvSpPr txBox="1">
+            <a:spLocks/>
+          </p:cNvSpPr>
+          <p:nvPr/>
+        </p:nvSpPr>
+        <p:spPr>
+          <a:xfrm>
+            <a:off x="6659418" y="4525818"/>
+            <a:ext cx="4886037" cy="1447341"/>
+          </a:xfrm>
+          <a:prstGeom prst="rect">
+            <a:avLst/>
+          </a:prstGeom>
+        </p:spPr>
+        <p:txBody>
+          <a:bodyPr>
+            <a:noAutofit/>
+          </a:bodyPr>
+          <a:lstStyle>
+            <a:lvl1pPr marL="228600" indent="-228600" algn="l" defTabSz="914400" rtl="0" eaLnBrk="1" latinLnBrk="0" hangingPunct="1">
+              <a:lnSpc>
+                <a:spcPct val="90000"/>
+              </a:lnSpc>
+              <a:spcBef>
+                <a:spcPts val="1000"/>
+              </a:spcBef>
+              <a:buFont typeface="Arial" panose="020B0604020202020204" pitchFamily="34" charset="0"/>
+              <a:buChar char="•"/>
+              <a:defRPr sz="2800" kern="1200">
+                <a:solidFill>
+                  <a:schemeClr val="tx1"/>
+                </a:solidFill>
+                <a:latin typeface="+mn-lt"/>
+                <a:ea typeface="+mn-ea"/>
+                <a:cs typeface="+mn-cs"/>
+              </a:defRPr>
+            </a:lvl1pPr>
+            <a:lvl2pPr marL="685800" indent="-228600" algn="l" defTabSz="914400" rtl="0" eaLnBrk="1" latinLnBrk="0" hangingPunct="1">
+              <a:lnSpc>
+                <a:spcPct val="90000"/>
+              </a:lnSpc>
+              <a:spcBef>
+                <a:spcPts val="500"/>
+              </a:spcBef>
+              <a:buFont typeface="Arial" panose="020B0604020202020204" pitchFamily="34" charset="0"/>
+              <a:buChar char="•"/>
+              <a:defRPr sz="2400" kern="1200">
+                <a:solidFill>
+                  <a:schemeClr val="tx1"/>
+                </a:solidFill>
+                <a:latin typeface="+mn-lt"/>
+                <a:ea typeface="+mn-ea"/>
+                <a:cs typeface="+mn-cs"/>
+              </a:defRPr>
+            </a:lvl2pPr>
+            <a:lvl3pPr marL="1143000" indent="-228600" algn="l" defTabSz="914400" rtl="0" eaLnBrk="1" latinLnBrk="0" hangingPunct="1">
+              <a:lnSpc>
+                <a:spcPct val="90000"/>
+              </a:lnSpc>
+              <a:spcBef>
+                <a:spcPts val="500"/>
+              </a:spcBef>
+              <a:buFont typeface="Arial" panose="020B0604020202020204" pitchFamily="34" charset="0"/>
+              <a:buChar char="•"/>
+              <a:defRPr sz="2000" kern="1200">
+                <a:solidFill>
+                  <a:schemeClr val="tx1"/>
+                </a:solidFill>
+                <a:latin typeface="+mn-lt"/>
+                <a:ea typeface="+mn-ea"/>
+                <a:cs typeface="+mn-cs"/>
+              </a:defRPr>
+            </a:lvl3pPr>
+            <a:lvl4pPr marL="1600200" indent="-228600" algn="l" defTabSz="914400" rtl="0" eaLnBrk="1" latinLnBrk="0" hangingPunct="1">
+              <a:lnSpc>
+                <a:spcPct val="90000"/>
+              </a:lnSpc>
+              <a:spcBef>
+                <a:spcPts val="500"/>
+              </a:spcBef>
+              <a:buFont typeface="Arial" panose="020B0604020202020204" pitchFamily="34" charset="0"/>
+              <a:buChar char="•"/>
+              <a:defRPr sz="1800" kern="1200">
+                <a:solidFill>
+                  <a:schemeClr val="tx1"/>
+                </a:solidFill>
+                <a:latin typeface="+mn-lt"/>
+                <a:ea typeface="+mn-ea"/>
+                <a:cs typeface="+mn-cs"/>
+              </a:defRPr>
+            </a:lvl4pPr>
+            <a:lvl5pPr marL="2057400" indent="-228600" algn="l" defTabSz="914400" rtl="0" eaLnBrk="1" latinLnBrk="0" hangingPunct="1">
+              <a:lnSpc>
+                <a:spcPct val="90000"/>
+              </a:lnSpc>
+              <a:spcBef>
+                <a:spcPts val="500"/>
+              </a:spcBef>
+              <a:buFont typeface="Arial" panose="020B0604020202020204" pitchFamily="34" charset="0"/>
+              <a:buChar char="•"/>
+              <a:defRPr sz="1800" kern="1200">
+                <a:solidFill>
+                  <a:schemeClr val="tx1"/>
+                </a:solidFill>
+                <a:latin typeface="+mn-lt"/>
+                <a:ea typeface="+mn-ea"/>
+                <a:cs typeface="+mn-cs"/>
+              </a:defRPr>
+            </a:lvl5pPr>
+            <a:lvl6pPr marL="2514600" indent="-228600" algn="l" defTabSz="914400" rtl="0" eaLnBrk="1" latinLnBrk="0" hangingPunct="1">
+              <a:lnSpc>
+                <a:spcPct val="90000"/>
+              </a:lnSpc>
+              <a:spcBef>
+                <a:spcPts val="500"/>
+              </a:spcBef>
+              <a:buFont typeface="Arial" panose="020B0604020202020204" pitchFamily="34" charset="0"/>
+              <a:buChar char="•"/>
+              <a:defRPr sz="1800" kern="1200">
+                <a:solidFill>
+                  <a:schemeClr val="tx1"/>
+                </a:solidFill>
+                <a:latin typeface="+mn-lt"/>
+                <a:ea typeface="+mn-ea"/>
+                <a:cs typeface="+mn-cs"/>
+              </a:defRPr>
+            </a:lvl6pPr>
+            <a:lvl7pPr marL="2971800" indent="-228600" algn="l" defTabSz="914400" rtl="0" eaLnBrk="1" latinLnBrk="0" hangingPunct="1">
+              <a:lnSpc>
+                <a:spcPct val="90000"/>
+              </a:lnSpc>
+              <a:spcBef>
+                <a:spcPts val="500"/>
+              </a:spcBef>
+              <a:buFont typeface="Arial" panose="020B0604020202020204" pitchFamily="34" charset="0"/>
+              <a:buChar char="•"/>
+              <a:defRPr sz="1800" kern="1200">
+                <a:solidFill>
+                  <a:schemeClr val="tx1"/>
+                </a:solidFill>
+                <a:latin typeface="+mn-lt"/>
+                <a:ea typeface="+mn-ea"/>
+                <a:cs typeface="+mn-cs"/>
+              </a:defRPr>
+            </a:lvl7pPr>
+            <a:lvl8pPr marL="3429000" indent="-228600" algn="l" defTabSz="914400" rtl="0" eaLnBrk="1" latinLnBrk="0" hangingPunct="1">
+              <a:lnSpc>
+                <a:spcPct val="90000"/>
+              </a:lnSpc>
+              <a:spcBef>
+                <a:spcPts val="500"/>
+              </a:spcBef>
+              <a:buFont typeface="Arial" panose="020B0604020202020204" pitchFamily="34" charset="0"/>
+              <a:buChar char="•"/>
+              <a:defRPr sz="1800" kern="1200">
+                <a:solidFill>
+                  <a:schemeClr val="tx1"/>
+                </a:solidFill>
+                <a:latin typeface="+mn-lt"/>
+                <a:ea typeface="+mn-ea"/>
+                <a:cs typeface="+mn-cs"/>
+              </a:defRPr>
+            </a:lvl8pPr>
+            <a:lvl9pPr marL="3886200" indent="-228600" algn="l" defTabSz="914400" rtl="0" eaLnBrk="1" latinLnBrk="0" hangingPunct="1">
+              <a:lnSpc>
+                <a:spcPct val="90000"/>
+              </a:lnSpc>
+              <a:spcBef>
+                <a:spcPts val="500"/>
+              </a:spcBef>
+              <a:buFont typeface="Arial" panose="020B0604020202020204" pitchFamily="34" charset="0"/>
+              <a:buChar char="•"/>
+              <a:defRPr sz="1800" kern="1200">
+                <a:solidFill>
+                  <a:schemeClr val="tx1"/>
+                </a:solidFill>
+                <a:latin typeface="+mn-lt"/>
+                <a:ea typeface="+mn-ea"/>
+                <a:cs typeface="+mn-cs"/>
+              </a:defRPr>
+            </a:lvl9pPr>
+          </a:lstStyle>
+          <a:p>
+            <a:pPr marL="0" indent="0">
+              <a:buNone/>
+            </a:pPr>
+            <a:r>
+              <a:rPr lang="en-US" sz="2000" dirty="0"/>
+              <a:t>Passenger Vehicles</a:t>
+            </a:r>
+          </a:p>
+          <a:p>
+            <a:pPr marL="342900" indent="-342900"/>
+            <a:r>
+              <a:rPr lang="en-US" sz="2000" dirty="0"/>
+              <a:t>Sedan Cars encountered max crashes.</a:t>
+            </a:r>
+          </a:p>
+          <a:p>
+            <a:pPr marL="342900" indent="-342900"/>
+            <a:r>
+              <a:rPr lang="en-US" sz="2000" dirty="0"/>
+              <a:t>Suburban is the next.</a:t>
+            </a:r>
+          </a:p>
+        </p:txBody>
+      </p:sp>
+      <p:pic>
+        <p:nvPicPr>
+          <p:cNvPr id="2057" name="Picture 9">
+            <a:extLst>
+              <a:ext uri="{FF2B5EF4-FFF2-40B4-BE49-F238E27FC236}">
+                <a16:creationId xmlns:a16="http://schemas.microsoft.com/office/drawing/2014/main" id="{F6151840-05B6-425C-BE38-BBBF06E280B0}"/>
+              </a:ext>
+            </a:extLst>
+          </p:cNvPr>
+          <p:cNvPicPr>
+            <a:picLocks noChangeAspect="1" noChangeArrowheads="1"/>
+          </p:cNvPicPr>
+          <p:nvPr/>
+        </p:nvPicPr>
+        <p:blipFill>
+          <a:blip r:embed="rId2">
+            <a:extLst>
+              <a:ext uri="{28A0092B-C50C-407E-A947-70E740481C1C}">
+                <a14:useLocalDpi xmlns:a14="http://schemas.microsoft.com/office/drawing/2010/main" val="0"/>
+              </a:ext>
+            </a:extLst>
+          </a:blip>
+          <a:srcRect/>
+          <a:stretch>
+            <a:fillRect/>
+          </a:stretch>
+        </p:blipFill>
+        <p:spPr bwMode="auto">
+          <a:xfrm>
+            <a:off x="6096000" y="452150"/>
+            <a:ext cx="5550188" cy="3808094"/>
+          </a:xfrm>
+          <a:prstGeom prst="rect">
+            <a:avLst/>
+          </a:prstGeom>
+          <a:noFill/>
+          <a:extLst>
+            <a:ext uri="{909E8E84-426E-40DD-AFC4-6F175D3DCCD1}">
+              <a14:hiddenFill xmlns:a14="http://schemas.microsoft.com/office/drawing/2010/main">
+                <a:solidFill>
+                  <a:srgbClr val="FFFFFF"/>
+                </a:solidFill>
+              </a14:hiddenFill>
+            </a:ext>
+          </a:extLst>
+        </p:spPr>
+      </p:pic>
+      <p:pic>
+        <p:nvPicPr>
+          <p:cNvPr id="2059" name="Picture 11">
+            <a:extLst>
+              <a:ext uri="{FF2B5EF4-FFF2-40B4-BE49-F238E27FC236}">
+                <a16:creationId xmlns:a16="http://schemas.microsoft.com/office/drawing/2014/main" id="{BBF05B07-3E5A-4512-AEDC-F7EA610838A0}"/>
+              </a:ext>
+            </a:extLst>
+          </p:cNvPr>
+          <p:cNvPicPr>
+            <a:picLocks noChangeAspect="1" noChangeArrowheads="1"/>
+          </p:cNvPicPr>
+          <p:nvPr/>
+        </p:nvPicPr>
+        <p:blipFill>
+          <a:blip r:embed="rId3">
+            <a:extLst>
+              <a:ext uri="{28A0092B-C50C-407E-A947-70E740481C1C}">
+                <a14:useLocalDpi xmlns:a14="http://schemas.microsoft.com/office/drawing/2010/main" val="0"/>
+              </a:ext>
+            </a:extLst>
+          </a:blip>
+          <a:srcRect/>
+          <a:stretch>
+            <a:fillRect/>
+          </a:stretch>
+        </p:blipFill>
+        <p:spPr bwMode="auto">
+          <a:xfrm>
+            <a:off x="260115" y="2844564"/>
+            <a:ext cx="5374068" cy="4013436"/>
+          </a:xfrm>
+          <a:prstGeom prst="rect">
+            <a:avLst/>
+          </a:prstGeom>
+          <a:noFill/>
+          <a:extLst>
+            <a:ext uri="{909E8E84-426E-40DD-AFC4-6F175D3DCCD1}">
+              <a14:hiddenFill xmlns:a14="http://schemas.microsoft.com/office/drawing/2010/main">
+                <a:solidFill>
+                  <a:srgbClr val="FFFFFF"/>
+                </a:solidFill>
+              </a14:hiddenFill>
+            </a:ext>
+          </a:extLst>
+        </p:spPr>
+      </p:pic>
+      <p:sp>
+        <p:nvSpPr>
+          <p:cNvPr id="12" name="Text Placeholder 3">
+            <a:extLst>
+              <a:ext uri="{FF2B5EF4-FFF2-40B4-BE49-F238E27FC236}">
+                <a16:creationId xmlns:a16="http://schemas.microsoft.com/office/drawing/2014/main" id="{13501BD2-7969-4A69-BB3C-0CB8C03995AF}"/>
+              </a:ext>
+            </a:extLst>
+          </p:cNvPr>
+          <p:cNvSpPr txBox="1">
+            <a:spLocks/>
+          </p:cNvSpPr>
+          <p:nvPr/>
+        </p:nvSpPr>
+        <p:spPr>
+          <a:xfrm>
+            <a:off x="555049" y="950241"/>
+            <a:ext cx="4886037" cy="1447341"/>
+          </a:xfrm>
+          <a:prstGeom prst="rect">
+            <a:avLst/>
+          </a:prstGeom>
+        </p:spPr>
+        <p:txBody>
+          <a:bodyPr>
+            <a:noAutofit/>
+          </a:bodyPr>
+          <a:lstStyle>
+            <a:lvl1pPr marL="228600" indent="-228600" algn="l" defTabSz="914400" rtl="0" eaLnBrk="1" latinLnBrk="0" hangingPunct="1">
+              <a:lnSpc>
+                <a:spcPct val="90000"/>
+              </a:lnSpc>
+              <a:spcBef>
+                <a:spcPts val="1000"/>
+              </a:spcBef>
+              <a:buFont typeface="Arial" panose="020B0604020202020204" pitchFamily="34" charset="0"/>
+              <a:buChar char="•"/>
+              <a:defRPr sz="2800" kern="1200">
+                <a:solidFill>
+                  <a:schemeClr val="tx1"/>
+                </a:solidFill>
+                <a:latin typeface="+mn-lt"/>
+                <a:ea typeface="+mn-ea"/>
+                <a:cs typeface="+mn-cs"/>
+              </a:defRPr>
+            </a:lvl1pPr>
+            <a:lvl2pPr marL="685800" indent="-228600" algn="l" defTabSz="914400" rtl="0" eaLnBrk="1" latinLnBrk="0" hangingPunct="1">
+              <a:lnSpc>
+                <a:spcPct val="90000"/>
+              </a:lnSpc>
+              <a:spcBef>
+                <a:spcPts val="500"/>
+              </a:spcBef>
+              <a:buFont typeface="Arial" panose="020B0604020202020204" pitchFamily="34" charset="0"/>
+              <a:buChar char="•"/>
+              <a:defRPr sz="2400" kern="1200">
+                <a:solidFill>
+                  <a:schemeClr val="tx1"/>
+                </a:solidFill>
+                <a:latin typeface="+mn-lt"/>
+                <a:ea typeface="+mn-ea"/>
+                <a:cs typeface="+mn-cs"/>
+              </a:defRPr>
+            </a:lvl2pPr>
+            <a:lvl3pPr marL="1143000" indent="-228600" algn="l" defTabSz="914400" rtl="0" eaLnBrk="1" latinLnBrk="0" hangingPunct="1">
+              <a:lnSpc>
+                <a:spcPct val="90000"/>
+              </a:lnSpc>
+              <a:spcBef>
+                <a:spcPts val="500"/>
+              </a:spcBef>
+              <a:buFont typeface="Arial" panose="020B0604020202020204" pitchFamily="34" charset="0"/>
+              <a:buChar char="•"/>
+              <a:defRPr sz="2000" kern="1200">
+                <a:solidFill>
+                  <a:schemeClr val="tx1"/>
+                </a:solidFill>
+                <a:latin typeface="+mn-lt"/>
+                <a:ea typeface="+mn-ea"/>
+                <a:cs typeface="+mn-cs"/>
+              </a:defRPr>
+            </a:lvl3pPr>
+            <a:lvl4pPr marL="1600200" indent="-228600" algn="l" defTabSz="914400" rtl="0" eaLnBrk="1" latinLnBrk="0" hangingPunct="1">
+              <a:lnSpc>
+                <a:spcPct val="90000"/>
+              </a:lnSpc>
+              <a:spcBef>
+                <a:spcPts val="500"/>
+              </a:spcBef>
+              <a:buFont typeface="Arial" panose="020B0604020202020204" pitchFamily="34" charset="0"/>
+              <a:buChar char="•"/>
+              <a:defRPr sz="1800" kern="1200">
+                <a:solidFill>
+                  <a:schemeClr val="tx1"/>
+                </a:solidFill>
+                <a:latin typeface="+mn-lt"/>
+                <a:ea typeface="+mn-ea"/>
+                <a:cs typeface="+mn-cs"/>
+              </a:defRPr>
+            </a:lvl4pPr>
+            <a:lvl5pPr marL="2057400" indent="-228600" algn="l" defTabSz="914400" rtl="0" eaLnBrk="1" latinLnBrk="0" hangingPunct="1">
+              <a:lnSpc>
+                <a:spcPct val="90000"/>
+              </a:lnSpc>
+              <a:spcBef>
+                <a:spcPts val="500"/>
+              </a:spcBef>
+              <a:buFont typeface="Arial" panose="020B0604020202020204" pitchFamily="34" charset="0"/>
+              <a:buChar char="•"/>
+              <a:defRPr sz="1800" kern="1200">
+                <a:solidFill>
+                  <a:schemeClr val="tx1"/>
+                </a:solidFill>
+                <a:latin typeface="+mn-lt"/>
+                <a:ea typeface="+mn-ea"/>
+                <a:cs typeface="+mn-cs"/>
+              </a:defRPr>
+            </a:lvl5pPr>
+            <a:lvl6pPr marL="2514600" indent="-228600" algn="l" defTabSz="914400" rtl="0" eaLnBrk="1" latinLnBrk="0" hangingPunct="1">
+              <a:lnSpc>
+                <a:spcPct val="90000"/>
+              </a:lnSpc>
+              <a:spcBef>
+                <a:spcPts val="500"/>
+              </a:spcBef>
+              <a:buFont typeface="Arial" panose="020B0604020202020204" pitchFamily="34" charset="0"/>
+              <a:buChar char="•"/>
+              <a:defRPr sz="1800" kern="1200">
+                <a:solidFill>
+                  <a:schemeClr val="tx1"/>
+                </a:solidFill>
+                <a:latin typeface="+mn-lt"/>
+                <a:ea typeface="+mn-ea"/>
+                <a:cs typeface="+mn-cs"/>
+              </a:defRPr>
+            </a:lvl6pPr>
+            <a:lvl7pPr marL="2971800" indent="-228600" algn="l" defTabSz="914400" rtl="0" eaLnBrk="1" latinLnBrk="0" hangingPunct="1">
+              <a:lnSpc>
+                <a:spcPct val="90000"/>
+              </a:lnSpc>
+              <a:spcBef>
+                <a:spcPts val="500"/>
+              </a:spcBef>
+              <a:buFont typeface="Arial" panose="020B0604020202020204" pitchFamily="34" charset="0"/>
+              <a:buChar char="•"/>
+              <a:defRPr sz="1800" kern="1200">
+                <a:solidFill>
+                  <a:schemeClr val="tx1"/>
+                </a:solidFill>
+                <a:latin typeface="+mn-lt"/>
+                <a:ea typeface="+mn-ea"/>
+                <a:cs typeface="+mn-cs"/>
+              </a:defRPr>
+            </a:lvl7pPr>
+            <a:lvl8pPr marL="3429000" indent="-228600" algn="l" defTabSz="914400" rtl="0" eaLnBrk="1" latinLnBrk="0" hangingPunct="1">
+              <a:lnSpc>
+                <a:spcPct val="90000"/>
+              </a:lnSpc>
+              <a:spcBef>
+                <a:spcPts val="500"/>
+              </a:spcBef>
+              <a:buFont typeface="Arial" panose="020B0604020202020204" pitchFamily="34" charset="0"/>
+              <a:buChar char="•"/>
+              <a:defRPr sz="1800" kern="1200">
+                <a:solidFill>
+                  <a:schemeClr val="tx1"/>
+                </a:solidFill>
+                <a:latin typeface="+mn-lt"/>
+                <a:ea typeface="+mn-ea"/>
+                <a:cs typeface="+mn-cs"/>
+              </a:defRPr>
+            </a:lvl8pPr>
+            <a:lvl9pPr marL="3886200" indent="-228600" algn="l" defTabSz="914400" rtl="0" eaLnBrk="1" latinLnBrk="0" hangingPunct="1">
+              <a:lnSpc>
+                <a:spcPct val="90000"/>
+              </a:lnSpc>
+              <a:spcBef>
+                <a:spcPts val="500"/>
+              </a:spcBef>
+              <a:buFont typeface="Arial" panose="020B0604020202020204" pitchFamily="34" charset="0"/>
+              <a:buChar char="•"/>
+              <a:defRPr sz="1800" kern="1200">
+                <a:solidFill>
+                  <a:schemeClr val="tx1"/>
+                </a:solidFill>
+                <a:latin typeface="+mn-lt"/>
+                <a:ea typeface="+mn-ea"/>
+                <a:cs typeface="+mn-cs"/>
+              </a:defRPr>
+            </a:lvl9pPr>
+          </a:lstStyle>
+          <a:p>
+            <a:pPr marL="0" indent="0">
+              <a:buNone/>
+            </a:pPr>
+            <a:r>
+              <a:rPr lang="en-US" sz="2000" dirty="0" err="1"/>
+              <a:t>Commerical</a:t>
+            </a:r>
+            <a:r>
+              <a:rPr lang="en-US" sz="2000" dirty="0"/>
+              <a:t> Vehicles</a:t>
+            </a:r>
+          </a:p>
+          <a:p>
+            <a:pPr marL="342900" indent="-342900"/>
+            <a:r>
+              <a:rPr lang="en-US" sz="2000" dirty="0"/>
+              <a:t>Pickup Truck shows the maximum</a:t>
+            </a:r>
+          </a:p>
+          <a:p>
+            <a:pPr marL="0" indent="0">
+              <a:buNone/>
+            </a:pPr>
+            <a:r>
+              <a:rPr lang="en-US" sz="2000" dirty="0"/>
+              <a:t>     count</a:t>
+            </a:r>
+          </a:p>
+        </p:txBody>
+      </p:sp>
     </p:spTree>
     <p:extLst>
       <p:ext uri="{BB962C8B-B14F-4D97-AF65-F5344CB8AC3E}">
-        <p14:creationId xmlns:p14="http://schemas.microsoft.com/office/powerpoint/2010/main" val="1044642986"/>
+        <p14:creationId xmlns:p14="http://schemas.microsoft.com/office/powerpoint/2010/main" val="1339316662"/>
       </p:ext>
     </p:extLst>
   </p:cSld>

--- a/Analysis of Motor Vehicle Crashes.pptx
+++ b/Analysis of Motor Vehicle Crashes.pptx
@@ -133,7 +133,7 @@
 <file path=ppt/revisionInfo.xml><?xml version="1.0" encoding="utf-8"?>
 <p1510:revInfo xmlns:a="http://schemas.openxmlformats.org/drawingml/2006/main" xmlns:r="http://schemas.openxmlformats.org/officeDocument/2006/relationships" xmlns:p1510="http://schemas.microsoft.com/office/powerpoint/2015/10/main">
   <p1510:revLst>
-    <p1510:client id="{EB4E9C1D-324C-4D51-B933-AF4CD5ADF96B}" v="2200" dt="2018-09-24T17:59:38.946"/>
+    <p1510:client id="{EB4E9C1D-324C-4D51-B933-AF4CD5ADF96B}" v="2237" dt="2018-09-24T23:22:59.304"/>
   </p1510:revLst>
 </p1510:revInfo>
 </file>
@@ -143,10 +143,96 @@
   <pc:docChgLst>
     <pc:chgData name="Niharika Sachdeva" userId="a6485dc24ed82a52" providerId="LiveId" clId="{EB4E9C1D-324C-4D51-B933-AF4CD5ADF96B}"/>
     <pc:docChg chg="undo custSel mod addSld delSld modSld">
-      <pc:chgData name="Niharika Sachdeva" userId="a6485dc24ed82a52" providerId="LiveId" clId="{EB4E9C1D-324C-4D51-B933-AF4CD5ADF96B}" dt="2018-09-24T17:59:38.946" v="2200" actId="6549"/>
+      <pc:chgData name="Niharika Sachdeva" userId="a6485dc24ed82a52" providerId="LiveId" clId="{EB4E9C1D-324C-4D51-B933-AF4CD5ADF96B}" dt="2018-09-24T23:22:59.304" v="2237" actId="313"/>
       <pc:docMkLst>
         <pc:docMk/>
       </pc:docMkLst>
+      <pc:sldChg chg="addSp modSp mod setBg setClrOvrMap">
+        <pc:chgData name="Niharika Sachdeva" userId="a6485dc24ed82a52" providerId="LiveId" clId="{EB4E9C1D-324C-4D51-B933-AF4CD5ADF96B}" dt="2018-09-24T23:02:17.018" v="2210" actId="26606"/>
+        <pc:sldMkLst>
+          <pc:docMk/>
+          <pc:sldMk cId="1185621393" sldId="256"/>
+        </pc:sldMkLst>
+        <pc:spChg chg="mod">
+          <ac:chgData name="Niharika Sachdeva" userId="a6485dc24ed82a52" providerId="LiveId" clId="{EB4E9C1D-324C-4D51-B933-AF4CD5ADF96B}" dt="2018-09-24T23:02:17.018" v="2210" actId="26606"/>
+          <ac:spMkLst>
+            <pc:docMk/>
+            <pc:sldMk cId="1185621393" sldId="256"/>
+            <ac:spMk id="2" creationId="{92D9DE9A-0B9B-4A36-BA45-BBBF972DC839}"/>
+          </ac:spMkLst>
+        </pc:spChg>
+        <pc:spChg chg="mod">
+          <ac:chgData name="Niharika Sachdeva" userId="a6485dc24ed82a52" providerId="LiveId" clId="{EB4E9C1D-324C-4D51-B933-AF4CD5ADF96B}" dt="2018-09-24T23:02:17.018" v="2210" actId="26606"/>
+          <ac:spMkLst>
+            <pc:docMk/>
+            <pc:sldMk cId="1185621393" sldId="256"/>
+            <ac:spMk id="3" creationId="{8B940DB2-7644-46F1-A75C-7C3A1117FBAC}"/>
+          </ac:spMkLst>
+        </pc:spChg>
+        <pc:spChg chg="add">
+          <ac:chgData name="Niharika Sachdeva" userId="a6485dc24ed82a52" providerId="LiveId" clId="{EB4E9C1D-324C-4D51-B933-AF4CD5ADF96B}" dt="2018-09-24T23:02:17.018" v="2210" actId="26606"/>
+          <ac:spMkLst>
+            <pc:docMk/>
+            <pc:sldMk cId="1185621393" sldId="256"/>
+            <ac:spMk id="10" creationId="{1DB7C82F-AB7E-4F0C-B829-FA1B9C415180}"/>
+          </ac:spMkLst>
+        </pc:spChg>
+        <pc:picChg chg="add mod">
+          <ac:chgData name="Niharika Sachdeva" userId="a6485dc24ed82a52" providerId="LiveId" clId="{EB4E9C1D-324C-4D51-B933-AF4CD5ADF96B}" dt="2018-09-24T23:02:17.018" v="2210" actId="26606"/>
+          <ac:picMkLst>
+            <pc:docMk/>
+            <pc:sldMk cId="1185621393" sldId="256"/>
+            <ac:picMk id="5" creationId="{553D3B49-6BF1-42E7-8775-C8702A08E341}"/>
+          </ac:picMkLst>
+        </pc:picChg>
+      </pc:sldChg>
+      <pc:sldChg chg="addSp delSp modSp">
+        <pc:chgData name="Niharika Sachdeva" userId="a6485dc24ed82a52" providerId="LiveId" clId="{EB4E9C1D-324C-4D51-B933-AF4CD5ADF96B}" dt="2018-09-24T23:09:08.015" v="2222" actId="14100"/>
+        <pc:sldMkLst>
+          <pc:docMk/>
+          <pc:sldMk cId="653141974" sldId="257"/>
+        </pc:sldMkLst>
+        <pc:spChg chg="mod">
+          <ac:chgData name="Niharika Sachdeva" userId="a6485dc24ed82a52" providerId="LiveId" clId="{EB4E9C1D-324C-4D51-B933-AF4CD5ADF96B}" dt="2018-09-24T23:09:08.015" v="2222" actId="14100"/>
+          <ac:spMkLst>
+            <pc:docMk/>
+            <pc:sldMk cId="653141974" sldId="257"/>
+            <ac:spMk id="2" creationId="{FE6C3A04-EEC5-4A46-A9C3-A656C5CCFF22}"/>
+          </ac:spMkLst>
+        </pc:spChg>
+        <pc:spChg chg="add mod">
+          <ac:chgData name="Niharika Sachdeva" userId="a6485dc24ed82a52" providerId="LiveId" clId="{EB4E9C1D-324C-4D51-B933-AF4CD5ADF96B}" dt="2018-09-24T23:00:22.415" v="2204" actId="14100"/>
+          <ac:spMkLst>
+            <pc:docMk/>
+            <pc:sldMk cId="653141974" sldId="257"/>
+            <ac:spMk id="4" creationId="{190C2A3D-9E90-49BD-AD6D-D6D821643D36}"/>
+          </ac:spMkLst>
+        </pc:spChg>
+        <pc:spChg chg="add mod">
+          <ac:chgData name="Niharika Sachdeva" userId="a6485dc24ed82a52" providerId="LiveId" clId="{EB4E9C1D-324C-4D51-B933-AF4CD5ADF96B}" dt="2018-09-24T23:04:40.486" v="2211" actId="931"/>
+          <ac:spMkLst>
+            <pc:docMk/>
+            <pc:sldMk cId="653141974" sldId="257"/>
+            <ac:spMk id="9" creationId="{AFD9B8E9-5237-4F50-805D-8768B14B5D24}"/>
+          </ac:spMkLst>
+        </pc:spChg>
+        <pc:picChg chg="add del mod">
+          <ac:chgData name="Niharika Sachdeva" userId="a6485dc24ed82a52" providerId="LiveId" clId="{EB4E9C1D-324C-4D51-B933-AF4CD5ADF96B}" dt="2018-09-24T23:01:03.280" v="2206" actId="931"/>
+          <ac:picMkLst>
+            <pc:docMk/>
+            <pc:sldMk cId="653141974" sldId="257"/>
+            <ac:picMk id="6" creationId="{3DD68DB7-0BAE-455C-BB7E-D8034F1DC12D}"/>
+          </ac:picMkLst>
+        </pc:picChg>
+        <pc:picChg chg="add mod">
+          <ac:chgData name="Niharika Sachdeva" userId="a6485dc24ed82a52" providerId="LiveId" clId="{EB4E9C1D-324C-4D51-B933-AF4CD5ADF96B}" dt="2018-09-24T23:06:12.145" v="2218" actId="1076"/>
+          <ac:picMkLst>
+            <pc:docMk/>
+            <pc:sldMk cId="653141974" sldId="257"/>
+            <ac:picMk id="8" creationId="{F9D54647-6532-4D2C-97E7-07701B3B0F2D}"/>
+          </ac:picMkLst>
+        </pc:picChg>
+      </pc:sldChg>
       <pc:sldChg chg="addSp delSp modSp add">
         <pc:chgData name="Niharika Sachdeva" userId="a6485dc24ed82a52" providerId="LiveId" clId="{EB4E9C1D-324C-4D51-B933-AF4CD5ADF96B}" dt="2018-09-23T23:42:59.803" v="751" actId="20577"/>
         <pc:sldMkLst>
@@ -362,11 +448,19 @@
         </pc:picChg>
       </pc:sldChg>
       <pc:sldChg chg="addSp delSp modSp add addCm delCm">
-        <pc:chgData name="Niharika Sachdeva" userId="a6485dc24ed82a52" providerId="LiveId" clId="{EB4E9C1D-324C-4D51-B933-AF4CD5ADF96B}" dt="2018-09-24T17:59:38.946" v="2200" actId="6549"/>
+        <pc:chgData name="Niharika Sachdeva" userId="a6485dc24ed82a52" providerId="LiveId" clId="{EB4E9C1D-324C-4D51-B933-AF4CD5ADF96B}" dt="2018-09-24T23:22:59.304" v="2237" actId="313"/>
         <pc:sldMkLst>
           <pc:docMk/>
           <pc:sldMk cId="1339316662" sldId="261"/>
         </pc:sldMkLst>
+        <pc:spChg chg="add mod">
+          <ac:chgData name="Niharika Sachdeva" userId="a6485dc24ed82a52" providerId="LiveId" clId="{EB4E9C1D-324C-4D51-B933-AF4CD5ADF96B}" dt="2018-09-24T23:22:59.304" v="2237" actId="313"/>
+          <ac:spMkLst>
+            <pc:docMk/>
+            <pc:sldMk cId="1339316662" sldId="261"/>
+            <ac:spMk id="2" creationId="{B4669B79-8023-4A89-9C1E-F14C9AB933A0}"/>
+          </ac:spMkLst>
+        </pc:spChg>
         <pc:spChg chg="add del">
           <ac:chgData name="Niharika Sachdeva" userId="a6485dc24ed82a52" providerId="LiveId" clId="{EB4E9C1D-324C-4D51-B933-AF4CD5ADF96B}" dt="2018-09-24T16:42:18.662" v="1799"/>
           <ac:spMkLst>
@@ -376,7 +470,7 @@
           </ac:spMkLst>
         </pc:spChg>
         <pc:spChg chg="add mod">
-          <ac:chgData name="Niharika Sachdeva" userId="a6485dc24ed82a52" providerId="LiveId" clId="{EB4E9C1D-324C-4D51-B933-AF4CD5ADF96B}" dt="2018-09-24T17:56:36.082" v="2044" actId="14100"/>
+          <ac:chgData name="Niharika Sachdeva" userId="a6485dc24ed82a52" providerId="LiveId" clId="{EB4E9C1D-324C-4D51-B933-AF4CD5ADF96B}" dt="2018-09-24T23:22:47.791" v="2235" actId="1076"/>
           <ac:spMkLst>
             <pc:docMk/>
             <pc:sldMk cId="1339316662" sldId="261"/>
@@ -392,7 +486,7 @@
           </ac:spMkLst>
         </pc:spChg>
         <pc:spChg chg="add mod">
-          <ac:chgData name="Niharika Sachdeva" userId="a6485dc24ed82a52" providerId="LiveId" clId="{EB4E9C1D-324C-4D51-B933-AF4CD5ADF96B}" dt="2018-09-24T17:59:38.946" v="2200" actId="6549"/>
+          <ac:chgData name="Niharika Sachdeva" userId="a6485dc24ed82a52" providerId="LiveId" clId="{EB4E9C1D-324C-4D51-B933-AF4CD5ADF96B}" dt="2018-09-24T23:22:56.247" v="2236" actId="313"/>
           <ac:spMkLst>
             <pc:docMk/>
             <pc:sldMk cId="1339316662" sldId="261"/>
@@ -3731,6 +3825,17 @@
 <file path=ppt/slides/slide1.xml><?xml version="1.0" encoding="utf-8"?>
 <p:sld xmlns:a="http://schemas.openxmlformats.org/drawingml/2006/main" xmlns:r="http://schemas.openxmlformats.org/officeDocument/2006/relationships" xmlns:p="http://schemas.openxmlformats.org/presentationml/2006/main">
   <p:cSld>
+    <p:bg>
+      <p:bgPr>
+        <a:solidFill>
+          <a:schemeClr val="bg1">
+            <a:tint val="95000"/>
+            <a:satMod val="170000"/>
+          </a:schemeClr>
+        </a:solidFill>
+        <a:effectLst/>
+      </p:bgPr>
+    </p:bg>
     <p:spTree>
       <p:nvGrpSpPr>
         <p:cNvPr id="1" name=""/>
@@ -3761,15 +3866,24 @@
             <p:ph type="ctrTitle"/>
           </p:nvPr>
         </p:nvSpPr>
-        <p:spPr/>
-        <p:txBody>
-          <a:bodyPr/>
+        <p:spPr>
+          <a:xfrm>
+            <a:off x="6746628" y="1783959"/>
+            <a:ext cx="4645250" cy="2889114"/>
+          </a:xfrm>
+        </p:spPr>
+        <p:txBody>
+          <a:bodyPr anchor="b">
+            <a:normAutofit/>
+          </a:bodyPr>
           <a:lstStyle/>
           <a:p>
+            <a:pPr algn="l"/>
             <a:r>
               <a:rPr lang="en-US" dirty="0"/>
               <a:t>Analysis of Motor Vehicle Crashes</a:t>
             </a:r>
+            <a:endParaRPr lang="en-US"/>
           </a:p>
         </p:txBody>
       </p:sp>
@@ -3789,18 +3903,299 @@
             <p:ph type="subTitle" idx="1"/>
           </p:nvPr>
         </p:nvSpPr>
-        <p:spPr/>
-        <p:txBody>
-          <a:bodyPr/>
+        <p:spPr>
+          <a:xfrm>
+            <a:off x="6746627" y="4750893"/>
+            <a:ext cx="4645250" cy="1147863"/>
+          </a:xfrm>
+        </p:spPr>
+        <p:txBody>
+          <a:bodyPr anchor="t">
+            <a:normAutofit/>
+          </a:bodyPr>
           <a:lstStyle/>
           <a:p>
-            <a:r>
-              <a:rPr lang="en-US" dirty="0"/>
+            <a:pPr algn="l"/>
+            <a:r>
+              <a:rPr lang="en-US" sz="2000"/>
               <a:t>(2014,2015 and 2016)</a:t>
             </a:r>
           </a:p>
         </p:txBody>
       </p:sp>
+      <p:sp>
+        <p:nvSpPr>
+          <p:cNvPr id="10" name="Freeform: Shape 9">
+            <a:extLst>
+              <a:ext uri="{FF2B5EF4-FFF2-40B4-BE49-F238E27FC236}">
+                <a16:creationId xmlns:a16="http://schemas.microsoft.com/office/drawing/2014/main" id="{1DB7C82F-AB7E-4F0C-B829-FA1B9C415180}"/>
+              </a:ext>
+              <a:ext uri="{C183D7F6-B498-43B3-948B-1728B52AA6E4}">
+                <adec:decorative xmlns:adec="http://schemas.microsoft.com/office/drawing/2017/decorative" val="1"/>
+              </a:ext>
+            </a:extLst>
+          </p:cNvPr>
+          <p:cNvSpPr>
+            <a:spLocks noGrp="1" noRot="1" noChangeAspect="1" noMove="1" noResize="1" noEditPoints="1" noAdjustHandles="1" noChangeArrowheads="1" noChangeShapeType="1" noTextEdit="1"/>
+          </p:cNvSpPr>
+          <p:nvPr>
+            <p:extLst>
+              <p:ext uri="{386F3935-93C4-4BCD-93E2-E3B085C9AB24}">
+                <p16:designElem xmlns:p16="http://schemas.microsoft.com/office/powerpoint/2015/main" val="1"/>
+              </p:ext>
+            </p:extLst>
+          </p:nvPr>
+        </p:nvSpPr>
+        <p:spPr>
+          <a:xfrm flipH="1">
+            <a:off x="0" y="0"/>
+            <a:ext cx="6172782" cy="6858000"/>
+          </a:xfrm>
+          <a:custGeom>
+            <a:avLst/>
+            <a:gdLst>
+              <a:gd name="connsiteX0" fmla="*/ 6172782 w 6172782"/>
+              <a:gd name="connsiteY0" fmla="*/ 0 h 6858000"/>
+              <a:gd name="connsiteX1" fmla="*/ 69075 w 6172782"/>
+              <a:gd name="connsiteY1" fmla="*/ 0 h 6858000"/>
+              <a:gd name="connsiteX2" fmla="*/ 35131 w 6172782"/>
+              <a:gd name="connsiteY2" fmla="*/ 267128 h 6858000"/>
+              <a:gd name="connsiteX3" fmla="*/ 0 w 6172782"/>
+              <a:gd name="connsiteY3" fmla="*/ 962845 h 6858000"/>
+              <a:gd name="connsiteX4" fmla="*/ 3276103 w 6172782"/>
+              <a:gd name="connsiteY4" fmla="*/ 6782205 h 6858000"/>
+              <a:gd name="connsiteX5" fmla="*/ 3407923 w 6172782"/>
+              <a:gd name="connsiteY5" fmla="*/ 6858000 h 6858000"/>
+              <a:gd name="connsiteX6" fmla="*/ 6172782 w 6172782"/>
+              <a:gd name="connsiteY6" fmla="*/ 6858000 h 6858000"/>
+            </a:gdLst>
+            <a:ahLst/>
+            <a:cxnLst>
+              <a:cxn ang="0">
+                <a:pos x="connsiteX0" y="connsiteY0"/>
+              </a:cxn>
+              <a:cxn ang="0">
+                <a:pos x="connsiteX1" y="connsiteY1"/>
+              </a:cxn>
+              <a:cxn ang="0">
+                <a:pos x="connsiteX2" y="connsiteY2"/>
+              </a:cxn>
+              <a:cxn ang="0">
+                <a:pos x="connsiteX3" y="connsiteY3"/>
+              </a:cxn>
+              <a:cxn ang="0">
+                <a:pos x="connsiteX4" y="connsiteY4"/>
+              </a:cxn>
+              <a:cxn ang="0">
+                <a:pos x="connsiteX5" y="connsiteY5"/>
+              </a:cxn>
+              <a:cxn ang="0">
+                <a:pos x="connsiteX6" y="connsiteY6"/>
+              </a:cxn>
+            </a:cxnLst>
+            <a:rect l="l" t="t" r="r" b="b"/>
+            <a:pathLst>
+              <a:path w="6172782" h="6858000">
+                <a:moveTo>
+                  <a:pt x="6172782" y="0"/>
+                </a:moveTo>
+                <a:lnTo>
+                  <a:pt x="69075" y="0"/>
+                </a:lnTo>
+                <a:lnTo>
+                  <a:pt x="35131" y="267128"/>
+                </a:lnTo>
+                <a:cubicBezTo>
+                  <a:pt x="11901" y="495874"/>
+                  <a:pt x="0" y="727970"/>
+                  <a:pt x="0" y="962845"/>
+                </a:cubicBezTo>
+                <a:cubicBezTo>
+                  <a:pt x="0" y="3429034"/>
+                  <a:pt x="1312002" y="5588789"/>
+                  <a:pt x="3276103" y="6782205"/>
+                </a:cubicBezTo>
+                <a:lnTo>
+                  <a:pt x="3407923" y="6858000"/>
+                </a:lnTo>
+                <a:lnTo>
+                  <a:pt x="6172782" y="6858000"/>
+                </a:lnTo>
+                <a:close/>
+              </a:path>
+            </a:pathLst>
+          </a:custGeom>
+          <a:solidFill>
+            <a:srgbClr val="FFFFFF">
+              <a:alpha val="80000"/>
+            </a:srgbClr>
+          </a:solidFill>
+          <a:ln>
+            <a:noFill/>
+          </a:ln>
+        </p:spPr>
+        <p:style>
+          <a:lnRef idx="2">
+            <a:schemeClr val="accent1">
+              <a:shade val="50000"/>
+            </a:schemeClr>
+          </a:lnRef>
+          <a:fillRef idx="1">
+            <a:schemeClr val="accent1"/>
+          </a:fillRef>
+          <a:effectRef idx="0">
+            <a:schemeClr val="accent1"/>
+          </a:effectRef>
+          <a:fontRef idx="minor">
+            <a:schemeClr val="lt1"/>
+          </a:fontRef>
+        </p:style>
+        <p:txBody>
+          <a:bodyPr wrap="square" rtlCol="0" anchor="ctr">
+            <a:noAutofit/>
+          </a:bodyPr>
+          <a:lstStyle/>
+          <a:p>
+            <a:pPr marL="0" marR="0" lvl="0" indent="0" algn="ctr" defTabSz="914400" rtl="0" eaLnBrk="1" fontAlgn="auto" latinLnBrk="0" hangingPunct="1">
+              <a:lnSpc>
+                <a:spcPct val="100000"/>
+              </a:lnSpc>
+              <a:spcBef>
+                <a:spcPts val="0"/>
+              </a:spcBef>
+              <a:spcAft>
+                <a:spcPts val="0"/>
+              </a:spcAft>
+              <a:buClrTx/>
+              <a:buSzTx/>
+              <a:buFontTx/>
+              <a:buNone/>
+              <a:tabLst/>
+              <a:defRPr/>
+            </a:pPr>
+            <a:endParaRPr kumimoji="0" lang="en-US" sz="1800" b="0" i="0" u="none" strike="noStrike" kern="1200" cap="none" spc="0" normalizeH="0" baseline="0" noProof="0">
+              <a:ln>
+                <a:noFill/>
+              </a:ln>
+              <a:solidFill>
+                <a:prstClr val="white"/>
+              </a:solidFill>
+              <a:effectLst/>
+              <a:uLnTx/>
+              <a:uFillTx/>
+              <a:latin typeface="Calibri" panose="020F0502020204030204"/>
+              <a:ea typeface="+mn-ea"/>
+              <a:cs typeface="+mn-cs"/>
+            </a:endParaRPr>
+          </a:p>
+        </p:txBody>
+      </p:sp>
+      <p:pic>
+        <p:nvPicPr>
+          <p:cNvPr id="5" name="Picture 4">
+            <a:extLst>
+              <a:ext uri="{FF2B5EF4-FFF2-40B4-BE49-F238E27FC236}">
+                <a16:creationId xmlns:a16="http://schemas.microsoft.com/office/drawing/2014/main" id="{553D3B49-6BF1-42E7-8775-C8702A08E341}"/>
+              </a:ext>
+            </a:extLst>
+          </p:cNvPr>
+          <p:cNvPicPr>
+            <a:picLocks noChangeAspect="1"/>
+          </p:cNvPicPr>
+          <p:nvPr/>
+        </p:nvPicPr>
+        <p:blipFill rotWithShape="1">
+          <a:blip r:embed="rId2">
+            <a:extLst>
+              <a:ext uri="{28A0092B-C50C-407E-A947-70E740481C1C}">
+                <a14:useLocalDpi xmlns:a14="http://schemas.microsoft.com/office/drawing/2010/main" val="0"/>
+              </a:ext>
+            </a:extLst>
+          </a:blip>
+          <a:srcRect l="23812" r="10307"/>
+          <a:stretch/>
+        </p:blipFill>
+        <p:spPr>
+          <a:xfrm>
+            <a:off x="20" y="10"/>
+            <a:ext cx="6024134" cy="6857990"/>
+          </a:xfrm>
+          <a:custGeom>
+            <a:avLst/>
+            <a:gdLst>
+              <a:gd name="connsiteX0" fmla="*/ 0 w 6024154"/>
+              <a:gd name="connsiteY0" fmla="*/ 0 h 6858000"/>
+              <a:gd name="connsiteX1" fmla="*/ 5953780 w 6024154"/>
+              <a:gd name="connsiteY1" fmla="*/ 0 h 6858000"/>
+              <a:gd name="connsiteX2" fmla="*/ 5989880 w 6024154"/>
+              <a:gd name="connsiteY2" fmla="*/ 284091 h 6858000"/>
+              <a:gd name="connsiteX3" fmla="*/ 6024154 w 6024154"/>
+              <a:gd name="connsiteY3" fmla="*/ 962844 h 6858000"/>
+              <a:gd name="connsiteX4" fmla="*/ 2549934 w 6024154"/>
+              <a:gd name="connsiteY4" fmla="*/ 6800152 h 6858000"/>
+              <a:gd name="connsiteX5" fmla="*/ 2436987 w 6024154"/>
+              <a:gd name="connsiteY5" fmla="*/ 6858000 h 6858000"/>
+              <a:gd name="connsiteX6" fmla="*/ 0 w 6024154"/>
+              <a:gd name="connsiteY6" fmla="*/ 6858000 h 6858000"/>
+            </a:gdLst>
+            <a:ahLst/>
+            <a:cxnLst>
+              <a:cxn ang="0">
+                <a:pos x="connsiteX0" y="connsiteY0"/>
+              </a:cxn>
+              <a:cxn ang="0">
+                <a:pos x="connsiteX1" y="connsiteY1"/>
+              </a:cxn>
+              <a:cxn ang="0">
+                <a:pos x="connsiteX2" y="connsiteY2"/>
+              </a:cxn>
+              <a:cxn ang="0">
+                <a:pos x="connsiteX3" y="connsiteY3"/>
+              </a:cxn>
+              <a:cxn ang="0">
+                <a:pos x="connsiteX4" y="connsiteY4"/>
+              </a:cxn>
+              <a:cxn ang="0">
+                <a:pos x="connsiteX5" y="connsiteY5"/>
+              </a:cxn>
+              <a:cxn ang="0">
+                <a:pos x="connsiteX6" y="connsiteY6"/>
+              </a:cxn>
+            </a:cxnLst>
+            <a:rect l="l" t="t" r="r" b="b"/>
+            <a:pathLst>
+              <a:path w="6024154" h="6858000">
+                <a:moveTo>
+                  <a:pt x="0" y="0"/>
+                </a:moveTo>
+                <a:lnTo>
+                  <a:pt x="5953780" y="0"/>
+                </a:lnTo>
+                <a:lnTo>
+                  <a:pt x="5989880" y="284091"/>
+                </a:lnTo>
+                <a:cubicBezTo>
+                  <a:pt x="6012544" y="507260"/>
+                  <a:pt x="6024154" y="733696"/>
+                  <a:pt x="6024154" y="962844"/>
+                </a:cubicBezTo>
+                <a:cubicBezTo>
+                  <a:pt x="6024154" y="3483472"/>
+                  <a:pt x="4619336" y="5675986"/>
+                  <a:pt x="2549934" y="6800152"/>
+                </a:cubicBezTo>
+                <a:lnTo>
+                  <a:pt x="2436987" y="6858000"/>
+                </a:lnTo>
+                <a:lnTo>
+                  <a:pt x="0" y="6858000"/>
+                </a:lnTo>
+                <a:close/>
+              </a:path>
+            </a:pathLst>
+          </a:custGeom>
+        </p:spPr>
+      </p:pic>
     </p:spTree>
     <p:extLst>
       <p:ext uri="{BB962C8B-B14F-4D97-AF65-F5344CB8AC3E}">
@@ -3809,7 +4204,7 @@
     </p:extLst>
   </p:cSld>
   <p:clrMapOvr>
-    <a:masterClrMapping/>
+    <a:overrideClrMapping bg1="dk1" tx1="lt1" bg2="dk2" tx2="lt2" accent1="accent1" accent2="accent2" accent3="accent3" accent4="accent4" accent5="accent5" accent6="accent6" hlink="hlink" folHlink="folHlink"/>
   </p:clrMapOvr>
 </p:sld>
 </file>
@@ -3847,6 +4242,45 @@
             <p:ph type="ctrTitle"/>
           </p:nvPr>
         </p:nvSpPr>
+        <p:spPr>
+          <a:xfrm>
+            <a:off x="2696066" y="2667785"/>
+            <a:ext cx="7211505" cy="842177"/>
+          </a:xfrm>
+        </p:spPr>
+        <p:txBody>
+          <a:bodyPr>
+            <a:normAutofit fontScale="90000"/>
+          </a:bodyPr>
+          <a:lstStyle/>
+          <a:p>
+            <a:r>
+              <a:rPr lang="en-US" b="1" dirty="0">
+                <a:solidFill>
+                  <a:srgbClr val="FF0000"/>
+                </a:solidFill>
+              </a:rPr>
+              <a:t>The United States </a:t>
+            </a:r>
+          </a:p>
+        </p:txBody>
+      </p:sp>
+      <p:sp>
+        <p:nvSpPr>
+          <p:cNvPr id="3" name="Subtitle 2">
+            <a:extLst>
+              <a:ext uri="{FF2B5EF4-FFF2-40B4-BE49-F238E27FC236}">
+                <a16:creationId xmlns:a16="http://schemas.microsoft.com/office/drawing/2014/main" id="{71B53A38-829D-4EFA-8C21-2F0B2DE05F22}"/>
+              </a:ext>
+            </a:extLst>
+          </p:cNvPr>
+          <p:cNvSpPr>
+            <a:spLocks noGrp="1"/>
+          </p:cNvSpPr>
+          <p:nvPr>
+            <p:ph type="subTitle" idx="1"/>
+          </p:nvPr>
+        </p:nvSpPr>
         <p:spPr/>
         <p:txBody>
           <a:bodyPr/>
@@ -3854,34 +4288,6 @@
           <a:p>
             <a:r>
               <a:rPr lang="en-US" dirty="0"/>
-              <a:t>The United States </a:t>
-            </a:r>
-          </a:p>
-        </p:txBody>
-      </p:sp>
-      <p:sp>
-        <p:nvSpPr>
-          <p:cNvPr id="3" name="Subtitle 2">
-            <a:extLst>
-              <a:ext uri="{FF2B5EF4-FFF2-40B4-BE49-F238E27FC236}">
-                <a16:creationId xmlns:a16="http://schemas.microsoft.com/office/drawing/2014/main" id="{71B53A38-829D-4EFA-8C21-2F0B2DE05F22}"/>
-              </a:ext>
-            </a:extLst>
-          </p:cNvPr>
-          <p:cNvSpPr>
-            <a:spLocks noGrp="1"/>
-          </p:cNvSpPr>
-          <p:nvPr>
-            <p:ph type="subTitle" idx="1"/>
-          </p:nvPr>
-        </p:nvSpPr>
-        <p:spPr/>
-        <p:txBody>
-          <a:bodyPr/>
-          <a:lstStyle/>
-          <a:p>
-            <a:r>
-              <a:rPr lang="en-US" dirty="0"/>
               <a:t>264 million vehicles registered</a:t>
             </a:r>
           </a:p>
@@ -3890,6 +4296,134 @@
               <a:rPr lang="en-US" dirty="0"/>
               <a:t>218 million drivers </a:t>
             </a:r>
+          </a:p>
+        </p:txBody>
+      </p:sp>
+      <p:sp>
+        <p:nvSpPr>
+          <p:cNvPr id="4" name="Rectangle 3">
+            <a:extLst>
+              <a:ext uri="{FF2B5EF4-FFF2-40B4-BE49-F238E27FC236}">
+                <a16:creationId xmlns:a16="http://schemas.microsoft.com/office/drawing/2014/main" id="{190C2A3D-9E90-49BD-AD6D-D6D821643D36}"/>
+              </a:ext>
+            </a:extLst>
+          </p:cNvPr>
+          <p:cNvSpPr/>
+          <p:nvPr/>
+        </p:nvSpPr>
+        <p:spPr>
+          <a:xfrm>
+            <a:off x="5637229" y="6457361"/>
+            <a:ext cx="6683604" cy="369332"/>
+          </a:xfrm>
+          <a:prstGeom prst="rect">
+            <a:avLst/>
+          </a:prstGeom>
+        </p:spPr>
+        <p:txBody>
+          <a:bodyPr wrap="square">
+            <a:spAutoFit/>
+          </a:bodyPr>
+          <a:lstStyle/>
+          <a:p>
+            <a:r>
+              <a:rPr lang="en-US" dirty="0">
+                <a:solidFill>
+                  <a:srgbClr val="000000"/>
+                </a:solidFill>
+                <a:latin typeface="Calibri" panose="020F0502020204030204" pitchFamily="34" charset="0"/>
+                <a:hlinkClick r:id="rId2"/>
+              </a:rPr>
+              <a:t>https://www.statista.com/topics/3708/road-accidents-in-the-us/</a:t>
+            </a:r>
+            <a:endParaRPr lang="en-US" dirty="0"/>
+          </a:p>
+        </p:txBody>
+      </p:sp>
+      <p:pic>
+        <p:nvPicPr>
+          <p:cNvPr id="8" name="Picture 7">
+            <a:extLst>
+              <a:ext uri="{FF2B5EF4-FFF2-40B4-BE49-F238E27FC236}">
+                <a16:creationId xmlns:a16="http://schemas.microsoft.com/office/drawing/2014/main" id="{F9D54647-6532-4D2C-97E7-07701B3B0F2D}"/>
+              </a:ext>
+            </a:extLst>
+          </p:cNvPr>
+          <p:cNvPicPr>
+            <a:picLocks noChangeAspect="1"/>
+          </p:cNvPicPr>
+          <p:nvPr/>
+        </p:nvPicPr>
+        <p:blipFill>
+          <a:blip r:embed="rId3">
+            <a:extLst>
+              <a:ext uri="{28A0092B-C50C-407E-A947-70E740481C1C}">
+                <a14:useLocalDpi xmlns:a14="http://schemas.microsoft.com/office/drawing/2010/main" val="0"/>
+              </a:ext>
+              <a:ext uri="{837473B0-CC2E-450A-ABE3-18F120FF3D39}">
+                <a1611:picAttrSrcUrl xmlns:a1611="http://schemas.microsoft.com/office/drawing/2016/11/main" r:id="rId4"/>
+              </a:ext>
+            </a:extLst>
+          </a:blip>
+          <a:stretch>
+            <a:fillRect/>
+          </a:stretch>
+        </p:blipFill>
+        <p:spPr>
+          <a:xfrm>
+            <a:off x="150830" y="18949"/>
+            <a:ext cx="4477732" cy="2841989"/>
+          </a:xfrm>
+          <a:prstGeom prst="rect">
+            <a:avLst/>
+          </a:prstGeom>
+        </p:spPr>
+      </p:pic>
+      <p:sp>
+        <p:nvSpPr>
+          <p:cNvPr id="9" name="TextBox 8">
+            <a:extLst>
+              <a:ext uri="{FF2B5EF4-FFF2-40B4-BE49-F238E27FC236}">
+                <a16:creationId xmlns:a16="http://schemas.microsoft.com/office/drawing/2014/main" id="{AFD9B8E9-5237-4F50-805D-8768B14B5D24}"/>
+              </a:ext>
+            </a:extLst>
+          </p:cNvPr>
+          <p:cNvSpPr txBox="1"/>
+          <p:nvPr/>
+        </p:nvSpPr>
+        <p:spPr>
+          <a:xfrm>
+            <a:off x="3762049" y="4910344"/>
+            <a:ext cx="4667901" cy="230832"/>
+          </a:xfrm>
+          <a:prstGeom prst="rect">
+            <a:avLst/>
+          </a:prstGeom>
+          <a:noFill/>
+        </p:spPr>
+        <p:txBody>
+          <a:bodyPr wrap="square" rtlCol="0">
+            <a:spAutoFit/>
+          </a:bodyPr>
+          <a:lstStyle/>
+          <a:p>
+            <a:r>
+              <a:rPr lang="en-US" sz="900">
+                <a:hlinkClick r:id="rId4" tooltip="http://www.mikepope.com/blog/addcomment.aspx?blogid=2151"/>
+              </a:rPr>
+              <a:t>This Photo</a:t>
+            </a:r>
+            <a:r>
+              <a:rPr lang="en-US" sz="900"/>
+              <a:t> by Unknown Author is licensed under </a:t>
+            </a:r>
+            <a:r>
+              <a:rPr lang="en-US" sz="900">
+                <a:hlinkClick r:id="rId5" tooltip="https://creativecommons.org/licenses/by-nc-sa/3.0/"/>
+              </a:rPr>
+              <a:t>CC BY-SA-NC</a:t>
+            </a:r>
+            <a:endParaRPr lang="en-US" sz="900"/>
           </a:p>
         </p:txBody>
       </p:sp>
@@ -4998,7 +5532,7 @@
         </p:nvSpPr>
         <p:spPr>
           <a:xfrm rot="10800000" flipV="1">
-            <a:off x="4627418" y="133927"/>
+            <a:off x="7568581" y="1910"/>
             <a:ext cx="3491346" cy="369332"/>
           </a:xfrm>
           <a:prstGeom prst="rect">
@@ -5529,12 +6063,8 @@
               <a:buNone/>
             </a:pPr>
             <a:r>
-              <a:rPr lang="en-US" sz="2000" dirty="0" err="1"/>
-              <a:t>Commerical</a:t>
-            </a:r>
-            <a:r>
               <a:rPr lang="en-US" sz="2000" dirty="0"/>
-              <a:t> Vehicles</a:t>
+              <a:t>Commercial Vehicles</a:t>
             </a:r>
           </a:p>
           <a:p>
@@ -5551,6 +6081,44 @@
             <a:r>
               <a:rPr lang="en-US" sz="2000" dirty="0"/>
               <a:t>     count</a:t>
+            </a:r>
+          </a:p>
+        </p:txBody>
+      </p:sp>
+      <p:sp>
+        <p:nvSpPr>
+          <p:cNvPr id="2" name="Rectangle 1">
+            <a:extLst>
+              <a:ext uri="{FF2B5EF4-FFF2-40B4-BE49-F238E27FC236}">
+                <a16:creationId xmlns:a16="http://schemas.microsoft.com/office/drawing/2014/main" id="{B4669B79-8023-4A89-9C1E-F14C9AB933A0}"/>
+              </a:ext>
+            </a:extLst>
+          </p:cNvPr>
+          <p:cNvSpPr/>
+          <p:nvPr/>
+        </p:nvSpPr>
+        <p:spPr>
+          <a:xfrm>
+            <a:off x="777988" y="2356197"/>
+            <a:ext cx="3161828" cy="369332"/>
+          </a:xfrm>
+          <a:prstGeom prst="rect">
+            <a:avLst/>
+          </a:prstGeom>
+        </p:spPr>
+        <p:txBody>
+          <a:bodyPr wrap="none">
+            <a:spAutoFit/>
+          </a:bodyPr>
+          <a:lstStyle/>
+          <a:p>
+            <a:r>
+              <a:rPr lang="en-US" b="1" dirty="0">
+                <a:solidFill>
+                  <a:srgbClr val="FF0000"/>
+                </a:solidFill>
+              </a:rPr>
+              <a:t>Commercial Vehicle Body Type </a:t>
             </a:r>
           </a:p>
         </p:txBody>

--- a/Analysis of Motor Vehicle Crashes.pptx
+++ b/Analysis of Motor Vehicle Crashes.pptx
@@ -6,10 +6,10 @@
   </p:sldMasterIdLst>
   <p:sldIdLst>
     <p:sldId id="256" r:id="rId2"/>
-    <p:sldId id="257" r:id="rId3"/>
-    <p:sldId id="258" r:id="rId4"/>
-    <p:sldId id="263" r:id="rId5"/>
-    <p:sldId id="259" r:id="rId6"/>
+    <p:sldId id="258" r:id="rId3"/>
+    <p:sldId id="263" r:id="rId4"/>
+    <p:sldId id="259" r:id="rId5"/>
+    <p:sldId id="264" r:id="rId6"/>
     <p:sldId id="260" r:id="rId7"/>
     <p:sldId id="261" r:id="rId8"/>
   </p:sldIdLst>
@@ -133,7 +133,7 @@
 <file path=ppt/revisionInfo.xml><?xml version="1.0" encoding="utf-8"?>
 <p1510:revInfo xmlns:a="http://schemas.openxmlformats.org/drawingml/2006/main" xmlns:r="http://schemas.openxmlformats.org/officeDocument/2006/relationships" xmlns:p1510="http://schemas.microsoft.com/office/powerpoint/2015/10/main">
   <p1510:revLst>
-    <p1510:client id="{EB4E9C1D-324C-4D51-B933-AF4CD5ADF96B}" v="2237" dt="2018-09-24T23:22:59.304"/>
+    <p1510:client id="{EB4E9C1D-324C-4D51-B933-AF4CD5ADF96B}" v="3167" dt="2018-09-26T01:49:31.894"/>
   </p1510:revLst>
 </p1510:revInfo>
 </file>
@@ -142,8 +142,8 @@
 <pc:chgInfo xmlns:a="http://schemas.openxmlformats.org/drawingml/2006/main" xmlns:r="http://schemas.openxmlformats.org/officeDocument/2006/relationships" xmlns:ac="http://schemas.microsoft.com/office/drawing/2013/main/command" xmlns:pc="http://schemas.microsoft.com/office/powerpoint/2013/main/command">
   <pc:docChgLst>
     <pc:chgData name="Niharika Sachdeva" userId="a6485dc24ed82a52" providerId="LiveId" clId="{EB4E9C1D-324C-4D51-B933-AF4CD5ADF96B}"/>
-    <pc:docChg chg="undo custSel mod addSld delSld modSld">
-      <pc:chgData name="Niharika Sachdeva" userId="a6485dc24ed82a52" providerId="LiveId" clId="{EB4E9C1D-324C-4D51-B933-AF4CD5ADF96B}" dt="2018-09-24T23:22:59.304" v="2237" actId="313"/>
+    <pc:docChg chg="undo custSel mod addSld delSld modSld sldOrd">
+      <pc:chgData name="Niharika Sachdeva" userId="a6485dc24ed82a52" providerId="LiveId" clId="{EB4E9C1D-324C-4D51-B933-AF4CD5ADF96B}" dt="2018-09-26T01:49:31.894" v="3167" actId="20577"/>
       <pc:docMkLst>
         <pc:docMk/>
       </pc:docMkLst>
@@ -186,18 +186,26 @@
           </ac:picMkLst>
         </pc:picChg>
       </pc:sldChg>
-      <pc:sldChg chg="addSp delSp modSp">
-        <pc:chgData name="Niharika Sachdeva" userId="a6485dc24ed82a52" providerId="LiveId" clId="{EB4E9C1D-324C-4D51-B933-AF4CD5ADF96B}" dt="2018-09-24T23:09:08.015" v="2222" actId="14100"/>
+      <pc:sldChg chg="addSp delSp modSp del setBg">
+        <pc:chgData name="Niharika Sachdeva" userId="a6485dc24ed82a52" providerId="LiveId" clId="{EB4E9C1D-324C-4D51-B933-AF4CD5ADF96B}" dt="2018-09-25T23:07:51.587" v="2606" actId="2696"/>
         <pc:sldMkLst>
           <pc:docMk/>
           <pc:sldMk cId="653141974" sldId="257"/>
         </pc:sldMkLst>
-        <pc:spChg chg="mod">
-          <ac:chgData name="Niharika Sachdeva" userId="a6485dc24ed82a52" providerId="LiveId" clId="{EB4E9C1D-324C-4D51-B933-AF4CD5ADF96B}" dt="2018-09-24T23:09:08.015" v="2222" actId="14100"/>
+        <pc:spChg chg="del mod">
+          <ac:chgData name="Niharika Sachdeva" userId="a6485dc24ed82a52" providerId="LiveId" clId="{EB4E9C1D-324C-4D51-B933-AF4CD5ADF96B}" dt="2018-09-25T16:03:50.248" v="2240"/>
           <ac:spMkLst>
             <pc:docMk/>
             <pc:sldMk cId="653141974" sldId="257"/>
             <ac:spMk id="2" creationId="{FE6C3A04-EEC5-4A46-A9C3-A656C5CCFF22}"/>
+          </ac:spMkLst>
+        </pc:spChg>
+        <pc:spChg chg="mod">
+          <ac:chgData name="Niharika Sachdeva" userId="a6485dc24ed82a52" providerId="LiveId" clId="{EB4E9C1D-324C-4D51-B933-AF4CD5ADF96B}" dt="2018-09-25T16:12:43.224" v="2275" actId="113"/>
+          <ac:spMkLst>
+            <pc:docMk/>
+            <pc:sldMk cId="653141974" sldId="257"/>
+            <ac:spMk id="3" creationId="{71B53A38-829D-4EFA-8C21-2F0B2DE05F22}"/>
           </ac:spMkLst>
         </pc:spChg>
         <pc:spChg chg="add mod">
@@ -225,7 +233,7 @@
           </ac:picMkLst>
         </pc:picChg>
         <pc:picChg chg="add mod">
-          <ac:chgData name="Niharika Sachdeva" userId="a6485dc24ed82a52" providerId="LiveId" clId="{EB4E9C1D-324C-4D51-B933-AF4CD5ADF96B}" dt="2018-09-24T23:06:12.145" v="2218" actId="1076"/>
+          <ac:chgData name="Niharika Sachdeva" userId="a6485dc24ed82a52" providerId="LiveId" clId="{EB4E9C1D-324C-4D51-B933-AF4CD5ADF96B}" dt="2018-09-25T16:04:14.835" v="2245" actId="14100"/>
           <ac:picMkLst>
             <pc:docMk/>
             <pc:sldMk cId="653141974" sldId="257"/>
@@ -233,22 +241,53 @@
           </ac:picMkLst>
         </pc:picChg>
       </pc:sldChg>
+      <pc:sldChg chg="addSp modSp">
+        <pc:chgData name="Niharika Sachdeva" userId="a6485dc24ed82a52" providerId="LiveId" clId="{EB4E9C1D-324C-4D51-B933-AF4CD5ADF96B}" dt="2018-09-26T01:45:07.725" v="2774" actId="20577"/>
+        <pc:sldMkLst>
+          <pc:docMk/>
+          <pc:sldMk cId="171835976" sldId="258"/>
+        </pc:sldMkLst>
+        <pc:spChg chg="mod">
+          <ac:chgData name="Niharika Sachdeva" userId="a6485dc24ed82a52" providerId="LiveId" clId="{EB4E9C1D-324C-4D51-B933-AF4CD5ADF96B}" dt="2018-09-26T01:43:12.975" v="2720" actId="1035"/>
+          <ac:spMkLst>
+            <pc:docMk/>
+            <pc:sldMk cId="171835976" sldId="258"/>
+            <ac:spMk id="2" creationId="{F534A459-7F78-47E4-A273-A769B5402A0D}"/>
+          </ac:spMkLst>
+        </pc:spChg>
+        <pc:spChg chg="add mod">
+          <ac:chgData name="Niharika Sachdeva" userId="a6485dc24ed82a52" providerId="LiveId" clId="{EB4E9C1D-324C-4D51-B933-AF4CD5ADF96B}" dt="2018-09-26T01:45:07.725" v="2774" actId="20577"/>
+          <ac:spMkLst>
+            <pc:docMk/>
+            <pc:sldMk cId="171835976" sldId="258"/>
+            <ac:spMk id="5" creationId="{B37F2691-FDEE-4377-BF63-B28ABF907994}"/>
+          </ac:spMkLst>
+        </pc:spChg>
+      </pc:sldChg>
       <pc:sldChg chg="addSp delSp modSp add">
-        <pc:chgData name="Niharika Sachdeva" userId="a6485dc24ed82a52" providerId="LiveId" clId="{EB4E9C1D-324C-4D51-B933-AF4CD5ADF96B}" dt="2018-09-23T23:42:59.803" v="751" actId="20577"/>
+        <pc:chgData name="Niharika Sachdeva" userId="a6485dc24ed82a52" providerId="LiveId" clId="{EB4E9C1D-324C-4D51-B933-AF4CD5ADF96B}" dt="2018-09-26T01:47:00.060" v="3010" actId="1037"/>
         <pc:sldMkLst>
           <pc:docMk/>
           <pc:sldMk cId="1644327249" sldId="259"/>
         </pc:sldMkLst>
-        <pc:spChg chg="mod">
-          <ac:chgData name="Niharika Sachdeva" userId="a6485dc24ed82a52" providerId="LiveId" clId="{EB4E9C1D-324C-4D51-B933-AF4CD5ADF96B}" dt="2018-09-23T23:40:30.186" v="438" actId="1036"/>
+        <pc:spChg chg="del mod">
+          <ac:chgData name="Niharika Sachdeva" userId="a6485dc24ed82a52" providerId="LiveId" clId="{EB4E9C1D-324C-4D51-B933-AF4CD5ADF96B}" dt="2018-09-26T01:46:31.428" v="2865" actId="478"/>
           <ac:spMkLst>
             <pc:docMk/>
             <pc:sldMk cId="1644327249" sldId="259"/>
             <ac:spMk id="2" creationId="{F534A459-7F78-47E4-A273-A769B5402A0D}"/>
           </ac:spMkLst>
         </pc:spChg>
+        <pc:spChg chg="add del">
+          <ac:chgData name="Niharika Sachdeva" userId="a6485dc24ed82a52" providerId="LiveId" clId="{EB4E9C1D-324C-4D51-B933-AF4CD5ADF96B}" dt="2018-09-25T18:56:16.057" v="2500"/>
+          <ac:spMkLst>
+            <pc:docMk/>
+            <pc:sldMk cId="1644327249" sldId="259"/>
+            <ac:spMk id="3" creationId="{D20F9C89-A12F-4E7C-BB4D-9C836FB6D9BC}"/>
+          </ac:spMkLst>
+        </pc:spChg>
         <pc:spChg chg="mod">
-          <ac:chgData name="Niharika Sachdeva" userId="a6485dc24ed82a52" providerId="LiveId" clId="{EB4E9C1D-324C-4D51-B933-AF4CD5ADF96B}" dt="2018-09-23T23:42:59.803" v="751" actId="20577"/>
+          <ac:chgData name="Niharika Sachdeva" userId="a6485dc24ed82a52" providerId="LiveId" clId="{EB4E9C1D-324C-4D51-B933-AF4CD5ADF96B}" dt="2018-09-26T01:47:00.060" v="3010" actId="1037"/>
           <ac:spMkLst>
             <pc:docMk/>
             <pc:sldMk cId="1644327249" sldId="259"/>
@@ -263,6 +302,22 @@
             <ac:spMk id="5" creationId="{C0E2F488-D8E8-4096-835B-CE1FFC69ECB6}"/>
           </ac:spMkLst>
         </pc:spChg>
+        <pc:spChg chg="add mod">
+          <ac:chgData name="Niharika Sachdeva" userId="a6485dc24ed82a52" providerId="LiveId" clId="{EB4E9C1D-324C-4D51-B933-AF4CD5ADF96B}" dt="2018-09-26T01:46:47.144" v="2892" actId="20577"/>
+          <ac:spMkLst>
+            <pc:docMk/>
+            <pc:sldMk cId="1644327249" sldId="259"/>
+            <ac:spMk id="6" creationId="{E16FCE7D-7B3E-4354-B075-067F390206E7}"/>
+          </ac:spMkLst>
+        </pc:spChg>
+        <pc:spChg chg="add del mod">
+          <ac:chgData name="Niharika Sachdeva" userId="a6485dc24ed82a52" providerId="LiveId" clId="{EB4E9C1D-324C-4D51-B933-AF4CD5ADF96B}" dt="2018-09-26T01:46:34.213" v="2866" actId="478"/>
+          <ac:spMkLst>
+            <pc:docMk/>
+            <pc:sldMk cId="1644327249" sldId="259"/>
+            <ac:spMk id="7" creationId="{151E19AF-142A-422B-B108-E44D21AD1743}"/>
+          </ac:spMkLst>
+        </pc:spChg>
         <pc:picChg chg="del">
           <ac:chgData name="Niharika Sachdeva" userId="a6485dc24ed82a52" providerId="LiveId" clId="{EB4E9C1D-324C-4D51-B933-AF4CD5ADF96B}" dt="2018-09-23T23:31:34.933" v="1" actId="478"/>
           <ac:picMkLst>
@@ -272,7 +327,7 @@
           </ac:picMkLst>
         </pc:picChg>
         <pc:picChg chg="add mod">
-          <ac:chgData name="Niharika Sachdeva" userId="a6485dc24ed82a52" providerId="LiveId" clId="{EB4E9C1D-324C-4D51-B933-AF4CD5ADF96B}" dt="2018-09-23T23:32:46.053" v="6" actId="14100"/>
+          <ac:chgData name="Niharika Sachdeva" userId="a6485dc24ed82a52" providerId="LiveId" clId="{EB4E9C1D-324C-4D51-B933-AF4CD5ADF96B}" dt="2018-09-25T16:56:46.859" v="2368" actId="1076"/>
           <ac:picMkLst>
             <pc:docMk/>
             <pc:sldMk cId="1644327249" sldId="259"/>
@@ -281,7 +336,7 @@
         </pc:picChg>
       </pc:sldChg>
       <pc:sldChg chg="addSp delSp modSp add mod setBg">
-        <pc:chgData name="Niharika Sachdeva" userId="a6485dc24ed82a52" providerId="LiveId" clId="{EB4E9C1D-324C-4D51-B933-AF4CD5ADF96B}" dt="2018-09-24T16:40:46.225" v="1796" actId="688"/>
+        <pc:chgData name="Niharika Sachdeva" userId="a6485dc24ed82a52" providerId="LiveId" clId="{EB4E9C1D-324C-4D51-B933-AF4CD5ADF96B}" dt="2018-09-26T01:48:47.520" v="3125" actId="20577"/>
         <pc:sldMkLst>
           <pc:docMk/>
           <pc:sldMk cId="1044642986" sldId="260"/>
@@ -342,8 +397,8 @@
             <ac:spMk id="8" creationId="{427AA454-4F97-44E3-A6F9-5013A12B5147}"/>
           </ac:spMkLst>
         </pc:spChg>
-        <pc:spChg chg="add mod">
-          <ac:chgData name="Niharika Sachdeva" userId="a6485dc24ed82a52" providerId="LiveId" clId="{EB4E9C1D-324C-4D51-B933-AF4CD5ADF96B}" dt="2018-09-24T16:40:46.225" v="1796" actId="688"/>
+        <pc:spChg chg="add del mod">
+          <ac:chgData name="Niharika Sachdeva" userId="a6485dc24ed82a52" providerId="LiveId" clId="{EB4E9C1D-324C-4D51-B933-AF4CD5ADF96B}" dt="2018-09-26T01:48:30.928" v="3090" actId="478"/>
           <ac:spMkLst>
             <pc:docMk/>
             <pc:sldMk cId="1044642986" sldId="260"/>
@@ -351,7 +406,15 @@
           </ac:spMkLst>
         </pc:spChg>
         <pc:spChg chg="add mod">
-          <ac:chgData name="Niharika Sachdeva" userId="a6485dc24ed82a52" providerId="LiveId" clId="{EB4E9C1D-324C-4D51-B933-AF4CD5ADF96B}" dt="2018-09-24T15:30:31.593" v="1793" actId="20577"/>
+          <ac:chgData name="Niharika Sachdeva" userId="a6485dc24ed82a52" providerId="LiveId" clId="{EB4E9C1D-324C-4D51-B933-AF4CD5ADF96B}" dt="2018-09-26T01:48:47.520" v="3125" actId="20577"/>
+          <ac:spMkLst>
+            <pc:docMk/>
+            <pc:sldMk cId="1044642986" sldId="260"/>
+            <ac:spMk id="10" creationId="{A70FAC52-3B5F-4E7D-9524-71D4308F5D65}"/>
+          </ac:spMkLst>
+        </pc:spChg>
+        <pc:spChg chg="add mod">
+          <ac:chgData name="Niharika Sachdeva" userId="a6485dc24ed82a52" providerId="LiveId" clId="{EB4E9C1D-324C-4D51-B933-AF4CD5ADF96B}" dt="2018-09-25T16:15:59.924" v="2327" actId="20577"/>
           <ac:spMkLst>
             <pc:docMk/>
             <pc:sldMk cId="1044642986" sldId="260"/>
@@ -439,7 +502,7 @@
           </ac:picMkLst>
         </pc:picChg>
         <pc:picChg chg="add mod ord">
-          <ac:chgData name="Niharika Sachdeva" userId="a6485dc24ed82a52" providerId="LiveId" clId="{EB4E9C1D-324C-4D51-B933-AF4CD5ADF96B}" dt="2018-09-24T15:22:23.942" v="827" actId="1036"/>
+          <ac:chgData name="Niharika Sachdeva" userId="a6485dc24ed82a52" providerId="LiveId" clId="{EB4E9C1D-324C-4D51-B933-AF4CD5ADF96B}" dt="2018-09-25T22:01:53.285" v="2603" actId="14100"/>
           <ac:picMkLst>
             <pc:docMk/>
             <pc:sldMk cId="1044642986" sldId="260"/>
@@ -448,7 +511,7 @@
         </pc:picChg>
       </pc:sldChg>
       <pc:sldChg chg="addSp delSp modSp add addCm delCm">
-        <pc:chgData name="Niharika Sachdeva" userId="a6485dc24ed82a52" providerId="LiveId" clId="{EB4E9C1D-324C-4D51-B933-AF4CD5ADF96B}" dt="2018-09-24T23:22:59.304" v="2237" actId="313"/>
+        <pc:chgData name="Niharika Sachdeva" userId="a6485dc24ed82a52" providerId="LiveId" clId="{EB4E9C1D-324C-4D51-B933-AF4CD5ADF96B}" dt="2018-09-26T01:49:31.894" v="3167" actId="20577"/>
         <pc:sldMkLst>
           <pc:docMk/>
           <pc:sldMk cId="1339316662" sldId="261"/>
@@ -469,8 +532,8 @@
             <ac:spMk id="2" creationId="{E4D024D5-03A7-4BE5-9E38-7CBE87B4CF87}"/>
           </ac:spMkLst>
         </pc:spChg>
-        <pc:spChg chg="add mod">
-          <ac:chgData name="Niharika Sachdeva" userId="a6485dc24ed82a52" providerId="LiveId" clId="{EB4E9C1D-324C-4D51-B933-AF4CD5ADF96B}" dt="2018-09-24T23:22:47.791" v="2235" actId="1076"/>
+        <pc:spChg chg="add del mod">
+          <ac:chgData name="Niharika Sachdeva" userId="a6485dc24ed82a52" providerId="LiveId" clId="{EB4E9C1D-324C-4D51-B933-AF4CD5ADF96B}" dt="2018-09-26T01:49:03.616" v="3127" actId="478"/>
           <ac:spMkLst>
             <pc:docMk/>
             <pc:sldMk cId="1339316662" sldId="261"/>
@@ -483,6 +546,14 @@
             <pc:docMk/>
             <pc:sldMk cId="1339316662" sldId="261"/>
             <ac:spMk id="7" creationId="{7AE3B177-F001-4E48-97EA-8D60E1521047}"/>
+          </ac:spMkLst>
+        </pc:spChg>
+        <pc:spChg chg="add mod">
+          <ac:chgData name="Niharika Sachdeva" userId="a6485dc24ed82a52" providerId="LiveId" clId="{EB4E9C1D-324C-4D51-B933-AF4CD5ADF96B}" dt="2018-09-26T01:49:31.894" v="3167" actId="20577"/>
+          <ac:spMkLst>
+            <pc:docMk/>
+            <pc:sldMk cId="1339316662" sldId="261"/>
+            <ac:spMk id="8" creationId="{275FAB0E-ECC2-4E71-AC1D-AC874DA5E272}"/>
           </ac:spMkLst>
         </pc:spChg>
         <pc:spChg chg="add mod">
@@ -550,25 +621,26 @@
           </ac:picMkLst>
         </pc:picChg>
       </pc:sldChg>
-      <pc:sldChg chg="add del">
-        <pc:chgData name="Niharika Sachdeva" userId="a6485dc24ed82a52" providerId="LiveId" clId="{EB4E9C1D-324C-4D51-B933-AF4CD5ADF96B}" dt="2018-09-24T17:18:14.937" v="2027" actId="2696"/>
-        <pc:sldMkLst>
-          <pc:docMk/>
-          <pc:sldMk cId="3997503937" sldId="262"/>
-        </pc:sldMkLst>
-      </pc:sldChg>
       <pc:sldChg chg="addSp delSp modSp add mod setBg">
-        <pc:chgData name="Niharika Sachdeva" userId="a6485dc24ed82a52" providerId="LiveId" clId="{EB4E9C1D-324C-4D51-B933-AF4CD5ADF96B}" dt="2018-09-24T17:17:34.887" v="2026" actId="113"/>
+        <pc:chgData name="Niharika Sachdeva" userId="a6485dc24ed82a52" providerId="LiveId" clId="{EB4E9C1D-324C-4D51-B933-AF4CD5ADF96B}" dt="2018-09-26T01:47:20.807" v="3011" actId="1076"/>
         <pc:sldMkLst>
           <pc:docMk/>
           <pc:sldMk cId="1333734352" sldId="263"/>
         </pc:sldMkLst>
-        <pc:spChg chg="add mod">
-          <ac:chgData name="Niharika Sachdeva" userId="a6485dc24ed82a52" providerId="LiveId" clId="{EB4E9C1D-324C-4D51-B933-AF4CD5ADF96B}" dt="2018-09-24T17:17:34.887" v="2026" actId="113"/>
+        <pc:spChg chg="add del mod">
+          <ac:chgData name="Niharika Sachdeva" userId="a6485dc24ed82a52" providerId="LiveId" clId="{EB4E9C1D-324C-4D51-B933-AF4CD5ADF96B}" dt="2018-09-26T01:45:40.032" v="2811" actId="478"/>
           <ac:spMkLst>
             <pc:docMk/>
             <pc:sldMk cId="1333734352" sldId="263"/>
             <ac:spMk id="3" creationId="{9CBB3CA7-CFA4-445D-9F8A-5F559031A770}"/>
+          </ac:spMkLst>
+        </pc:spChg>
+        <pc:spChg chg="add mod">
+          <ac:chgData name="Niharika Sachdeva" userId="a6485dc24ed82a52" providerId="LiveId" clId="{EB4E9C1D-324C-4D51-B933-AF4CD5ADF96B}" dt="2018-09-26T01:45:33.152" v="2810" actId="20577"/>
+          <ac:spMkLst>
+            <pc:docMk/>
+            <pc:sldMk cId="1333734352" sldId="263"/>
+            <ac:spMk id="4" creationId="{92DAEF46-2729-4558-B651-6E2148AFAEFE}"/>
           </ac:spMkLst>
         </pc:spChg>
         <pc:spChg chg="add del">
@@ -604,7 +676,7 @@
           </ac:spMkLst>
         </pc:spChg>
         <pc:picChg chg="add mod">
-          <ac:chgData name="Niharika Sachdeva" userId="a6485dc24ed82a52" providerId="LiveId" clId="{EB4E9C1D-324C-4D51-B933-AF4CD5ADF96B}" dt="2018-09-24T17:14:35.540" v="1982" actId="14100"/>
+          <ac:chgData name="Niharika Sachdeva" userId="a6485dc24ed82a52" providerId="LiveId" clId="{EB4E9C1D-324C-4D51-B933-AF4CD5ADF96B}" dt="2018-09-26T01:47:20.807" v="3011" actId="1076"/>
           <ac:picMkLst>
             <pc:docMk/>
             <pc:sldMk cId="1333734352" sldId="263"/>
@@ -617,6 +689,61 @@
             <pc:docMk/>
             <pc:sldMk cId="1333734352" sldId="263"/>
             <ac:picMk id="14" creationId="{7309214B-9B60-4A94-88B5-44CB8D263285}"/>
+          </ac:picMkLst>
+        </pc:picChg>
+      </pc:sldChg>
+      <pc:sldChg chg="addSp delSp modSp add ord">
+        <pc:chgData name="Niharika Sachdeva" userId="a6485dc24ed82a52" providerId="LiveId" clId="{EB4E9C1D-324C-4D51-B933-AF4CD5ADF96B}" dt="2018-09-26T01:48:15.595" v="3088" actId="1038"/>
+        <pc:sldMkLst>
+          <pc:docMk/>
+          <pc:sldMk cId="3507343196" sldId="264"/>
+        </pc:sldMkLst>
+        <pc:spChg chg="add mod">
+          <ac:chgData name="Niharika Sachdeva" userId="a6485dc24ed82a52" providerId="LiveId" clId="{EB4E9C1D-324C-4D51-B933-AF4CD5ADF96B}" dt="2018-09-26T01:48:15.595" v="3088" actId="1038"/>
+          <ac:spMkLst>
+            <pc:docMk/>
+            <pc:sldMk cId="3507343196" sldId="264"/>
+            <ac:spMk id="2" creationId="{EFEB1117-1D4B-4446-9AC3-45301B32B70D}"/>
+          </ac:spMkLst>
+        </pc:spChg>
+        <pc:spChg chg="add del mod">
+          <ac:chgData name="Niharika Sachdeva" userId="a6485dc24ed82a52" providerId="LiveId" clId="{EB4E9C1D-324C-4D51-B933-AF4CD5ADF96B}" dt="2018-09-26T01:48:08.295" v="3043" actId="478"/>
+          <ac:spMkLst>
+            <pc:docMk/>
+            <pc:sldMk cId="3507343196" sldId="264"/>
+            <ac:spMk id="9" creationId="{CDD48858-877D-4461-94BD-CCBCDB50625C}"/>
+          </ac:spMkLst>
+        </pc:spChg>
+        <pc:spChg chg="add mod">
+          <ac:chgData name="Niharika Sachdeva" userId="a6485dc24ed82a52" providerId="LiveId" clId="{EB4E9C1D-324C-4D51-B933-AF4CD5ADF96B}" dt="2018-09-26T01:48:04.865" v="3042" actId="20577"/>
+          <ac:spMkLst>
+            <pc:docMk/>
+            <pc:sldMk cId="3507343196" sldId="264"/>
+            <ac:spMk id="10" creationId="{B5BD0470-A784-405B-9F7E-5E3298C48989}"/>
+          </ac:spMkLst>
+        </pc:spChg>
+        <pc:picChg chg="add del mod">
+          <ac:chgData name="Niharika Sachdeva" userId="a6485dc24ed82a52" providerId="LiveId" clId="{EB4E9C1D-324C-4D51-B933-AF4CD5ADF96B}" dt="2018-09-25T18:08:54.191" v="2375" actId="478"/>
+          <ac:picMkLst>
+            <pc:docMk/>
+            <pc:sldMk cId="3507343196" sldId="264"/>
+            <ac:picMk id="4" creationId="{07C2DAC4-2212-4529-9BAB-FD27AF34F5B3}"/>
+          </ac:picMkLst>
+        </pc:picChg>
+        <pc:picChg chg="add del mod">
+          <ac:chgData name="Niharika Sachdeva" userId="a6485dc24ed82a52" providerId="LiveId" clId="{EB4E9C1D-324C-4D51-B933-AF4CD5ADF96B}" dt="2018-09-25T18:22:15.074" v="2495" actId="478"/>
+          <ac:picMkLst>
+            <pc:docMk/>
+            <pc:sldMk cId="3507343196" sldId="264"/>
+            <ac:picMk id="6" creationId="{85EAE749-C659-4B25-B52B-1DF6F8CC60ED}"/>
+          </ac:picMkLst>
+        </pc:picChg>
+        <pc:picChg chg="add mod">
+          <ac:chgData name="Niharika Sachdeva" userId="a6485dc24ed82a52" providerId="LiveId" clId="{EB4E9C1D-324C-4D51-B933-AF4CD5ADF96B}" dt="2018-09-25T19:01:33.479" v="2549" actId="1076"/>
+          <ac:picMkLst>
+            <pc:docMk/>
+            <pc:sldMk cId="3507343196" sldId="264"/>
+            <ac:picMk id="8" creationId="{6D3189A2-0C89-4FBF-B524-29A6C519C181}"/>
           </ac:picMkLst>
         </pc:picChg>
       </pc:sldChg>
@@ -4231,7 +4358,7 @@
           <p:cNvPr id="2" name="Title 1">
             <a:extLst>
               <a:ext uri="{FF2B5EF4-FFF2-40B4-BE49-F238E27FC236}">
-                <a16:creationId xmlns:a16="http://schemas.microsoft.com/office/drawing/2014/main" id="{FE6C3A04-EEC5-4A46-A9C3-A656C5CCFF22}"/>
+                <a16:creationId xmlns:a16="http://schemas.microsoft.com/office/drawing/2014/main" id="{F534A459-7F78-47E4-A273-A769B5402A0D}"/>
               </a:ext>
             </a:extLst>
           </p:cNvPr>
@@ -4239,198 +4366,202 @@
             <a:spLocks noGrp="1"/>
           </p:cNvSpPr>
           <p:nvPr>
-            <p:ph type="ctrTitle"/>
+            <p:ph type="title"/>
           </p:nvPr>
         </p:nvSpPr>
         <p:spPr>
           <a:xfrm>
-            <a:off x="2696066" y="2667785"/>
-            <a:ext cx="7211505" cy="842177"/>
+            <a:off x="352108" y="854014"/>
+            <a:ext cx="3932237" cy="690880"/>
           </a:xfrm>
         </p:spPr>
         <p:txBody>
+          <a:bodyPr/>
+          <a:lstStyle/>
+          <a:p>
+            <a:r>
+              <a:rPr lang="en-US" dirty="0"/>
+              <a:t>The United States </a:t>
+            </a:r>
+          </a:p>
+        </p:txBody>
+      </p:sp>
+      <p:pic>
+        <p:nvPicPr>
+          <p:cNvPr id="6" name="Picture Placeholder 5">
+            <a:extLst>
+              <a:ext uri="{FF2B5EF4-FFF2-40B4-BE49-F238E27FC236}">
+                <a16:creationId xmlns:a16="http://schemas.microsoft.com/office/drawing/2014/main" id="{7CF2B196-7B76-4E40-B280-53245A2133F4}"/>
+              </a:ext>
+            </a:extLst>
+          </p:cNvPr>
+          <p:cNvPicPr>
+            <a:picLocks noGrp="1" noChangeAspect="1"/>
+          </p:cNvPicPr>
+          <p:nvPr>
+            <p:ph type="pic" idx="1"/>
+          </p:nvPr>
+        </p:nvPicPr>
+        <p:blipFill>
+          <a:blip r:embed="rId2">
+            <a:extLst>
+              <a:ext uri="{28A0092B-C50C-407E-A947-70E740481C1C}">
+                <a14:useLocalDpi xmlns:a14="http://schemas.microsoft.com/office/drawing/2010/main" val="0"/>
+              </a:ext>
+            </a:extLst>
+          </a:blip>
+          <a:srcRect l="7785" r="7785"/>
+          <a:stretch>
+            <a:fillRect/>
+          </a:stretch>
+        </p:blipFill>
+        <p:spPr/>
+      </p:pic>
+      <p:sp>
+        <p:nvSpPr>
+          <p:cNvPr id="4" name="Text Placeholder 3">
+            <a:extLst>
+              <a:ext uri="{FF2B5EF4-FFF2-40B4-BE49-F238E27FC236}">
+                <a16:creationId xmlns:a16="http://schemas.microsoft.com/office/drawing/2014/main" id="{3E2C1BDB-E13A-4E27-B2F2-C9A9B1C97C10}"/>
+              </a:ext>
+            </a:extLst>
+          </p:cNvPr>
+          <p:cNvSpPr>
+            <a:spLocks noGrp="1"/>
+          </p:cNvSpPr>
+          <p:nvPr>
+            <p:ph type="body" sz="half" idx="2"/>
+          </p:nvPr>
+        </p:nvSpPr>
+        <p:spPr>
+          <a:xfrm>
+            <a:off x="352108" y="1508759"/>
+            <a:ext cx="4328477" cy="4498501"/>
+          </a:xfrm>
+        </p:spPr>
+        <p:txBody>
           <a:bodyPr>
-            <a:normAutofit fontScale="90000"/>
+            <a:noAutofit/>
           </a:bodyPr>
           <a:lstStyle/>
           <a:p>
             <a:r>
-              <a:rPr lang="en-US" b="1" dirty="0">
-                <a:solidFill>
-                  <a:srgbClr val="FF0000"/>
-                </a:solidFill>
-              </a:rPr>
-              <a:t>The United States </a:t>
-            </a:r>
-          </a:p>
-        </p:txBody>
-      </p:sp>
-      <p:sp>
-        <p:nvSpPr>
-          <p:cNvPr id="3" name="Subtitle 2">
-            <a:extLst>
-              <a:ext uri="{FF2B5EF4-FFF2-40B4-BE49-F238E27FC236}">
-                <a16:creationId xmlns:a16="http://schemas.microsoft.com/office/drawing/2014/main" id="{71B53A38-829D-4EFA-8C21-2F0B2DE05F22}"/>
-              </a:ext>
-            </a:extLst>
-          </p:cNvPr>
-          <p:cNvSpPr>
-            <a:spLocks noGrp="1"/>
-          </p:cNvSpPr>
-          <p:nvPr>
-            <p:ph type="subTitle" idx="1"/>
-          </p:nvPr>
-        </p:nvSpPr>
-        <p:spPr/>
-        <p:txBody>
-          <a:bodyPr/>
-          <a:lstStyle/>
-          <a:p>
-            <a:r>
-              <a:rPr lang="en-US" dirty="0"/>
+              <a:rPr lang="en-US" sz="2000" dirty="0"/>
+              <a:t>Busiest Country in terms of road traffic:</a:t>
+            </a:r>
+          </a:p>
+          <a:p>
+            <a:pPr marL="742950" lvl="1" indent="-285750">
+              <a:buFont typeface="Arial" panose="020B0604020202020204" pitchFamily="34" charset="0"/>
+              <a:buChar char="•"/>
+            </a:pPr>
+            <a:r>
+              <a:rPr lang="en-US" sz="2000" dirty="0"/>
               <a:t>264 million vehicles registered</a:t>
             </a:r>
           </a:p>
           <a:p>
-            <a:r>
-              <a:rPr lang="en-US" dirty="0"/>
+            <a:pPr marL="742950" lvl="1" indent="-285750">
+              <a:buFont typeface="Arial" panose="020B0604020202020204" pitchFamily="34" charset="0"/>
+              <a:buChar char="•"/>
+            </a:pPr>
+            <a:r>
+              <a:rPr lang="en-US" sz="2000" dirty="0"/>
               <a:t>218 million drivers </a:t>
             </a:r>
           </a:p>
-        </p:txBody>
-      </p:sp>
-      <p:sp>
-        <p:nvSpPr>
-          <p:cNvPr id="4" name="Rectangle 3">
-            <a:extLst>
-              <a:ext uri="{FF2B5EF4-FFF2-40B4-BE49-F238E27FC236}">
-                <a16:creationId xmlns:a16="http://schemas.microsoft.com/office/drawing/2014/main" id="{190C2A3D-9E90-49BD-AD6D-D6D821643D36}"/>
-              </a:ext>
-            </a:extLst>
-          </p:cNvPr>
-          <p:cNvSpPr/>
+          <a:p>
+            <a:r>
+              <a:rPr lang="en-US" sz="2000" dirty="0"/>
+              <a:t>Number of collisions/accidents have increased significantly…</a:t>
+            </a:r>
+          </a:p>
+          <a:p>
+            <a:r>
+              <a:rPr lang="en-US" sz="2000" dirty="0"/>
+              <a:t>Multiple factors contributing to accidents – road safety, driver skill, impairment due to alcohol, notably speeding </a:t>
+            </a:r>
+            <a:r>
+              <a:rPr lang="en-US" sz="2000" dirty="0" err="1"/>
+              <a:t>etc</a:t>
+            </a:r>
+            <a:endParaRPr lang="en-US" sz="2000" dirty="0"/>
+          </a:p>
+          <a:p>
+            <a:r>
+              <a:rPr lang="en-US" sz="2000" dirty="0"/>
+              <a:t>Important to understand the top causes contributing to increase in accidents and take actions to increase safety</a:t>
+            </a:r>
+          </a:p>
+          <a:p>
+            <a:endParaRPr lang="en-US" sz="2000" dirty="0"/>
+          </a:p>
+        </p:txBody>
+      </p:sp>
+      <p:sp>
+        <p:nvSpPr>
+          <p:cNvPr id="5" name="Title 1">
+            <a:extLst>
+              <a:ext uri="{FF2B5EF4-FFF2-40B4-BE49-F238E27FC236}">
+                <a16:creationId xmlns:a16="http://schemas.microsoft.com/office/drawing/2014/main" id="{B37F2691-FDEE-4377-BF63-B28ABF907994}"/>
+              </a:ext>
+            </a:extLst>
+          </p:cNvPr>
+          <p:cNvSpPr txBox="1">
+            <a:spLocks/>
+          </p:cNvSpPr>
           <p:nvPr/>
         </p:nvSpPr>
         <p:spPr>
           <a:xfrm>
-            <a:off x="5637229" y="6457361"/>
-            <a:ext cx="6683604" cy="369332"/>
+            <a:off x="167412" y="86619"/>
+            <a:ext cx="8326379" cy="594867"/>
           </a:xfrm>
           <a:prstGeom prst="rect">
             <a:avLst/>
           </a:prstGeom>
         </p:spPr>
         <p:txBody>
-          <a:bodyPr wrap="square">
-            <a:spAutoFit/>
+          <a:bodyPr vert="horz" lIns="91440" tIns="45720" rIns="91440" bIns="45720" rtlCol="0" anchor="b">
+            <a:normAutofit/>
           </a:bodyPr>
-          <a:lstStyle/>
-          <a:p>
-            <a:r>
-              <a:rPr lang="en-US" dirty="0">
+          <a:lstStyle>
+            <a:lvl1pPr algn="l" defTabSz="914400" rtl="0" eaLnBrk="1" latinLnBrk="0" hangingPunct="1">
+              <a:lnSpc>
+                <a:spcPct val="90000"/>
+              </a:lnSpc>
+              <a:spcBef>
+                <a:spcPct val="0"/>
+              </a:spcBef>
+              <a:buNone/>
+              <a:defRPr sz="3200" kern="1200">
                 <a:solidFill>
-                  <a:srgbClr val="000000"/>
+                  <a:schemeClr val="tx1"/>
                 </a:solidFill>
-                <a:latin typeface="Calibri" panose="020F0502020204030204" pitchFamily="34" charset="0"/>
-                <a:hlinkClick r:id="rId2"/>
+                <a:latin typeface="+mj-lt"/>
+                <a:ea typeface="+mj-ea"/>
+                <a:cs typeface="+mj-cs"/>
+              </a:defRPr>
+            </a:lvl1pPr>
+          </a:lstStyle>
+          <a:p>
+            <a:r>
+              <a:rPr lang="en-US" b="1" dirty="0">
+                <a:solidFill>
+                  <a:schemeClr val="accent1">
+                    <a:lumMod val="75000"/>
+                  </a:schemeClr>
+                </a:solidFill>
               </a:rPr>
-              <a:t>https://www.statista.com/topics/3708/road-accidents-in-the-us/</a:t>
-            </a:r>
-            <a:endParaRPr lang="en-US" dirty="0"/>
-          </a:p>
-        </p:txBody>
-      </p:sp>
-      <p:pic>
-        <p:nvPicPr>
-          <p:cNvPr id="8" name="Picture 7">
-            <a:extLst>
-              <a:ext uri="{FF2B5EF4-FFF2-40B4-BE49-F238E27FC236}">
-                <a16:creationId xmlns:a16="http://schemas.microsoft.com/office/drawing/2014/main" id="{F9D54647-6532-4D2C-97E7-07701B3B0F2D}"/>
-              </a:ext>
-            </a:extLst>
-          </p:cNvPr>
-          <p:cNvPicPr>
-            <a:picLocks noChangeAspect="1"/>
-          </p:cNvPicPr>
-          <p:nvPr/>
-        </p:nvPicPr>
-        <p:blipFill>
-          <a:blip r:embed="rId3">
-            <a:extLst>
-              <a:ext uri="{28A0092B-C50C-407E-A947-70E740481C1C}">
-                <a14:useLocalDpi xmlns:a14="http://schemas.microsoft.com/office/drawing/2010/main" val="0"/>
-              </a:ext>
-              <a:ext uri="{837473B0-CC2E-450A-ABE3-18F120FF3D39}">
-                <a1611:picAttrSrcUrl xmlns:a1611="http://schemas.microsoft.com/office/drawing/2016/11/main" r:id="rId4"/>
-              </a:ext>
-            </a:extLst>
-          </a:blip>
-          <a:stretch>
-            <a:fillRect/>
-          </a:stretch>
-        </p:blipFill>
-        <p:spPr>
-          <a:xfrm>
-            <a:off x="150830" y="18949"/>
-            <a:ext cx="4477732" cy="2841989"/>
-          </a:xfrm>
-          <a:prstGeom prst="rect">
-            <a:avLst/>
-          </a:prstGeom>
-        </p:spPr>
-      </p:pic>
-      <p:sp>
-        <p:nvSpPr>
-          <p:cNvPr id="9" name="TextBox 8">
-            <a:extLst>
-              <a:ext uri="{FF2B5EF4-FFF2-40B4-BE49-F238E27FC236}">
-                <a16:creationId xmlns:a16="http://schemas.microsoft.com/office/drawing/2014/main" id="{AFD9B8E9-5237-4F50-805D-8768B14B5D24}"/>
-              </a:ext>
-            </a:extLst>
-          </p:cNvPr>
-          <p:cNvSpPr txBox="1"/>
-          <p:nvPr/>
-        </p:nvSpPr>
-        <p:spPr>
-          <a:xfrm>
-            <a:off x="3762049" y="4910344"/>
-            <a:ext cx="4667901" cy="230832"/>
-          </a:xfrm>
-          <a:prstGeom prst="rect">
-            <a:avLst/>
-          </a:prstGeom>
-          <a:noFill/>
-        </p:spPr>
-        <p:txBody>
-          <a:bodyPr wrap="square" rtlCol="0">
-            <a:spAutoFit/>
-          </a:bodyPr>
-          <a:lstStyle/>
-          <a:p>
-            <a:r>
-              <a:rPr lang="en-US" sz="900">
-                <a:hlinkClick r:id="rId4" tooltip="http://www.mikepope.com/blog/addcomment.aspx?blogid=2151"/>
-              </a:rPr>
-              <a:t>This Photo</a:t>
-            </a:r>
-            <a:r>
-              <a:rPr lang="en-US" sz="900"/>
-              <a:t> by Unknown Author is licensed under </a:t>
-            </a:r>
-            <a:r>
-              <a:rPr lang="en-US" sz="900">
-                <a:hlinkClick r:id="rId5" tooltip="https://creativecommons.org/licenses/by-nc-sa/3.0/"/>
-              </a:rPr>
-              <a:t>CC BY-SA-NC</a:t>
-            </a:r>
-            <a:endParaRPr lang="en-US" sz="900"/>
+              <a:t>Overview </a:t>
+            </a:r>
           </a:p>
         </p:txBody>
       </p:sp>
     </p:spTree>
     <p:extLst>
       <p:ext uri="{BB962C8B-B14F-4D97-AF65-F5344CB8AC3E}">
-        <p14:creationId xmlns:p14="http://schemas.microsoft.com/office/powerpoint/2010/main" val="653141974"/>
+        <p14:creationId xmlns:p14="http://schemas.microsoft.com/office/powerpoint/2010/main" val="171835976"/>
       </p:ext>
     </p:extLst>
   </p:cSld>
@@ -4457,155 +4588,100 @@
           <a:chExt cx="0" cy="0"/>
         </a:xfrm>
       </p:grpSpPr>
-      <p:sp>
-        <p:nvSpPr>
-          <p:cNvPr id="2" name="Title 1">
-            <a:extLst>
-              <a:ext uri="{FF2B5EF4-FFF2-40B4-BE49-F238E27FC236}">
-                <a16:creationId xmlns:a16="http://schemas.microsoft.com/office/drawing/2014/main" id="{F534A459-7F78-47E4-A273-A769B5402A0D}"/>
-              </a:ext>
-            </a:extLst>
-          </p:cNvPr>
-          <p:cNvSpPr>
-            <a:spLocks noGrp="1"/>
-          </p:cNvSpPr>
-          <p:nvPr>
-            <p:ph type="title"/>
-          </p:nvPr>
-        </p:nvSpPr>
-        <p:spPr>
-          <a:xfrm>
-            <a:off x="352108" y="457200"/>
-            <a:ext cx="3932237" cy="690880"/>
-          </a:xfrm>
-        </p:spPr>
-        <p:txBody>
-          <a:bodyPr/>
-          <a:lstStyle/>
-          <a:p>
-            <a:r>
-              <a:rPr lang="en-US" dirty="0"/>
-              <a:t>The United States </a:t>
-            </a:r>
-          </a:p>
-        </p:txBody>
-      </p:sp>
       <p:pic>
         <p:nvPicPr>
-          <p:cNvPr id="6" name="Picture Placeholder 5">
-            <a:extLst>
-              <a:ext uri="{FF2B5EF4-FFF2-40B4-BE49-F238E27FC236}">
-                <a16:creationId xmlns:a16="http://schemas.microsoft.com/office/drawing/2014/main" id="{7CF2B196-7B76-4E40-B280-53245A2133F4}"/>
+          <p:cNvPr id="2" name="Picture 1">
+            <a:extLst>
+              <a:ext uri="{FF2B5EF4-FFF2-40B4-BE49-F238E27FC236}">
+                <a16:creationId xmlns:a16="http://schemas.microsoft.com/office/drawing/2014/main" id="{94B97345-D14C-47D3-9D35-210973D58F34}"/>
               </a:ext>
             </a:extLst>
           </p:cNvPr>
           <p:cNvPicPr>
-            <a:picLocks noGrp="1" noChangeAspect="1"/>
+            <a:picLocks noChangeAspect="1"/>
           </p:cNvPicPr>
-          <p:nvPr>
-            <p:ph type="pic" idx="1"/>
-          </p:nvPr>
+          <p:nvPr/>
         </p:nvPicPr>
         <p:blipFill>
-          <a:blip r:embed="rId2">
-            <a:extLst>
-              <a:ext uri="{28A0092B-C50C-407E-A947-70E740481C1C}">
-                <a14:useLocalDpi xmlns:a14="http://schemas.microsoft.com/office/drawing/2010/main" val="0"/>
-              </a:ext>
-            </a:extLst>
-          </a:blip>
-          <a:srcRect l="7785" r="7785"/>
+          <a:blip r:embed="rId2"/>
           <a:stretch>
             <a:fillRect/>
           </a:stretch>
         </p:blipFill>
-        <p:spPr/>
-      </p:pic>
-      <p:sp>
-        <p:nvSpPr>
-          <p:cNvPr id="4" name="Text Placeholder 3">
-            <a:extLst>
-              <a:ext uri="{FF2B5EF4-FFF2-40B4-BE49-F238E27FC236}">
-                <a16:creationId xmlns:a16="http://schemas.microsoft.com/office/drawing/2014/main" id="{3E2C1BDB-E13A-4E27-B2F2-C9A9B1C97C10}"/>
-              </a:ext>
-            </a:extLst>
-          </p:cNvPr>
-          <p:cNvSpPr>
-            <a:spLocks noGrp="1"/>
-          </p:cNvSpPr>
-          <p:nvPr>
-            <p:ph type="body" sz="half" idx="2"/>
-          </p:nvPr>
-        </p:nvSpPr>
         <p:spPr>
           <a:xfrm>
-            <a:off x="352108" y="1508759"/>
-            <a:ext cx="4328477" cy="4498501"/>
+            <a:off x="167412" y="877455"/>
+            <a:ext cx="11813309" cy="5980545"/>
           </a:xfrm>
+          <a:prstGeom prst="rect">
+            <a:avLst/>
+          </a:prstGeom>
         </p:spPr>
-        <p:txBody>
-          <a:bodyPr>
-            <a:noAutofit/>
+      </p:pic>
+      <p:sp>
+        <p:nvSpPr>
+          <p:cNvPr id="4" name="Title 1">
+            <a:extLst>
+              <a:ext uri="{FF2B5EF4-FFF2-40B4-BE49-F238E27FC236}">
+                <a16:creationId xmlns:a16="http://schemas.microsoft.com/office/drawing/2014/main" id="{92DAEF46-2729-4558-B651-6E2148AFAEFE}"/>
+              </a:ext>
+            </a:extLst>
+          </p:cNvPr>
+          <p:cNvSpPr txBox="1">
+            <a:spLocks/>
+          </p:cNvSpPr>
+          <p:nvPr/>
+        </p:nvSpPr>
+        <p:spPr>
+          <a:xfrm>
+            <a:off x="167412" y="86619"/>
+            <a:ext cx="8326379" cy="594867"/>
+          </a:xfrm>
+          <a:prstGeom prst="rect">
+            <a:avLst/>
+          </a:prstGeom>
+        </p:spPr>
+        <p:txBody>
+          <a:bodyPr vert="horz" lIns="91440" tIns="45720" rIns="91440" bIns="45720" rtlCol="0" anchor="b">
+            <a:normAutofit/>
           </a:bodyPr>
-          <a:lstStyle/>
-          <a:p>
-            <a:r>
-              <a:rPr lang="en-US" sz="2000" dirty="0"/>
-              <a:t>Busiest Country in terms of road traffic:</a:t>
-            </a:r>
-          </a:p>
-          <a:p>
-            <a:pPr marL="742950" lvl="1" indent="-285750">
-              <a:buFont typeface="Arial" panose="020B0604020202020204" pitchFamily="34" charset="0"/>
-              <a:buChar char="•"/>
-            </a:pPr>
-            <a:r>
-              <a:rPr lang="en-US" sz="2000" dirty="0"/>
-              <a:t>264 million vehicles registered</a:t>
-            </a:r>
-          </a:p>
-          <a:p>
-            <a:pPr marL="742950" lvl="1" indent="-285750">
-              <a:buFont typeface="Arial" panose="020B0604020202020204" pitchFamily="34" charset="0"/>
-              <a:buChar char="•"/>
-            </a:pPr>
-            <a:r>
-              <a:rPr lang="en-US" sz="2000" dirty="0"/>
-              <a:t>218 million drivers </a:t>
-            </a:r>
-          </a:p>
-          <a:p>
-            <a:r>
-              <a:rPr lang="en-US" sz="2000" dirty="0"/>
-              <a:t>Number of collisions/accidents have increased significantly…</a:t>
-            </a:r>
-          </a:p>
-          <a:p>
-            <a:r>
-              <a:rPr lang="en-US" sz="2000" dirty="0"/>
-              <a:t>Multiple factors contributing to accidents – road safety, driver skill, impairment due to alcohol, notably speeding </a:t>
-            </a:r>
-            <a:r>
-              <a:rPr lang="en-US" sz="2000" dirty="0" err="1"/>
-              <a:t>etc</a:t>
-            </a:r>
-            <a:endParaRPr lang="en-US" sz="2000" dirty="0"/>
-          </a:p>
-          <a:p>
-            <a:r>
-              <a:rPr lang="en-US" sz="2000" dirty="0"/>
-              <a:t>Important to understand the top causes contributing to increase in accidents and take actions to increase safety</a:t>
-            </a:r>
-          </a:p>
-          <a:p>
-            <a:endParaRPr lang="en-US" sz="2000" dirty="0"/>
+          <a:lstStyle>
+            <a:lvl1pPr algn="l" defTabSz="914400" rtl="0" eaLnBrk="1" latinLnBrk="0" hangingPunct="1">
+              <a:lnSpc>
+                <a:spcPct val="90000"/>
+              </a:lnSpc>
+              <a:spcBef>
+                <a:spcPct val="0"/>
+              </a:spcBef>
+              <a:buNone/>
+              <a:defRPr sz="3200" kern="1200">
+                <a:solidFill>
+                  <a:schemeClr val="tx1"/>
+                </a:solidFill>
+                <a:latin typeface="+mj-lt"/>
+                <a:ea typeface="+mj-ea"/>
+                <a:cs typeface="+mj-cs"/>
+              </a:defRPr>
+            </a:lvl1pPr>
+          </a:lstStyle>
+          <a:p>
+            <a:r>
+              <a:rPr lang="en-US" b="1" dirty="0">
+                <a:solidFill>
+                  <a:schemeClr val="accent1">
+                    <a:lumMod val="75000"/>
+                  </a:schemeClr>
+                </a:solidFill>
+              </a:rPr>
+              <a:t>Data Used for Analysis (data.gov)</a:t>
+            </a:r>
           </a:p>
         </p:txBody>
       </p:sp>
     </p:spTree>
     <p:extLst>
       <p:ext uri="{BB962C8B-B14F-4D97-AF65-F5344CB8AC3E}">
-        <p14:creationId xmlns:p14="http://schemas.microsoft.com/office/powerpoint/2010/main" val="171835976"/>
+        <p14:creationId xmlns:p14="http://schemas.microsoft.com/office/powerpoint/2010/main" val="1333734352"/>
       </p:ext>
     </p:extLst>
   </p:cSld>
@@ -4632,71 +4708,222 @@
           <a:chExt cx="0" cy="0"/>
         </a:xfrm>
       </p:grpSpPr>
+      <p:sp>
+        <p:nvSpPr>
+          <p:cNvPr id="4" name="Text Placeholder 3">
+            <a:extLst>
+              <a:ext uri="{FF2B5EF4-FFF2-40B4-BE49-F238E27FC236}">
+                <a16:creationId xmlns:a16="http://schemas.microsoft.com/office/drawing/2014/main" id="{3E2C1BDB-E13A-4E27-B2F2-C9A9B1C97C10}"/>
+              </a:ext>
+            </a:extLst>
+          </p:cNvPr>
+          <p:cNvSpPr>
+            <a:spLocks noGrp="1"/>
+          </p:cNvSpPr>
+          <p:nvPr>
+            <p:ph type="body" sz="half" idx="2"/>
+          </p:nvPr>
+        </p:nvSpPr>
+        <p:spPr>
+          <a:xfrm>
+            <a:off x="124230" y="906868"/>
+            <a:ext cx="4417835" cy="5674969"/>
+          </a:xfrm>
+        </p:spPr>
+        <p:txBody>
+          <a:bodyPr>
+            <a:noAutofit/>
+          </a:bodyPr>
+          <a:lstStyle/>
+          <a:p>
+            <a:r>
+              <a:rPr lang="en-US" sz="2000" dirty="0">
+                <a:highlight>
+                  <a:srgbClr val="FFFF00"/>
+                </a:highlight>
+              </a:rPr>
+              <a:t>87043 Accidents in 2014, 2015</a:t>
+            </a:r>
+          </a:p>
+          <a:p>
+            <a:endParaRPr lang="en-US" sz="2000" dirty="0"/>
+          </a:p>
+          <a:p>
+            <a:r>
+              <a:rPr lang="en-US" sz="2000" dirty="0"/>
+              <a:t>Top 5 factors contributing to accidents:</a:t>
+            </a:r>
+          </a:p>
+          <a:p>
+            <a:pPr marL="342900" indent="-342900">
+              <a:buFont typeface="Arial" panose="020B0604020202020204" pitchFamily="34" charset="0"/>
+              <a:buChar char="•"/>
+            </a:pPr>
+            <a:r>
+              <a:rPr lang="en-US" sz="2000" dirty="0"/>
+              <a:t>Following too closely</a:t>
+            </a:r>
+          </a:p>
+          <a:p>
+            <a:pPr marL="342900" indent="-342900">
+              <a:buFont typeface="Arial" panose="020B0604020202020204" pitchFamily="34" charset="0"/>
+              <a:buChar char="•"/>
+            </a:pPr>
+            <a:r>
+              <a:rPr lang="en-US" sz="2000" dirty="0"/>
+              <a:t>Driver Inattention/distraction</a:t>
+            </a:r>
+          </a:p>
+          <a:p>
+            <a:pPr marL="342900" indent="-342900">
+              <a:buFont typeface="Arial" panose="020B0604020202020204" pitchFamily="34" charset="0"/>
+              <a:buChar char="•"/>
+            </a:pPr>
+            <a:r>
+              <a:rPr lang="en-US" sz="2000" dirty="0"/>
+              <a:t>Failure to yield right-to-way</a:t>
+            </a:r>
+          </a:p>
+          <a:p>
+            <a:pPr marL="342900" indent="-342900">
+              <a:buFont typeface="Arial" panose="020B0604020202020204" pitchFamily="34" charset="0"/>
+              <a:buChar char="•"/>
+            </a:pPr>
+            <a:r>
+              <a:rPr lang="en-US" sz="2000" dirty="0"/>
+              <a:t>Animal’s action</a:t>
+            </a:r>
+          </a:p>
+          <a:p>
+            <a:pPr marL="342900" indent="-342900">
+              <a:buFont typeface="Arial" panose="020B0604020202020204" pitchFamily="34" charset="0"/>
+              <a:buChar char="•"/>
+            </a:pPr>
+            <a:r>
+              <a:rPr lang="en-US" sz="2000" dirty="0"/>
+              <a:t>Unsafe speed</a:t>
+            </a:r>
+          </a:p>
+          <a:p>
+            <a:endParaRPr lang="en-US" sz="2000" dirty="0"/>
+          </a:p>
+          <a:p>
+            <a:endParaRPr lang="en-US" sz="2000" dirty="0"/>
+          </a:p>
+          <a:p>
+            <a:endParaRPr lang="en-US" sz="2000" dirty="0"/>
+          </a:p>
+          <a:p>
+            <a:endParaRPr lang="en-US" sz="2000" dirty="0"/>
+          </a:p>
+          <a:p>
+            <a:endParaRPr lang="en-US" sz="2000" dirty="0"/>
+          </a:p>
+        </p:txBody>
+      </p:sp>
       <p:pic>
         <p:nvPicPr>
-          <p:cNvPr id="2" name="Picture 1">
-            <a:extLst>
-              <a:ext uri="{FF2B5EF4-FFF2-40B4-BE49-F238E27FC236}">
-                <a16:creationId xmlns:a16="http://schemas.microsoft.com/office/drawing/2014/main" id="{94B97345-D14C-47D3-9D35-210973D58F34}"/>
+          <p:cNvPr id="1026" name="Picture 2">
+            <a:extLst>
+              <a:ext uri="{FF2B5EF4-FFF2-40B4-BE49-F238E27FC236}">
+                <a16:creationId xmlns:a16="http://schemas.microsoft.com/office/drawing/2014/main" id="{3905CE4C-BD62-455E-8DAD-FD78BA2CE4C9}"/>
               </a:ext>
             </a:extLst>
           </p:cNvPr>
           <p:cNvPicPr>
-            <a:picLocks noChangeAspect="1"/>
+            <a:picLocks noChangeAspect="1" noChangeArrowheads="1"/>
           </p:cNvPicPr>
           <p:nvPr/>
         </p:nvPicPr>
         <p:blipFill>
-          <a:blip r:embed="rId2"/>
+          <a:blip r:embed="rId2">
+            <a:extLst>
+              <a:ext uri="{28A0092B-C50C-407E-A947-70E740481C1C}">
+                <a14:useLocalDpi xmlns:a14="http://schemas.microsoft.com/office/drawing/2010/main" val="0"/>
+              </a:ext>
+            </a:extLst>
+          </a:blip>
+          <a:srcRect/>
           <a:stretch>
             <a:fillRect/>
           </a:stretch>
         </p:blipFill>
+        <p:spPr bwMode="auto">
+          <a:xfrm>
+            <a:off x="4280589" y="819150"/>
+            <a:ext cx="7553540" cy="5219700"/>
+          </a:xfrm>
+          <a:prstGeom prst="rect">
+            <a:avLst/>
+          </a:prstGeom>
+          <a:noFill/>
+          <a:extLst>
+            <a:ext uri="{909E8E84-426E-40DD-AFC4-6F175D3DCCD1}">
+              <a14:hiddenFill xmlns:a14="http://schemas.microsoft.com/office/drawing/2010/main">
+                <a:solidFill>
+                  <a:srgbClr val="FFFFFF"/>
+                </a:solidFill>
+              </a14:hiddenFill>
+            </a:ext>
+          </a:extLst>
+        </p:spPr>
+      </p:pic>
+      <p:sp>
+        <p:nvSpPr>
+          <p:cNvPr id="6" name="Title 1">
+            <a:extLst>
+              <a:ext uri="{FF2B5EF4-FFF2-40B4-BE49-F238E27FC236}">
+                <a16:creationId xmlns:a16="http://schemas.microsoft.com/office/drawing/2014/main" id="{E16FCE7D-7B3E-4354-B075-067F390206E7}"/>
+              </a:ext>
+            </a:extLst>
+          </p:cNvPr>
+          <p:cNvSpPr txBox="1">
+            <a:spLocks/>
+          </p:cNvSpPr>
+          <p:nvPr/>
+        </p:nvSpPr>
         <p:spPr>
           <a:xfrm>
-            <a:off x="203199" y="877454"/>
-            <a:ext cx="11813309" cy="5980545"/>
+            <a:off x="167412" y="86619"/>
+            <a:ext cx="8326379" cy="594867"/>
           </a:xfrm>
           <a:prstGeom prst="rect">
             <a:avLst/>
           </a:prstGeom>
         </p:spPr>
-      </p:pic>
-      <p:sp>
-        <p:nvSpPr>
-          <p:cNvPr id="3" name="TextBox 2">
-            <a:extLst>
-              <a:ext uri="{FF2B5EF4-FFF2-40B4-BE49-F238E27FC236}">
-                <a16:creationId xmlns:a16="http://schemas.microsoft.com/office/drawing/2014/main" id="{9CBB3CA7-CFA4-445D-9F8A-5F559031A770}"/>
-              </a:ext>
-            </a:extLst>
-          </p:cNvPr>
-          <p:cNvSpPr txBox="1"/>
-          <p:nvPr/>
-        </p:nvSpPr>
-        <p:spPr>
-          <a:xfrm>
-            <a:off x="3158836" y="424873"/>
-            <a:ext cx="5329382" cy="369332"/>
-          </a:xfrm>
-          <a:prstGeom prst="rect">
-            <a:avLst/>
-          </a:prstGeom>
-          <a:noFill/>
-        </p:spPr>
-        <p:txBody>
-          <a:bodyPr wrap="square" rtlCol="0">
-            <a:spAutoFit/>
+        <p:txBody>
+          <a:bodyPr vert="horz" lIns="91440" tIns="45720" rIns="91440" bIns="45720" rtlCol="0" anchor="b">
+            <a:normAutofit/>
           </a:bodyPr>
-          <a:lstStyle/>
+          <a:lstStyle>
+            <a:lvl1pPr algn="l" defTabSz="914400" rtl="0" eaLnBrk="1" latinLnBrk="0" hangingPunct="1">
+              <a:lnSpc>
+                <a:spcPct val="90000"/>
+              </a:lnSpc>
+              <a:spcBef>
+                <a:spcPct val="0"/>
+              </a:spcBef>
+              <a:buNone/>
+              <a:defRPr sz="3200" kern="1200">
+                <a:solidFill>
+                  <a:schemeClr val="tx1"/>
+                </a:solidFill>
+                <a:latin typeface="+mj-lt"/>
+                <a:ea typeface="+mj-ea"/>
+                <a:cs typeface="+mj-cs"/>
+              </a:defRPr>
+            </a:lvl1pPr>
+          </a:lstStyle>
           <a:p>
             <a:r>
               <a:rPr lang="en-US" b="1" dirty="0">
                 <a:solidFill>
-                  <a:srgbClr val="FF0000"/>
+                  <a:schemeClr val="accent1">
+                    <a:lumMod val="75000"/>
+                  </a:schemeClr>
                 </a:solidFill>
               </a:rPr>
-              <a:t>CSV FILE – “MOTOR VEHICLE CRASH”</a:t>
+              <a:t>Top 5 factors contributing to Accidents </a:t>
             </a:r>
           </a:p>
         </p:txBody>
@@ -4704,7 +4931,7 @@
     </p:spTree>
     <p:extLst>
       <p:ext uri="{BB962C8B-B14F-4D97-AF65-F5344CB8AC3E}">
-        <p14:creationId xmlns:p14="http://schemas.microsoft.com/office/powerpoint/2010/main" val="1333734352"/>
+        <p14:creationId xmlns:p14="http://schemas.microsoft.com/office/powerpoint/2010/main" val="1644327249"/>
       </p:ext>
     </p:extLst>
   </p:cSld>
@@ -4733,80 +4960,38 @@
       </p:grpSpPr>
       <p:sp>
         <p:nvSpPr>
-          <p:cNvPr id="2" name="Title 1">
-            <a:extLst>
-              <a:ext uri="{FF2B5EF4-FFF2-40B4-BE49-F238E27FC236}">
-                <a16:creationId xmlns:a16="http://schemas.microsoft.com/office/drawing/2014/main" id="{F534A459-7F78-47E4-A273-A769B5402A0D}"/>
-              </a:ext>
-            </a:extLst>
-          </p:cNvPr>
-          <p:cNvSpPr>
-            <a:spLocks noGrp="1"/>
-          </p:cNvSpPr>
-          <p:nvPr>
-            <p:ph type="title"/>
-          </p:nvPr>
+          <p:cNvPr id="2" name="Rectangle 1">
+            <a:extLst>
+              <a:ext uri="{FF2B5EF4-FFF2-40B4-BE49-F238E27FC236}">
+                <a16:creationId xmlns:a16="http://schemas.microsoft.com/office/drawing/2014/main" id="{EFEB1117-1D4B-4446-9AC3-45301B32B70D}"/>
+              </a:ext>
+            </a:extLst>
+          </p:cNvPr>
+          <p:cNvSpPr/>
+          <p:nvPr/>
         </p:nvSpPr>
         <p:spPr>
           <a:xfrm>
-            <a:off x="352108" y="52089"/>
-            <a:ext cx="6465381" cy="690880"/>
+            <a:off x="505083" y="1311993"/>
+            <a:ext cx="4037744" cy="3416320"/>
           </a:xfrm>
+          <a:prstGeom prst="rect">
+            <a:avLst/>
+          </a:prstGeom>
         </p:spPr>
         <p:txBody>
-          <a:bodyPr>
-            <a:noAutofit/>
+          <a:bodyPr wrap="square">
+            <a:spAutoFit/>
           </a:bodyPr>
           <a:lstStyle/>
-          <a:p>
-            <a:r>
-              <a:rPr lang="en-US" sz="2500" dirty="0"/>
-              <a:t>Top 5 factors contributing to accidents</a:t>
-            </a:r>
-          </a:p>
-        </p:txBody>
-      </p:sp>
-      <p:sp>
-        <p:nvSpPr>
-          <p:cNvPr id="4" name="Text Placeholder 3">
-            <a:extLst>
-              <a:ext uri="{FF2B5EF4-FFF2-40B4-BE49-F238E27FC236}">
-                <a16:creationId xmlns:a16="http://schemas.microsoft.com/office/drawing/2014/main" id="{3E2C1BDB-E13A-4E27-B2F2-C9A9B1C97C10}"/>
-              </a:ext>
-            </a:extLst>
-          </p:cNvPr>
-          <p:cNvSpPr>
-            <a:spLocks noGrp="1"/>
-          </p:cNvSpPr>
-          <p:nvPr>
-            <p:ph type="body" sz="half" idx="2"/>
-          </p:nvPr>
-        </p:nvSpPr>
-        <p:spPr>
-          <a:xfrm>
-            <a:off x="236358" y="941588"/>
-            <a:ext cx="4328477" cy="5436057"/>
-          </a:xfrm>
-        </p:spPr>
-        <p:txBody>
-          <a:bodyPr>
-            <a:noAutofit/>
-          </a:bodyPr>
-          <a:lstStyle/>
-          <a:p>
-            <a:r>
-              <a:rPr lang="en-US" sz="2000" dirty="0"/>
-              <a:t>Top 5 factors contributing to accidents:</a:t>
-            </a:r>
-          </a:p>
           <a:p>
             <a:pPr marL="342900" indent="-342900">
               <a:buFont typeface="Arial" panose="020B0604020202020204" pitchFamily="34" charset="0"/>
               <a:buChar char="•"/>
             </a:pPr>
             <a:r>
-              <a:rPr lang="en-US" sz="2000" dirty="0"/>
-              <a:t>Following too closely</a:t>
+              <a:rPr lang="en-US" dirty="0"/>
+              <a:t>Driver Inattention/distraction</a:t>
             </a:r>
           </a:p>
           <a:p>
@@ -4815,8 +5000,8 @@
               <a:buChar char="•"/>
             </a:pPr>
             <a:r>
-              <a:rPr lang="en-US" sz="2000" dirty="0"/>
-              <a:t>Failure to yield right-to-way</a:t>
+              <a:rPr lang="en-US" dirty="0"/>
+              <a:t>Unsafe speed</a:t>
             </a:r>
           </a:p>
           <a:p>
@@ -4825,8 +5010,8 @@
               <a:buChar char="•"/>
             </a:pPr>
             <a:r>
-              <a:rPr lang="en-US" sz="2000" dirty="0"/>
-              <a:t>Driver Inattention/distraction</a:t>
+              <a:rPr lang="en-US" dirty="0"/>
+              <a:t>Alcohol Involvement</a:t>
             </a:r>
           </a:p>
           <a:p>
@@ -4835,90 +5020,65 @@
               <a:buChar char="•"/>
             </a:pPr>
             <a:r>
-              <a:rPr lang="en-US" sz="2000" dirty="0"/>
-              <a:t>Animal’s action</a:t>
-            </a:r>
-          </a:p>
-          <a:p>
-            <a:pPr marL="342900" indent="-342900">
+              <a:rPr lang="en-US" dirty="0"/>
+              <a:t>Driver Inexperience</a:t>
+            </a:r>
+          </a:p>
+          <a:p>
+            <a:endParaRPr lang="en-US" dirty="0"/>
+          </a:p>
+          <a:p>
+            <a:r>
+              <a:rPr lang="en-US" b="1" dirty="0"/>
+              <a:t>Inference</a:t>
+            </a:r>
+          </a:p>
+          <a:p>
+            <a:pPr marL="285750" indent="-285750">
               <a:buFont typeface="Arial" panose="020B0604020202020204" pitchFamily="34" charset="0"/>
               <a:buChar char="•"/>
             </a:pPr>
             <a:r>
-              <a:rPr lang="en-US" sz="2000" dirty="0"/>
-              <a:t>Unsafe speed</a:t>
-            </a:r>
-          </a:p>
-          <a:p>
-            <a:r>
-              <a:rPr lang="en-US" sz="2000" dirty="0"/>
-              <a:t>Factors that have resulted in more accidents in 2015 than 2014 are </a:t>
-            </a:r>
-          </a:p>
-          <a:p>
-            <a:pPr marL="342900" indent="-342900">
+              <a:rPr lang="en-US" dirty="0"/>
+              <a:t>Increased traffic enforcement</a:t>
+            </a:r>
+          </a:p>
+          <a:p>
+            <a:pPr marL="285750" indent="-285750">
               <a:buFont typeface="Arial" panose="020B0604020202020204" pitchFamily="34" charset="0"/>
               <a:buChar char="•"/>
             </a:pPr>
             <a:r>
-              <a:rPr lang="en-US" sz="2000" dirty="0"/>
-              <a:t>Driver Inattention/distraction</a:t>
-            </a:r>
-          </a:p>
-          <a:p>
-            <a:pPr marL="342900" indent="-342900">
+              <a:rPr lang="en-US" dirty="0"/>
+              <a:t>Stringent control/penalties on alcohol involvement, use of mobile phones while driving </a:t>
+            </a:r>
+          </a:p>
+          <a:p>
+            <a:pPr marL="285750" indent="-285750">
               <a:buFont typeface="Arial" panose="020B0604020202020204" pitchFamily="34" charset="0"/>
               <a:buChar char="•"/>
             </a:pPr>
             <a:r>
-              <a:rPr lang="en-US" sz="2000" dirty="0"/>
-              <a:t>Unsafe speed</a:t>
-            </a:r>
-          </a:p>
-          <a:p>
-            <a:pPr marL="342900" indent="-342900">
-              <a:buFont typeface="Arial" panose="020B0604020202020204" pitchFamily="34" charset="0"/>
-              <a:buChar char="•"/>
-            </a:pPr>
-            <a:r>
-              <a:rPr lang="en-US" sz="2000" dirty="0"/>
-              <a:t>Alcohol Involvement</a:t>
-            </a:r>
-          </a:p>
-          <a:p>
-            <a:r>
-              <a:rPr lang="en-US" sz="2000" dirty="0"/>
-              <a:t>We infer that stringent control/penalties on alcohol involvement, use of mobile phones while driving and better driving habits can help reduce the accidents</a:t>
-            </a:r>
-          </a:p>
-          <a:p>
-            <a:endParaRPr lang="en-US" sz="2000" dirty="0"/>
-          </a:p>
-          <a:p>
-            <a:endParaRPr lang="en-US" sz="2000" dirty="0"/>
-          </a:p>
-          <a:p>
-            <a:endParaRPr lang="en-US" sz="2000" dirty="0"/>
-          </a:p>
-          <a:p>
-            <a:endParaRPr lang="en-US" sz="2000" dirty="0"/>
-          </a:p>
-          <a:p>
-            <a:endParaRPr lang="en-US" sz="2000" dirty="0"/>
+              <a:rPr lang="en-US" dirty="0"/>
+              <a:t>Improved driving habits.</a:t>
+            </a:r>
+          </a:p>
+          <a:p>
+            <a:endParaRPr lang="en-US" dirty="0"/>
           </a:p>
         </p:txBody>
       </p:sp>
       <p:pic>
         <p:nvPicPr>
-          <p:cNvPr id="1026" name="Picture 2">
-            <a:extLst>
-              <a:ext uri="{FF2B5EF4-FFF2-40B4-BE49-F238E27FC236}">
-                <a16:creationId xmlns:a16="http://schemas.microsoft.com/office/drawing/2014/main" id="{3905CE4C-BD62-455E-8DAD-FD78BA2CE4C9}"/>
+          <p:cNvPr id="8" name="Picture 7">
+            <a:extLst>
+              <a:ext uri="{FF2B5EF4-FFF2-40B4-BE49-F238E27FC236}">
+                <a16:creationId xmlns:a16="http://schemas.microsoft.com/office/drawing/2014/main" id="{6D3189A2-0C89-4FBF-B524-29A6C519C181}"/>
               </a:ext>
             </a:extLst>
           </p:cNvPr>
           <p:cNvPicPr>
-            <a:picLocks noChangeAspect="1" noChangeArrowheads="1"/>
+            <a:picLocks noChangeAspect="1"/>
           </p:cNvPicPr>
           <p:nvPr/>
         </p:nvPicPr>
@@ -4930,35 +5090,84 @@
               </a:ext>
             </a:extLst>
           </a:blip>
-          <a:srcRect/>
           <a:stretch>
             <a:fillRect/>
           </a:stretch>
         </p:blipFill>
-        <p:spPr bwMode="auto">
+        <p:spPr>
           <a:xfrm>
-            <a:off x="4537276" y="850740"/>
-            <a:ext cx="7553540" cy="5219700"/>
+            <a:off x="5867554" y="1415530"/>
+            <a:ext cx="5486411" cy="3657607"/>
           </a:xfrm>
           <a:prstGeom prst="rect">
             <a:avLst/>
           </a:prstGeom>
-          <a:noFill/>
-          <a:extLst>
-            <a:ext uri="{909E8E84-426E-40DD-AFC4-6F175D3DCCD1}">
-              <a14:hiddenFill xmlns:a14="http://schemas.microsoft.com/office/drawing/2010/main">
-                <a:solidFill>
-                  <a:srgbClr val="FFFFFF"/>
-                </a:solidFill>
-              </a14:hiddenFill>
-            </a:ext>
-          </a:extLst>
         </p:spPr>
       </p:pic>
+      <p:sp>
+        <p:nvSpPr>
+          <p:cNvPr id="10" name="Title 1">
+            <a:extLst>
+              <a:ext uri="{FF2B5EF4-FFF2-40B4-BE49-F238E27FC236}">
+                <a16:creationId xmlns:a16="http://schemas.microsoft.com/office/drawing/2014/main" id="{B5BD0470-A784-405B-9F7E-5E3298C48989}"/>
+              </a:ext>
+            </a:extLst>
+          </p:cNvPr>
+          <p:cNvSpPr txBox="1">
+            <a:spLocks/>
+          </p:cNvSpPr>
+          <p:nvPr/>
+        </p:nvSpPr>
+        <p:spPr>
+          <a:xfrm>
+            <a:off x="167412" y="86619"/>
+            <a:ext cx="8326379" cy="594867"/>
+          </a:xfrm>
+          <a:prstGeom prst="rect">
+            <a:avLst/>
+          </a:prstGeom>
+        </p:spPr>
+        <p:txBody>
+          <a:bodyPr vert="horz" lIns="91440" tIns="45720" rIns="91440" bIns="45720" rtlCol="0" anchor="b">
+            <a:normAutofit fontScale="92500"/>
+          </a:bodyPr>
+          <a:lstStyle>
+            <a:lvl1pPr algn="l" defTabSz="914400" rtl="0" eaLnBrk="1" latinLnBrk="0" hangingPunct="1">
+              <a:lnSpc>
+                <a:spcPct val="90000"/>
+              </a:lnSpc>
+              <a:spcBef>
+                <a:spcPct val="0"/>
+              </a:spcBef>
+              <a:buNone/>
+              <a:defRPr sz="3200" kern="1200">
+                <a:solidFill>
+                  <a:schemeClr val="tx1"/>
+                </a:solidFill>
+                <a:latin typeface="+mj-lt"/>
+                <a:ea typeface="+mj-ea"/>
+                <a:cs typeface="+mj-cs"/>
+              </a:defRPr>
+            </a:lvl1pPr>
+          </a:lstStyle>
+          <a:p>
+            <a:r>
+              <a:rPr lang="en-US" b="1" dirty="0">
+                <a:solidFill>
+                  <a:schemeClr val="accent1">
+                    <a:lumMod val="75000"/>
+                  </a:schemeClr>
+                </a:solidFill>
+              </a:rPr>
+              <a:t>Factors contributing to Accidents – Continued in 2015</a:t>
+            </a:r>
+          </a:p>
+        </p:txBody>
+      </p:sp>
     </p:spTree>
     <p:extLst>
       <p:ext uri="{BB962C8B-B14F-4D97-AF65-F5344CB8AC3E}">
-        <p14:creationId xmlns:p14="http://schemas.microsoft.com/office/powerpoint/2010/main" val="1644327249"/>
+        <p14:creationId xmlns:p14="http://schemas.microsoft.com/office/powerpoint/2010/main" val="3507343196"/>
       </p:ext>
     </p:extLst>
   </p:cSld>
@@ -5023,7 +5232,7 @@
         <p:spPr bwMode="auto">
           <a:xfrm>
             <a:off x="321549" y="676517"/>
-            <a:ext cx="2820441" cy="2624663"/>
+            <a:ext cx="2957795" cy="2752483"/>
           </a:xfrm>
           <a:prstGeom prst="rect">
             <a:avLst/>
@@ -5228,45 +5437,6 @@
           </a:extLst>
         </p:spPr>
       </p:pic>
-      <p:sp>
-        <p:nvSpPr>
-          <p:cNvPr id="9" name="TextBox 8">
-            <a:extLst>
-              <a:ext uri="{FF2B5EF4-FFF2-40B4-BE49-F238E27FC236}">
-                <a16:creationId xmlns:a16="http://schemas.microsoft.com/office/drawing/2014/main" id="{2EE020CF-9686-4601-AE3A-EF81EAC7DDF9}"/>
-              </a:ext>
-            </a:extLst>
-          </p:cNvPr>
-          <p:cNvSpPr txBox="1"/>
-          <p:nvPr/>
-        </p:nvSpPr>
-        <p:spPr>
-          <a:xfrm>
-            <a:off x="3673573" y="321732"/>
-            <a:ext cx="4834468" cy="430887"/>
-          </a:xfrm>
-          <a:prstGeom prst="rect">
-            <a:avLst/>
-          </a:prstGeom>
-          <a:noFill/>
-        </p:spPr>
-        <p:txBody>
-          <a:bodyPr wrap="square" rtlCol="0">
-            <a:spAutoFit/>
-          </a:bodyPr>
-          <a:lstStyle/>
-          <a:p>
-            <a:r>
-              <a:rPr lang="en-US" sz="2200" b="1" dirty="0">
-                <a:solidFill>
-                  <a:srgbClr val="FF0000"/>
-                </a:solidFill>
-              </a:rPr>
-              <a:t>Top 5 factors contributing to accidents</a:t>
-            </a:r>
-          </a:p>
-        </p:txBody>
-      </p:sp>
       <p:sp>
         <p:nvSpPr>
           <p:cNvPr id="21" name="Text Placeholder 3">
@@ -5464,26 +5634,88 @@
             </a:pPr>
             <a:r>
               <a:rPr lang="en-US" sz="2000" dirty="0"/>
-              <a:t>We analyzed what happened before the accident in top five contributing factors and inferred:</a:t>
+              <a:t>Prior Reasons before the accident for top five contributing factors and inferred the following:</a:t>
             </a:r>
           </a:p>
           <a:p>
             <a:pPr marL="342900" indent="-342900"/>
             <a:r>
               <a:rPr lang="en-US" sz="2000" dirty="0"/>
-              <a:t>Going straight ahead is common across all accident types. Which means that its not caused by the car but due to human causes – bad driving habits, alcohol involvement, speeding </a:t>
-            </a:r>
-            <a:r>
-              <a:rPr lang="en-US" sz="2000" dirty="0" err="1"/>
-              <a:t>etc</a:t>
-            </a:r>
-            <a:endParaRPr lang="en-US" sz="2000" dirty="0"/>
+              <a:t>Going straight ahead is common across all accident types. Which means that its not caused by the car but due to human causes – bad driving habits, alcohol involvement, speeding etc.</a:t>
+            </a:r>
+          </a:p>
+          <a:p>
+            <a:pPr marL="342900" indent="-342900"/>
+            <a:r>
+              <a:rPr lang="en-US" sz="2000" dirty="0"/>
+              <a:t>Making Left turn,</a:t>
+            </a:r>
           </a:p>
           <a:p>
             <a:pPr marL="342900" indent="-342900"/>
             <a:r>
               <a:rPr lang="en-US" sz="2000" dirty="0"/>
               <a:t>Slowing or stopping is another common occurrence: </a:t>
+            </a:r>
+          </a:p>
+        </p:txBody>
+      </p:sp>
+      <p:sp>
+        <p:nvSpPr>
+          <p:cNvPr id="10" name="Title 1">
+            <a:extLst>
+              <a:ext uri="{FF2B5EF4-FFF2-40B4-BE49-F238E27FC236}">
+                <a16:creationId xmlns:a16="http://schemas.microsoft.com/office/drawing/2014/main" id="{A70FAC52-3B5F-4E7D-9524-71D4308F5D65}"/>
+              </a:ext>
+            </a:extLst>
+          </p:cNvPr>
+          <p:cNvSpPr txBox="1">
+            <a:spLocks/>
+          </p:cNvSpPr>
+          <p:nvPr/>
+        </p:nvSpPr>
+        <p:spPr>
+          <a:xfrm>
+            <a:off x="167412" y="86619"/>
+            <a:ext cx="8326379" cy="594867"/>
+          </a:xfrm>
+          <a:prstGeom prst="rect">
+            <a:avLst/>
+          </a:prstGeom>
+        </p:spPr>
+        <p:txBody>
+          <a:bodyPr vert="horz" lIns="91440" tIns="45720" rIns="91440" bIns="45720" rtlCol="0" anchor="b">
+            <a:normAutofit/>
+          </a:bodyPr>
+          <a:lstStyle>
+            <a:lvl1pPr algn="l" defTabSz="914400" rtl="0" eaLnBrk="1" latinLnBrk="0" hangingPunct="1">
+              <a:lnSpc>
+                <a:spcPct val="90000"/>
+              </a:lnSpc>
+              <a:spcBef>
+                <a:spcPct val="0"/>
+              </a:spcBef>
+              <a:buNone/>
+              <a:defRPr sz="3200" kern="1200">
+                <a:solidFill>
+                  <a:schemeClr val="tx1"/>
+                </a:solidFill>
+                <a:latin typeface="+mj-lt"/>
+                <a:ea typeface="+mj-ea"/>
+                <a:cs typeface="+mj-cs"/>
+              </a:defRPr>
+            </a:lvl1pPr>
+          </a:lstStyle>
+          <a:p>
+            <a:r>
+              <a:rPr lang="en-US" b="1" dirty="0">
+                <a:solidFill>
+                  <a:schemeClr val="accent1">
+                    <a:lumMod val="75000"/>
+                  </a:schemeClr>
+                </a:solidFill>
+              </a:rPr>
+              <a:t>What happened before the accidents?</a:t>
             </a:r>
           </a:p>
         </p:txBody>
@@ -5518,45 +5750,6 @@
           <a:chExt cx="0" cy="0"/>
         </a:xfrm>
       </p:grpSpPr>
-      <p:sp>
-        <p:nvSpPr>
-          <p:cNvPr id="3" name="TextBox 2">
-            <a:extLst>
-              <a:ext uri="{FF2B5EF4-FFF2-40B4-BE49-F238E27FC236}">
-                <a16:creationId xmlns:a16="http://schemas.microsoft.com/office/drawing/2014/main" id="{FB19A2A6-DD03-47C5-B951-C6131E119EB3}"/>
-              </a:ext>
-            </a:extLst>
-          </p:cNvPr>
-          <p:cNvSpPr txBox="1"/>
-          <p:nvPr/>
-        </p:nvSpPr>
-        <p:spPr>
-          <a:xfrm rot="10800000" flipV="1">
-            <a:off x="7568581" y="1910"/>
-            <a:ext cx="3491346" cy="369332"/>
-          </a:xfrm>
-          <a:prstGeom prst="rect">
-            <a:avLst/>
-          </a:prstGeom>
-          <a:noFill/>
-        </p:spPr>
-        <p:txBody>
-          <a:bodyPr wrap="square" rtlCol="0">
-            <a:spAutoFit/>
-          </a:bodyPr>
-          <a:lstStyle/>
-          <a:p>
-            <a:r>
-              <a:rPr lang="en-US" b="1" dirty="0">
-                <a:solidFill>
-                  <a:srgbClr val="FF0000"/>
-                </a:solidFill>
-              </a:rPr>
-              <a:t>Passenger Vehicle Body Type </a:t>
-            </a:r>
-          </a:p>
-        </p:txBody>
-      </p:sp>
       <p:sp>
         <p:nvSpPr>
           <p:cNvPr id="7" name="Text Placeholder 3">
@@ -6120,6 +6313,83 @@
               </a:rPr>
               <a:t>Commercial Vehicle Body Type </a:t>
             </a:r>
+          </a:p>
+        </p:txBody>
+      </p:sp>
+      <p:sp>
+        <p:nvSpPr>
+          <p:cNvPr id="8" name="Title 1">
+            <a:extLst>
+              <a:ext uri="{FF2B5EF4-FFF2-40B4-BE49-F238E27FC236}">
+                <a16:creationId xmlns:a16="http://schemas.microsoft.com/office/drawing/2014/main" id="{275FAB0E-ECC2-4E71-AC1D-AC874DA5E272}"/>
+              </a:ext>
+            </a:extLst>
+          </p:cNvPr>
+          <p:cNvSpPr txBox="1">
+            <a:spLocks/>
+          </p:cNvSpPr>
+          <p:nvPr/>
+        </p:nvSpPr>
+        <p:spPr>
+          <a:xfrm>
+            <a:off x="167412" y="86619"/>
+            <a:ext cx="8326379" cy="594867"/>
+          </a:xfrm>
+          <a:prstGeom prst="rect">
+            <a:avLst/>
+          </a:prstGeom>
+        </p:spPr>
+        <p:txBody>
+          <a:bodyPr vert="horz" lIns="91440" tIns="45720" rIns="91440" bIns="45720" rtlCol="0" anchor="b">
+            <a:normAutofit/>
+          </a:bodyPr>
+          <a:lstStyle>
+            <a:lvl1pPr algn="l" defTabSz="914400" rtl="0" eaLnBrk="1" latinLnBrk="0" hangingPunct="1">
+              <a:lnSpc>
+                <a:spcPct val="90000"/>
+              </a:lnSpc>
+              <a:spcBef>
+                <a:spcPct val="0"/>
+              </a:spcBef>
+              <a:buNone/>
+              <a:defRPr sz="3200" kern="1200">
+                <a:solidFill>
+                  <a:schemeClr val="tx1"/>
+                </a:solidFill>
+                <a:latin typeface="+mj-lt"/>
+                <a:ea typeface="+mj-ea"/>
+                <a:cs typeface="+mj-cs"/>
+              </a:defRPr>
+            </a:lvl1pPr>
+          </a:lstStyle>
+          <a:p>
+            <a:r>
+              <a:rPr lang="en-US" b="1" dirty="0">
+                <a:solidFill>
+                  <a:schemeClr val="accent1">
+                    <a:lumMod val="75000"/>
+                  </a:schemeClr>
+                </a:solidFill>
+              </a:rPr>
+              <a:t>Which Vehicles are prone </a:t>
+            </a:r>
+            <a:r>
+              <a:rPr lang="en-US" b="1">
+                <a:solidFill>
+                  <a:schemeClr val="accent1">
+                    <a:lumMod val="75000"/>
+                  </a:schemeClr>
+                </a:solidFill>
+              </a:rPr>
+              <a:t>to accidents?</a:t>
+            </a:r>
+            <a:endParaRPr lang="en-US" b="1" dirty="0">
+              <a:solidFill>
+                <a:schemeClr val="accent1">
+                  <a:lumMod val="75000"/>
+                </a:schemeClr>
+              </a:solidFill>
+            </a:endParaRPr>
           </a:p>
         </p:txBody>
       </p:sp>

--- a/Analysis of Motor Vehicle Crashes.pptx
+++ b/Analysis of Motor Vehicle Crashes.pptx
@@ -6,12 +6,17 @@
   </p:sldMasterIdLst>
   <p:sldIdLst>
     <p:sldId id="256" r:id="rId2"/>
-    <p:sldId id="258" r:id="rId3"/>
-    <p:sldId id="263" r:id="rId4"/>
-    <p:sldId id="259" r:id="rId5"/>
-    <p:sldId id="264" r:id="rId6"/>
-    <p:sldId id="260" r:id="rId7"/>
-    <p:sldId id="261" r:id="rId8"/>
+    <p:sldId id="270" r:id="rId3"/>
+    <p:sldId id="271" r:id="rId4"/>
+    <p:sldId id="272" r:id="rId5"/>
+    <p:sldId id="273" r:id="rId6"/>
+    <p:sldId id="274" r:id="rId7"/>
+    <p:sldId id="275" r:id="rId8"/>
+    <p:sldId id="264" r:id="rId9"/>
+    <p:sldId id="265" r:id="rId10"/>
+    <p:sldId id="266" r:id="rId11"/>
+    <p:sldId id="267" r:id="rId12"/>
+    <p:sldId id="268" r:id="rId13"/>
   </p:sldIdLst>
   <p:sldSz cx="12192000" cy="6858000"/>
   <p:notesSz cx="6858000" cy="9144000"/>
@@ -133,7 +138,7 @@
 <file path=ppt/revisionInfo.xml><?xml version="1.0" encoding="utf-8"?>
 <p1510:revInfo xmlns:a="http://schemas.openxmlformats.org/drawingml/2006/main" xmlns:r="http://schemas.openxmlformats.org/officeDocument/2006/relationships" xmlns:p1510="http://schemas.microsoft.com/office/powerpoint/2015/10/main">
   <p1510:revLst>
-    <p1510:client id="{EB4E9C1D-324C-4D51-B933-AF4CD5ADF96B}" v="3167" dt="2018-09-26T01:49:31.894"/>
+    <p1510:client id="{CA0D3473-1590-4179-BE70-9449DF99D3D1}" v="15" dt="2018-09-26T22:43:43.810"/>
   </p1510:revLst>
 </p1510:revInfo>
 </file>
@@ -141,9 +146,109 @@
 <file path=ppt/changesInfos/changesInfo1.xml><?xml version="1.0" encoding="utf-8"?>
 <pc:chgInfo xmlns:a="http://schemas.openxmlformats.org/drawingml/2006/main" xmlns:r="http://schemas.openxmlformats.org/officeDocument/2006/relationships" xmlns:ac="http://schemas.microsoft.com/office/drawing/2013/main/command" xmlns:pc="http://schemas.microsoft.com/office/powerpoint/2013/main/command">
   <pc:docChgLst>
+    <pc:chgData name="Niharika Sachdeva" userId="a6485dc24ed82a52" providerId="LiveId" clId="{CA0D3473-1590-4179-BE70-9449DF99D3D1}"/>
+    <pc:docChg chg="addSld delSld modSld sldOrd">
+      <pc:chgData name="Niharika Sachdeva" userId="a6485dc24ed82a52" providerId="LiveId" clId="{CA0D3473-1590-4179-BE70-9449DF99D3D1}" dt="2018-09-26T22:43:43.810" v="14" actId="2696"/>
+      <pc:docMkLst>
+        <pc:docMk/>
+      </pc:docMkLst>
+      <pc:sldChg chg="del">
+        <pc:chgData name="Niharika Sachdeva" userId="a6485dc24ed82a52" providerId="LiveId" clId="{CA0D3473-1590-4179-BE70-9449DF99D3D1}" dt="2018-09-26T22:41:57.500" v="0" actId="2696"/>
+        <pc:sldMkLst>
+          <pc:docMk/>
+          <pc:sldMk cId="653141974" sldId="257"/>
+        </pc:sldMkLst>
+      </pc:sldChg>
+      <pc:sldChg chg="del">
+        <pc:chgData name="Niharika Sachdeva" userId="a6485dc24ed82a52" providerId="LiveId" clId="{CA0D3473-1590-4179-BE70-9449DF99D3D1}" dt="2018-09-26T22:42:49.363" v="3" actId="2696"/>
+        <pc:sldMkLst>
+          <pc:docMk/>
+          <pc:sldMk cId="171835976" sldId="258"/>
+        </pc:sldMkLst>
+      </pc:sldChg>
+      <pc:sldChg chg="del">
+        <pc:chgData name="Niharika Sachdeva" userId="a6485dc24ed82a52" providerId="LiveId" clId="{CA0D3473-1590-4179-BE70-9449DF99D3D1}" dt="2018-09-26T22:43:11.736" v="8" actId="2696"/>
+        <pc:sldMkLst>
+          <pc:docMk/>
+          <pc:sldMk cId="1644327249" sldId="259"/>
+        </pc:sldMkLst>
+      </pc:sldChg>
+      <pc:sldChg chg="del">
+        <pc:chgData name="Niharika Sachdeva" userId="a6485dc24ed82a52" providerId="LiveId" clId="{CA0D3473-1590-4179-BE70-9449DF99D3D1}" dt="2018-09-26T22:43:33.982" v="12" actId="2696"/>
+        <pc:sldMkLst>
+          <pc:docMk/>
+          <pc:sldMk cId="1044642986" sldId="260"/>
+        </pc:sldMkLst>
+      </pc:sldChg>
+      <pc:sldChg chg="del">
+        <pc:chgData name="Niharika Sachdeva" userId="a6485dc24ed82a52" providerId="LiveId" clId="{CA0D3473-1590-4179-BE70-9449DF99D3D1}" dt="2018-09-26T22:43:43.810" v="14" actId="2696"/>
+        <pc:sldMkLst>
+          <pc:docMk/>
+          <pc:sldMk cId="1339316662" sldId="261"/>
+        </pc:sldMkLst>
+      </pc:sldChg>
+      <pc:sldChg chg="del">
+        <pc:chgData name="Niharika Sachdeva" userId="a6485dc24ed82a52" providerId="LiveId" clId="{CA0D3473-1590-4179-BE70-9449DF99D3D1}" dt="2018-09-26T22:43:01.794" v="6" actId="2696"/>
+        <pc:sldMkLst>
+          <pc:docMk/>
+          <pc:sldMk cId="1333734352" sldId="263"/>
+        </pc:sldMkLst>
+      </pc:sldChg>
+      <pc:sldChg chg="add del">
+        <pc:chgData name="Niharika Sachdeva" userId="a6485dc24ed82a52" providerId="LiveId" clId="{CA0D3473-1590-4179-BE70-9449DF99D3D1}" dt="2018-09-26T22:42:50.607" v="4" actId="2696"/>
+        <pc:sldMkLst>
+          <pc:docMk/>
+          <pc:sldMk cId="1678847322" sldId="269"/>
+        </pc:sldMkLst>
+      </pc:sldChg>
+      <pc:sldChg chg="add">
+        <pc:chgData name="Niharika Sachdeva" userId="a6485dc24ed82a52" providerId="LiveId" clId="{CA0D3473-1590-4179-BE70-9449DF99D3D1}" dt="2018-09-26T22:42:44.491" v="2"/>
+        <pc:sldMkLst>
+          <pc:docMk/>
+          <pc:sldMk cId="465829609" sldId="270"/>
+        </pc:sldMkLst>
+      </pc:sldChg>
+      <pc:sldChg chg="add">
+        <pc:chgData name="Niharika Sachdeva" userId="a6485dc24ed82a52" providerId="LiveId" clId="{CA0D3473-1590-4179-BE70-9449DF99D3D1}" dt="2018-09-26T22:42:57.658" v="5"/>
+        <pc:sldMkLst>
+          <pc:docMk/>
+          <pc:sldMk cId="730585142" sldId="271"/>
+        </pc:sldMkLst>
+      </pc:sldChg>
+      <pc:sldChg chg="add">
+        <pc:chgData name="Niharika Sachdeva" userId="a6485dc24ed82a52" providerId="LiveId" clId="{CA0D3473-1590-4179-BE70-9449DF99D3D1}" dt="2018-09-26T22:43:08.918" v="7"/>
+        <pc:sldMkLst>
+          <pc:docMk/>
+          <pc:sldMk cId="2733372892" sldId="272"/>
+        </pc:sldMkLst>
+      </pc:sldChg>
+      <pc:sldChg chg="add ord">
+        <pc:chgData name="Niharika Sachdeva" userId="a6485dc24ed82a52" providerId="LiveId" clId="{CA0D3473-1590-4179-BE70-9449DF99D3D1}" dt="2018-09-26T22:43:21.952" v="10"/>
+        <pc:sldMkLst>
+          <pc:docMk/>
+          <pc:sldMk cId="3507343196" sldId="273"/>
+        </pc:sldMkLst>
+      </pc:sldChg>
+      <pc:sldChg chg="add setBg">
+        <pc:chgData name="Niharika Sachdeva" userId="a6485dc24ed82a52" providerId="LiveId" clId="{CA0D3473-1590-4179-BE70-9449DF99D3D1}" dt="2018-09-26T22:43:30.975" v="11"/>
+        <pc:sldMkLst>
+          <pc:docMk/>
+          <pc:sldMk cId="1062915283" sldId="274"/>
+        </pc:sldMkLst>
+      </pc:sldChg>
+      <pc:sldChg chg="add">
+        <pc:chgData name="Niharika Sachdeva" userId="a6485dc24ed82a52" providerId="LiveId" clId="{CA0D3473-1590-4179-BE70-9449DF99D3D1}" dt="2018-09-26T22:43:41.383" v="13"/>
+        <pc:sldMkLst>
+          <pc:docMk/>
+          <pc:sldMk cId="1036730118" sldId="275"/>
+        </pc:sldMkLst>
+      </pc:sldChg>
+    </pc:docChg>
+  </pc:docChgLst>
+  <pc:docChgLst>
     <pc:chgData name="Niharika Sachdeva" userId="a6485dc24ed82a52" providerId="LiveId" clId="{EB4E9C1D-324C-4D51-B933-AF4CD5ADF96B}"/>
-    <pc:docChg chg="undo custSel mod addSld delSld modSld sldOrd">
-      <pc:chgData name="Niharika Sachdeva" userId="a6485dc24ed82a52" providerId="LiveId" clId="{EB4E9C1D-324C-4D51-B933-AF4CD5ADF96B}" dt="2018-09-26T01:49:31.894" v="3167" actId="20577"/>
+    <pc:docChg chg="undo custSel mod addSld delSld modSld">
+      <pc:chgData name="Niharika Sachdeva" userId="a6485dc24ed82a52" providerId="LiveId" clId="{EB4E9C1D-324C-4D51-B933-AF4CD5ADF96B}" dt="2018-09-24T23:22:59.304" v="2237" actId="313"/>
       <pc:docMkLst>
         <pc:docMk/>
       </pc:docMkLst>
@@ -186,108 +291,22 @@
           </ac:picMkLst>
         </pc:picChg>
       </pc:sldChg>
-      <pc:sldChg chg="addSp delSp modSp del setBg">
-        <pc:chgData name="Niharika Sachdeva" userId="a6485dc24ed82a52" providerId="LiveId" clId="{EB4E9C1D-324C-4D51-B933-AF4CD5ADF96B}" dt="2018-09-25T23:07:51.587" v="2606" actId="2696"/>
-        <pc:sldMkLst>
-          <pc:docMk/>
-          <pc:sldMk cId="653141974" sldId="257"/>
-        </pc:sldMkLst>
-        <pc:spChg chg="del mod">
-          <ac:chgData name="Niharika Sachdeva" userId="a6485dc24ed82a52" providerId="LiveId" clId="{EB4E9C1D-324C-4D51-B933-AF4CD5ADF96B}" dt="2018-09-25T16:03:50.248" v="2240"/>
-          <ac:spMkLst>
-            <pc:docMk/>
-            <pc:sldMk cId="653141974" sldId="257"/>
-            <ac:spMk id="2" creationId="{FE6C3A04-EEC5-4A46-A9C3-A656C5CCFF22}"/>
-          </ac:spMkLst>
-        </pc:spChg>
-        <pc:spChg chg="mod">
-          <ac:chgData name="Niharika Sachdeva" userId="a6485dc24ed82a52" providerId="LiveId" clId="{EB4E9C1D-324C-4D51-B933-AF4CD5ADF96B}" dt="2018-09-25T16:12:43.224" v="2275" actId="113"/>
-          <ac:spMkLst>
-            <pc:docMk/>
-            <pc:sldMk cId="653141974" sldId="257"/>
-            <ac:spMk id="3" creationId="{71B53A38-829D-4EFA-8C21-2F0B2DE05F22}"/>
-          </ac:spMkLst>
-        </pc:spChg>
-        <pc:spChg chg="add mod">
-          <ac:chgData name="Niharika Sachdeva" userId="a6485dc24ed82a52" providerId="LiveId" clId="{EB4E9C1D-324C-4D51-B933-AF4CD5ADF96B}" dt="2018-09-24T23:00:22.415" v="2204" actId="14100"/>
-          <ac:spMkLst>
-            <pc:docMk/>
-            <pc:sldMk cId="653141974" sldId="257"/>
-            <ac:spMk id="4" creationId="{190C2A3D-9E90-49BD-AD6D-D6D821643D36}"/>
-          </ac:spMkLst>
-        </pc:spChg>
-        <pc:spChg chg="add mod">
-          <ac:chgData name="Niharika Sachdeva" userId="a6485dc24ed82a52" providerId="LiveId" clId="{EB4E9C1D-324C-4D51-B933-AF4CD5ADF96B}" dt="2018-09-24T23:04:40.486" v="2211" actId="931"/>
-          <ac:spMkLst>
-            <pc:docMk/>
-            <pc:sldMk cId="653141974" sldId="257"/>
-            <ac:spMk id="9" creationId="{AFD9B8E9-5237-4F50-805D-8768B14B5D24}"/>
-          </ac:spMkLst>
-        </pc:spChg>
-        <pc:picChg chg="add del mod">
-          <ac:chgData name="Niharika Sachdeva" userId="a6485dc24ed82a52" providerId="LiveId" clId="{EB4E9C1D-324C-4D51-B933-AF4CD5ADF96B}" dt="2018-09-24T23:01:03.280" v="2206" actId="931"/>
-          <ac:picMkLst>
-            <pc:docMk/>
-            <pc:sldMk cId="653141974" sldId="257"/>
-            <ac:picMk id="6" creationId="{3DD68DB7-0BAE-455C-BB7E-D8034F1DC12D}"/>
-          </ac:picMkLst>
-        </pc:picChg>
-        <pc:picChg chg="add mod">
-          <ac:chgData name="Niharika Sachdeva" userId="a6485dc24ed82a52" providerId="LiveId" clId="{EB4E9C1D-324C-4D51-B933-AF4CD5ADF96B}" dt="2018-09-25T16:04:14.835" v="2245" actId="14100"/>
-          <ac:picMkLst>
-            <pc:docMk/>
-            <pc:sldMk cId="653141974" sldId="257"/>
-            <ac:picMk id="8" creationId="{F9D54647-6532-4D2C-97E7-07701B3B0F2D}"/>
-          </ac:picMkLst>
-        </pc:picChg>
-      </pc:sldChg>
-      <pc:sldChg chg="addSp modSp">
-        <pc:chgData name="Niharika Sachdeva" userId="a6485dc24ed82a52" providerId="LiveId" clId="{EB4E9C1D-324C-4D51-B933-AF4CD5ADF96B}" dt="2018-09-26T01:45:07.725" v="2774" actId="20577"/>
-        <pc:sldMkLst>
-          <pc:docMk/>
-          <pc:sldMk cId="171835976" sldId="258"/>
-        </pc:sldMkLst>
-        <pc:spChg chg="mod">
-          <ac:chgData name="Niharika Sachdeva" userId="a6485dc24ed82a52" providerId="LiveId" clId="{EB4E9C1D-324C-4D51-B933-AF4CD5ADF96B}" dt="2018-09-26T01:43:12.975" v="2720" actId="1035"/>
-          <ac:spMkLst>
-            <pc:docMk/>
-            <pc:sldMk cId="171835976" sldId="258"/>
-            <ac:spMk id="2" creationId="{F534A459-7F78-47E4-A273-A769B5402A0D}"/>
-          </ac:spMkLst>
-        </pc:spChg>
-        <pc:spChg chg="add mod">
-          <ac:chgData name="Niharika Sachdeva" userId="a6485dc24ed82a52" providerId="LiveId" clId="{EB4E9C1D-324C-4D51-B933-AF4CD5ADF96B}" dt="2018-09-26T01:45:07.725" v="2774" actId="20577"/>
-          <ac:spMkLst>
-            <pc:docMk/>
-            <pc:sldMk cId="171835976" sldId="258"/>
-            <ac:spMk id="5" creationId="{B37F2691-FDEE-4377-BF63-B28ABF907994}"/>
-          </ac:spMkLst>
-        </pc:spChg>
-      </pc:sldChg>
       <pc:sldChg chg="addSp delSp modSp add">
-        <pc:chgData name="Niharika Sachdeva" userId="a6485dc24ed82a52" providerId="LiveId" clId="{EB4E9C1D-324C-4D51-B933-AF4CD5ADF96B}" dt="2018-09-26T01:47:00.060" v="3010" actId="1037"/>
+        <pc:chgData name="Niharika Sachdeva" userId="a6485dc24ed82a52" providerId="LiveId" clId="{EB4E9C1D-324C-4D51-B933-AF4CD5ADF96B}" dt="2018-09-23T23:42:59.803" v="751" actId="20577"/>
         <pc:sldMkLst>
           <pc:docMk/>
           <pc:sldMk cId="1644327249" sldId="259"/>
         </pc:sldMkLst>
-        <pc:spChg chg="del mod">
-          <ac:chgData name="Niharika Sachdeva" userId="a6485dc24ed82a52" providerId="LiveId" clId="{EB4E9C1D-324C-4D51-B933-AF4CD5ADF96B}" dt="2018-09-26T01:46:31.428" v="2865" actId="478"/>
+        <pc:spChg chg="mod">
+          <ac:chgData name="Niharika Sachdeva" userId="a6485dc24ed82a52" providerId="LiveId" clId="{EB4E9C1D-324C-4D51-B933-AF4CD5ADF96B}" dt="2018-09-23T23:40:30.186" v="438" actId="1036"/>
           <ac:spMkLst>
             <pc:docMk/>
             <pc:sldMk cId="1644327249" sldId="259"/>
             <ac:spMk id="2" creationId="{F534A459-7F78-47E4-A273-A769B5402A0D}"/>
           </ac:spMkLst>
         </pc:spChg>
-        <pc:spChg chg="add del">
-          <ac:chgData name="Niharika Sachdeva" userId="a6485dc24ed82a52" providerId="LiveId" clId="{EB4E9C1D-324C-4D51-B933-AF4CD5ADF96B}" dt="2018-09-25T18:56:16.057" v="2500"/>
-          <ac:spMkLst>
-            <pc:docMk/>
-            <pc:sldMk cId="1644327249" sldId="259"/>
-            <ac:spMk id="3" creationId="{D20F9C89-A12F-4E7C-BB4D-9C836FB6D9BC}"/>
-          </ac:spMkLst>
-        </pc:spChg>
         <pc:spChg chg="mod">
-          <ac:chgData name="Niharika Sachdeva" userId="a6485dc24ed82a52" providerId="LiveId" clId="{EB4E9C1D-324C-4D51-B933-AF4CD5ADF96B}" dt="2018-09-26T01:47:00.060" v="3010" actId="1037"/>
+          <ac:chgData name="Niharika Sachdeva" userId="a6485dc24ed82a52" providerId="LiveId" clId="{EB4E9C1D-324C-4D51-B933-AF4CD5ADF96B}" dt="2018-09-23T23:42:59.803" v="751" actId="20577"/>
           <ac:spMkLst>
             <pc:docMk/>
             <pc:sldMk cId="1644327249" sldId="259"/>
@@ -302,22 +321,6 @@
             <ac:spMk id="5" creationId="{C0E2F488-D8E8-4096-835B-CE1FFC69ECB6}"/>
           </ac:spMkLst>
         </pc:spChg>
-        <pc:spChg chg="add mod">
-          <ac:chgData name="Niharika Sachdeva" userId="a6485dc24ed82a52" providerId="LiveId" clId="{EB4E9C1D-324C-4D51-B933-AF4CD5ADF96B}" dt="2018-09-26T01:46:47.144" v="2892" actId="20577"/>
-          <ac:spMkLst>
-            <pc:docMk/>
-            <pc:sldMk cId="1644327249" sldId="259"/>
-            <ac:spMk id="6" creationId="{E16FCE7D-7B3E-4354-B075-067F390206E7}"/>
-          </ac:spMkLst>
-        </pc:spChg>
-        <pc:spChg chg="add del mod">
-          <ac:chgData name="Niharika Sachdeva" userId="a6485dc24ed82a52" providerId="LiveId" clId="{EB4E9C1D-324C-4D51-B933-AF4CD5ADF96B}" dt="2018-09-26T01:46:34.213" v="2866" actId="478"/>
-          <ac:spMkLst>
-            <pc:docMk/>
-            <pc:sldMk cId="1644327249" sldId="259"/>
-            <ac:spMk id="7" creationId="{151E19AF-142A-422B-B108-E44D21AD1743}"/>
-          </ac:spMkLst>
-        </pc:spChg>
         <pc:picChg chg="del">
           <ac:chgData name="Niharika Sachdeva" userId="a6485dc24ed82a52" providerId="LiveId" clId="{EB4E9C1D-324C-4D51-B933-AF4CD5ADF96B}" dt="2018-09-23T23:31:34.933" v="1" actId="478"/>
           <ac:picMkLst>
@@ -327,7 +330,7 @@
           </ac:picMkLst>
         </pc:picChg>
         <pc:picChg chg="add mod">
-          <ac:chgData name="Niharika Sachdeva" userId="a6485dc24ed82a52" providerId="LiveId" clId="{EB4E9C1D-324C-4D51-B933-AF4CD5ADF96B}" dt="2018-09-25T16:56:46.859" v="2368" actId="1076"/>
+          <ac:chgData name="Niharika Sachdeva" userId="a6485dc24ed82a52" providerId="LiveId" clId="{EB4E9C1D-324C-4D51-B933-AF4CD5ADF96B}" dt="2018-09-23T23:32:46.053" v="6" actId="14100"/>
           <ac:picMkLst>
             <pc:docMk/>
             <pc:sldMk cId="1644327249" sldId="259"/>
@@ -336,7 +339,7 @@
         </pc:picChg>
       </pc:sldChg>
       <pc:sldChg chg="addSp delSp modSp add mod setBg">
-        <pc:chgData name="Niharika Sachdeva" userId="a6485dc24ed82a52" providerId="LiveId" clId="{EB4E9C1D-324C-4D51-B933-AF4CD5ADF96B}" dt="2018-09-26T01:48:47.520" v="3125" actId="20577"/>
+        <pc:chgData name="Niharika Sachdeva" userId="a6485dc24ed82a52" providerId="LiveId" clId="{EB4E9C1D-324C-4D51-B933-AF4CD5ADF96B}" dt="2018-09-24T16:40:46.225" v="1796" actId="688"/>
         <pc:sldMkLst>
           <pc:docMk/>
           <pc:sldMk cId="1044642986" sldId="260"/>
@@ -397,8 +400,8 @@
             <ac:spMk id="8" creationId="{427AA454-4F97-44E3-A6F9-5013A12B5147}"/>
           </ac:spMkLst>
         </pc:spChg>
-        <pc:spChg chg="add del mod">
-          <ac:chgData name="Niharika Sachdeva" userId="a6485dc24ed82a52" providerId="LiveId" clId="{EB4E9C1D-324C-4D51-B933-AF4CD5ADF96B}" dt="2018-09-26T01:48:30.928" v="3090" actId="478"/>
+        <pc:spChg chg="add mod">
+          <ac:chgData name="Niharika Sachdeva" userId="a6485dc24ed82a52" providerId="LiveId" clId="{EB4E9C1D-324C-4D51-B933-AF4CD5ADF96B}" dt="2018-09-24T16:40:46.225" v="1796" actId="688"/>
           <ac:spMkLst>
             <pc:docMk/>
             <pc:sldMk cId="1044642986" sldId="260"/>
@@ -406,15 +409,7 @@
           </ac:spMkLst>
         </pc:spChg>
         <pc:spChg chg="add mod">
-          <ac:chgData name="Niharika Sachdeva" userId="a6485dc24ed82a52" providerId="LiveId" clId="{EB4E9C1D-324C-4D51-B933-AF4CD5ADF96B}" dt="2018-09-26T01:48:47.520" v="3125" actId="20577"/>
-          <ac:spMkLst>
-            <pc:docMk/>
-            <pc:sldMk cId="1044642986" sldId="260"/>
-            <ac:spMk id="10" creationId="{A70FAC52-3B5F-4E7D-9524-71D4308F5D65}"/>
-          </ac:spMkLst>
-        </pc:spChg>
-        <pc:spChg chg="add mod">
-          <ac:chgData name="Niharika Sachdeva" userId="a6485dc24ed82a52" providerId="LiveId" clId="{EB4E9C1D-324C-4D51-B933-AF4CD5ADF96B}" dt="2018-09-25T16:15:59.924" v="2327" actId="20577"/>
+          <ac:chgData name="Niharika Sachdeva" userId="a6485dc24ed82a52" providerId="LiveId" clId="{EB4E9C1D-324C-4D51-B933-AF4CD5ADF96B}" dt="2018-09-24T15:30:31.593" v="1793" actId="20577"/>
           <ac:spMkLst>
             <pc:docMk/>
             <pc:sldMk cId="1044642986" sldId="260"/>
@@ -502,7 +497,7 @@
           </ac:picMkLst>
         </pc:picChg>
         <pc:picChg chg="add mod ord">
-          <ac:chgData name="Niharika Sachdeva" userId="a6485dc24ed82a52" providerId="LiveId" clId="{EB4E9C1D-324C-4D51-B933-AF4CD5ADF96B}" dt="2018-09-25T22:01:53.285" v="2603" actId="14100"/>
+          <ac:chgData name="Niharika Sachdeva" userId="a6485dc24ed82a52" providerId="LiveId" clId="{EB4E9C1D-324C-4D51-B933-AF4CD5ADF96B}" dt="2018-09-24T15:22:23.942" v="827" actId="1036"/>
           <ac:picMkLst>
             <pc:docMk/>
             <pc:sldMk cId="1044642986" sldId="260"/>
@@ -511,7 +506,7 @@
         </pc:picChg>
       </pc:sldChg>
       <pc:sldChg chg="addSp delSp modSp add addCm delCm">
-        <pc:chgData name="Niharika Sachdeva" userId="a6485dc24ed82a52" providerId="LiveId" clId="{EB4E9C1D-324C-4D51-B933-AF4CD5ADF96B}" dt="2018-09-26T01:49:31.894" v="3167" actId="20577"/>
+        <pc:chgData name="Niharika Sachdeva" userId="a6485dc24ed82a52" providerId="LiveId" clId="{EB4E9C1D-324C-4D51-B933-AF4CD5ADF96B}" dt="2018-09-24T23:22:59.304" v="2237" actId="313"/>
         <pc:sldMkLst>
           <pc:docMk/>
           <pc:sldMk cId="1339316662" sldId="261"/>
@@ -532,8 +527,8 @@
             <ac:spMk id="2" creationId="{E4D024D5-03A7-4BE5-9E38-7CBE87B4CF87}"/>
           </ac:spMkLst>
         </pc:spChg>
-        <pc:spChg chg="add del mod">
-          <ac:chgData name="Niharika Sachdeva" userId="a6485dc24ed82a52" providerId="LiveId" clId="{EB4E9C1D-324C-4D51-B933-AF4CD5ADF96B}" dt="2018-09-26T01:49:03.616" v="3127" actId="478"/>
+        <pc:spChg chg="add mod">
+          <ac:chgData name="Niharika Sachdeva" userId="a6485dc24ed82a52" providerId="LiveId" clId="{EB4E9C1D-324C-4D51-B933-AF4CD5ADF96B}" dt="2018-09-24T23:22:47.791" v="2235" actId="1076"/>
           <ac:spMkLst>
             <pc:docMk/>
             <pc:sldMk cId="1339316662" sldId="261"/>
@@ -546,14 +541,6 @@
             <pc:docMk/>
             <pc:sldMk cId="1339316662" sldId="261"/>
             <ac:spMk id="7" creationId="{7AE3B177-F001-4E48-97EA-8D60E1521047}"/>
-          </ac:spMkLst>
-        </pc:spChg>
-        <pc:spChg chg="add mod">
-          <ac:chgData name="Niharika Sachdeva" userId="a6485dc24ed82a52" providerId="LiveId" clId="{EB4E9C1D-324C-4D51-B933-AF4CD5ADF96B}" dt="2018-09-26T01:49:31.894" v="3167" actId="20577"/>
-          <ac:spMkLst>
-            <pc:docMk/>
-            <pc:sldMk cId="1339316662" sldId="261"/>
-            <ac:spMk id="8" creationId="{275FAB0E-ECC2-4E71-AC1D-AC874DA5E272}"/>
           </ac:spMkLst>
         </pc:spChg>
         <pc:spChg chg="add mod">
@@ -622,25 +609,17 @@
         </pc:picChg>
       </pc:sldChg>
       <pc:sldChg chg="addSp delSp modSp add mod setBg">
-        <pc:chgData name="Niharika Sachdeva" userId="a6485dc24ed82a52" providerId="LiveId" clId="{EB4E9C1D-324C-4D51-B933-AF4CD5ADF96B}" dt="2018-09-26T01:47:20.807" v="3011" actId="1076"/>
+        <pc:chgData name="Niharika Sachdeva" userId="a6485dc24ed82a52" providerId="LiveId" clId="{EB4E9C1D-324C-4D51-B933-AF4CD5ADF96B}" dt="2018-09-24T17:17:34.887" v="2026" actId="113"/>
         <pc:sldMkLst>
           <pc:docMk/>
           <pc:sldMk cId="1333734352" sldId="263"/>
         </pc:sldMkLst>
-        <pc:spChg chg="add del mod">
-          <ac:chgData name="Niharika Sachdeva" userId="a6485dc24ed82a52" providerId="LiveId" clId="{EB4E9C1D-324C-4D51-B933-AF4CD5ADF96B}" dt="2018-09-26T01:45:40.032" v="2811" actId="478"/>
+        <pc:spChg chg="add mod">
+          <ac:chgData name="Niharika Sachdeva" userId="a6485dc24ed82a52" providerId="LiveId" clId="{EB4E9C1D-324C-4D51-B933-AF4CD5ADF96B}" dt="2018-09-24T17:17:34.887" v="2026" actId="113"/>
           <ac:spMkLst>
             <pc:docMk/>
             <pc:sldMk cId="1333734352" sldId="263"/>
             <ac:spMk id="3" creationId="{9CBB3CA7-CFA4-445D-9F8A-5F559031A770}"/>
-          </ac:spMkLst>
-        </pc:spChg>
-        <pc:spChg chg="add mod">
-          <ac:chgData name="Niharika Sachdeva" userId="a6485dc24ed82a52" providerId="LiveId" clId="{EB4E9C1D-324C-4D51-B933-AF4CD5ADF96B}" dt="2018-09-26T01:45:33.152" v="2810" actId="20577"/>
-          <ac:spMkLst>
-            <pc:docMk/>
-            <pc:sldMk cId="1333734352" sldId="263"/>
-            <ac:spMk id="4" creationId="{92DAEF46-2729-4558-B651-6E2148AFAEFE}"/>
           </ac:spMkLst>
         </pc:spChg>
         <pc:spChg chg="add del">
@@ -676,7 +655,7 @@
           </ac:spMkLst>
         </pc:spChg>
         <pc:picChg chg="add mod">
-          <ac:chgData name="Niharika Sachdeva" userId="a6485dc24ed82a52" providerId="LiveId" clId="{EB4E9C1D-324C-4D51-B933-AF4CD5ADF96B}" dt="2018-09-26T01:47:20.807" v="3011" actId="1076"/>
+          <ac:chgData name="Niharika Sachdeva" userId="a6485dc24ed82a52" providerId="LiveId" clId="{EB4E9C1D-324C-4D51-B933-AF4CD5ADF96B}" dt="2018-09-24T17:14:35.540" v="1982" actId="14100"/>
           <ac:picMkLst>
             <pc:docMk/>
             <pc:sldMk cId="1333734352" sldId="263"/>
@@ -689,61 +668,6 @@
             <pc:docMk/>
             <pc:sldMk cId="1333734352" sldId="263"/>
             <ac:picMk id="14" creationId="{7309214B-9B60-4A94-88B5-44CB8D263285}"/>
-          </ac:picMkLst>
-        </pc:picChg>
-      </pc:sldChg>
-      <pc:sldChg chg="addSp delSp modSp add ord">
-        <pc:chgData name="Niharika Sachdeva" userId="a6485dc24ed82a52" providerId="LiveId" clId="{EB4E9C1D-324C-4D51-B933-AF4CD5ADF96B}" dt="2018-09-26T01:48:15.595" v="3088" actId="1038"/>
-        <pc:sldMkLst>
-          <pc:docMk/>
-          <pc:sldMk cId="3507343196" sldId="264"/>
-        </pc:sldMkLst>
-        <pc:spChg chg="add mod">
-          <ac:chgData name="Niharika Sachdeva" userId="a6485dc24ed82a52" providerId="LiveId" clId="{EB4E9C1D-324C-4D51-B933-AF4CD5ADF96B}" dt="2018-09-26T01:48:15.595" v="3088" actId="1038"/>
-          <ac:spMkLst>
-            <pc:docMk/>
-            <pc:sldMk cId="3507343196" sldId="264"/>
-            <ac:spMk id="2" creationId="{EFEB1117-1D4B-4446-9AC3-45301B32B70D}"/>
-          </ac:spMkLst>
-        </pc:spChg>
-        <pc:spChg chg="add del mod">
-          <ac:chgData name="Niharika Sachdeva" userId="a6485dc24ed82a52" providerId="LiveId" clId="{EB4E9C1D-324C-4D51-B933-AF4CD5ADF96B}" dt="2018-09-26T01:48:08.295" v="3043" actId="478"/>
-          <ac:spMkLst>
-            <pc:docMk/>
-            <pc:sldMk cId="3507343196" sldId="264"/>
-            <ac:spMk id="9" creationId="{CDD48858-877D-4461-94BD-CCBCDB50625C}"/>
-          </ac:spMkLst>
-        </pc:spChg>
-        <pc:spChg chg="add mod">
-          <ac:chgData name="Niharika Sachdeva" userId="a6485dc24ed82a52" providerId="LiveId" clId="{EB4E9C1D-324C-4D51-B933-AF4CD5ADF96B}" dt="2018-09-26T01:48:04.865" v="3042" actId="20577"/>
-          <ac:spMkLst>
-            <pc:docMk/>
-            <pc:sldMk cId="3507343196" sldId="264"/>
-            <ac:spMk id="10" creationId="{B5BD0470-A784-405B-9F7E-5E3298C48989}"/>
-          </ac:spMkLst>
-        </pc:spChg>
-        <pc:picChg chg="add del mod">
-          <ac:chgData name="Niharika Sachdeva" userId="a6485dc24ed82a52" providerId="LiveId" clId="{EB4E9C1D-324C-4D51-B933-AF4CD5ADF96B}" dt="2018-09-25T18:08:54.191" v="2375" actId="478"/>
-          <ac:picMkLst>
-            <pc:docMk/>
-            <pc:sldMk cId="3507343196" sldId="264"/>
-            <ac:picMk id="4" creationId="{07C2DAC4-2212-4529-9BAB-FD27AF34F5B3}"/>
-          </ac:picMkLst>
-        </pc:picChg>
-        <pc:picChg chg="add del mod">
-          <ac:chgData name="Niharika Sachdeva" userId="a6485dc24ed82a52" providerId="LiveId" clId="{EB4E9C1D-324C-4D51-B933-AF4CD5ADF96B}" dt="2018-09-25T18:22:15.074" v="2495" actId="478"/>
-          <ac:picMkLst>
-            <pc:docMk/>
-            <pc:sldMk cId="3507343196" sldId="264"/>
-            <ac:picMk id="6" creationId="{85EAE749-C659-4B25-B52B-1DF6F8CC60ED}"/>
-          </ac:picMkLst>
-        </pc:picChg>
-        <pc:picChg chg="add mod">
-          <ac:chgData name="Niharika Sachdeva" userId="a6485dc24ed82a52" providerId="LiveId" clId="{EB4E9C1D-324C-4D51-B933-AF4CD5ADF96B}" dt="2018-09-25T19:01:33.479" v="2549" actId="1076"/>
-          <ac:picMkLst>
-            <pc:docMk/>
-            <pc:sldMk cId="3507343196" sldId="264"/>
-            <ac:picMk id="8" creationId="{6D3189A2-0C89-4FBF-B524-29A6C519C181}"/>
           </ac:picMkLst>
         </pc:picChg>
       </pc:sldChg>
@@ -899,7 +823,7 @@
           <a:p>
             <a:fld id="{769E655C-4475-4DA5-90DB-861734EC662E}" type="datetimeFigureOut">
               <a:rPr lang="en-US" smtClean="0"/>
-              <a:t>9/24/2018</a:t>
+              <a:t>9/26/2018</a:t>
             </a:fld>
             <a:endParaRPr lang="en-US"/>
           </a:p>
@@ -1097,7 +1021,7 @@
           <a:p>
             <a:fld id="{769E655C-4475-4DA5-90DB-861734EC662E}" type="datetimeFigureOut">
               <a:rPr lang="en-US" smtClean="0"/>
-              <a:t>9/24/2018</a:t>
+              <a:t>9/26/2018</a:t>
             </a:fld>
             <a:endParaRPr lang="en-US"/>
           </a:p>
@@ -1305,7 +1229,7 @@
           <a:p>
             <a:fld id="{769E655C-4475-4DA5-90DB-861734EC662E}" type="datetimeFigureOut">
               <a:rPr lang="en-US" smtClean="0"/>
-              <a:t>9/24/2018</a:t>
+              <a:t>9/26/2018</a:t>
             </a:fld>
             <a:endParaRPr lang="en-US"/>
           </a:p>
@@ -1503,7 +1427,7 @@
           <a:p>
             <a:fld id="{769E655C-4475-4DA5-90DB-861734EC662E}" type="datetimeFigureOut">
               <a:rPr lang="en-US" smtClean="0"/>
-              <a:t>9/24/2018</a:t>
+              <a:t>9/26/2018</a:t>
             </a:fld>
             <a:endParaRPr lang="en-US"/>
           </a:p>
@@ -1778,7 +1702,7 @@
           <a:p>
             <a:fld id="{769E655C-4475-4DA5-90DB-861734EC662E}" type="datetimeFigureOut">
               <a:rPr lang="en-US" smtClean="0"/>
-              <a:t>9/24/2018</a:t>
+              <a:t>9/26/2018</a:t>
             </a:fld>
             <a:endParaRPr lang="en-US"/>
           </a:p>
@@ -2043,7 +1967,7 @@
           <a:p>
             <a:fld id="{769E655C-4475-4DA5-90DB-861734EC662E}" type="datetimeFigureOut">
               <a:rPr lang="en-US" smtClean="0"/>
-              <a:t>9/24/2018</a:t>
+              <a:t>9/26/2018</a:t>
             </a:fld>
             <a:endParaRPr lang="en-US"/>
           </a:p>
@@ -2455,7 +2379,7 @@
           <a:p>
             <a:fld id="{769E655C-4475-4DA5-90DB-861734EC662E}" type="datetimeFigureOut">
               <a:rPr lang="en-US" smtClean="0"/>
-              <a:t>9/24/2018</a:t>
+              <a:t>9/26/2018</a:t>
             </a:fld>
             <a:endParaRPr lang="en-US"/>
           </a:p>
@@ -2596,7 +2520,7 @@
           <a:p>
             <a:fld id="{769E655C-4475-4DA5-90DB-861734EC662E}" type="datetimeFigureOut">
               <a:rPr lang="en-US" smtClean="0"/>
-              <a:t>9/24/2018</a:t>
+              <a:t>9/26/2018</a:t>
             </a:fld>
             <a:endParaRPr lang="en-US"/>
           </a:p>
@@ -2709,7 +2633,7 @@
           <a:p>
             <a:fld id="{769E655C-4475-4DA5-90DB-861734EC662E}" type="datetimeFigureOut">
               <a:rPr lang="en-US" smtClean="0"/>
-              <a:t>9/24/2018</a:t>
+              <a:t>9/26/2018</a:t>
             </a:fld>
             <a:endParaRPr lang="en-US"/>
           </a:p>
@@ -3020,7 +2944,7 @@
           <a:p>
             <a:fld id="{769E655C-4475-4DA5-90DB-861734EC662E}" type="datetimeFigureOut">
               <a:rPr lang="en-US" smtClean="0"/>
-              <a:t>9/24/2018</a:t>
+              <a:t>9/26/2018</a:t>
             </a:fld>
             <a:endParaRPr lang="en-US"/>
           </a:p>
@@ -3308,7 +3232,7 @@
           <a:p>
             <a:fld id="{769E655C-4475-4DA5-90DB-861734EC662E}" type="datetimeFigureOut">
               <a:rPr lang="en-US" smtClean="0"/>
-              <a:t>9/24/2018</a:t>
+              <a:t>9/26/2018</a:t>
             </a:fld>
             <a:endParaRPr lang="en-US"/>
           </a:p>
@@ -3549,7 +3473,7 @@
           <a:p>
             <a:fld id="{769E655C-4475-4DA5-90DB-861734EC662E}" type="datetimeFigureOut">
               <a:rPr lang="en-US" smtClean="0"/>
-              <a:t>9/24/2018</a:t>
+              <a:t>9/26/2018</a:t>
             </a:fld>
             <a:endParaRPr lang="en-US"/>
           </a:p>
@@ -4336,6 +4260,254 @@
 </p:sld>
 </file>
 
+<file path=ppt/slides/slide10.xml><?xml version="1.0" encoding="utf-8"?>
+<p:sld xmlns:a="http://schemas.openxmlformats.org/drawingml/2006/main" xmlns:r="http://schemas.openxmlformats.org/officeDocument/2006/relationships" xmlns:p="http://schemas.openxmlformats.org/presentationml/2006/main">
+  <p:cSld>
+    <p:spTree>
+      <p:nvGrpSpPr>
+        <p:cNvPr id="1" name=""/>
+        <p:cNvGrpSpPr/>
+        <p:nvPr/>
+      </p:nvGrpSpPr>
+      <p:grpSpPr>
+        <a:xfrm>
+          <a:off x="0" y="0"/>
+          <a:ext cx="0" cy="0"/>
+          <a:chOff x="0" y="0"/>
+          <a:chExt cx="0" cy="0"/>
+        </a:xfrm>
+      </p:grpSpPr>
+      <p:sp>
+        <p:nvSpPr>
+          <p:cNvPr id="2" name="Rectangle 1">
+            <a:extLst>
+              <a:ext uri="{FF2B5EF4-FFF2-40B4-BE49-F238E27FC236}">
+                <a16:creationId xmlns:a16="http://schemas.microsoft.com/office/drawing/2014/main" id="{7B886D29-D61C-4C16-803E-61EAF9849C99}"/>
+              </a:ext>
+            </a:extLst>
+          </p:cNvPr>
+          <p:cNvSpPr/>
+          <p:nvPr/>
+        </p:nvSpPr>
+        <p:spPr>
+          <a:xfrm>
+            <a:off x="897586" y="205859"/>
+            <a:ext cx="4612353" cy="369332"/>
+          </a:xfrm>
+          <a:prstGeom prst="rect">
+            <a:avLst/>
+          </a:prstGeom>
+        </p:spPr>
+        <p:txBody>
+          <a:bodyPr wrap="none">
+            <a:spAutoFit/>
+          </a:bodyPr>
+          <a:lstStyle/>
+          <a:p>
+            <a:r>
+              <a:rPr lang="en-US" b="1" dirty="0">
+                <a:solidFill>
+                  <a:srgbClr val="FF0000"/>
+                </a:solidFill>
+              </a:rPr>
+              <a:t>Deaths per 100,000 due to car accidents(2016)</a:t>
+            </a:r>
+          </a:p>
+        </p:txBody>
+      </p:sp>
+      <p:pic>
+        <p:nvPicPr>
+          <p:cNvPr id="4" name="Picture 3" descr="A picture containing text&#10;&#10;Description generated with very high confidence">
+            <a:extLst>
+              <a:ext uri="{FF2B5EF4-FFF2-40B4-BE49-F238E27FC236}">
+                <a16:creationId xmlns:a16="http://schemas.microsoft.com/office/drawing/2014/main" id="{351E1C9C-9E6D-4ADA-9733-3EA026C4C4B0}"/>
+              </a:ext>
+            </a:extLst>
+          </p:cNvPr>
+          <p:cNvPicPr>
+            <a:picLocks noChangeAspect="1"/>
+          </p:cNvPicPr>
+          <p:nvPr/>
+        </p:nvPicPr>
+        <p:blipFill>
+          <a:blip r:embed="rId2">
+            <a:extLst>
+              <a:ext uri="{28A0092B-C50C-407E-A947-70E740481C1C}">
+                <a14:useLocalDpi xmlns:a14="http://schemas.microsoft.com/office/drawing/2010/main" val="0"/>
+              </a:ext>
+            </a:extLst>
+          </a:blip>
+          <a:stretch>
+            <a:fillRect/>
+          </a:stretch>
+        </p:blipFill>
+        <p:spPr>
+          <a:xfrm>
+            <a:off x="1616944" y="1538779"/>
+            <a:ext cx="9243861" cy="5319221"/>
+          </a:xfrm>
+          <a:prstGeom prst="rect">
+            <a:avLst/>
+          </a:prstGeom>
+        </p:spPr>
+      </p:pic>
+    </p:spTree>
+    <p:extLst>
+      <p:ext uri="{BB962C8B-B14F-4D97-AF65-F5344CB8AC3E}">
+        <p14:creationId xmlns:p14="http://schemas.microsoft.com/office/powerpoint/2010/main" val="963812379"/>
+      </p:ext>
+    </p:extLst>
+  </p:cSld>
+  <p:clrMapOvr>
+    <a:masterClrMapping/>
+  </p:clrMapOvr>
+</p:sld>
+</file>
+
+<file path=ppt/slides/slide11.xml><?xml version="1.0" encoding="utf-8"?>
+<p:sld xmlns:a="http://schemas.openxmlformats.org/drawingml/2006/main" xmlns:r="http://schemas.openxmlformats.org/officeDocument/2006/relationships" xmlns:p="http://schemas.openxmlformats.org/presentationml/2006/main">
+  <p:cSld>
+    <p:spTree>
+      <p:nvGrpSpPr>
+        <p:cNvPr id="1" name=""/>
+        <p:cNvGrpSpPr/>
+        <p:nvPr/>
+      </p:nvGrpSpPr>
+      <p:grpSpPr>
+        <a:xfrm>
+          <a:off x="0" y="0"/>
+          <a:ext cx="0" cy="0"/>
+          <a:chOff x="0" y="0"/>
+          <a:chExt cx="0" cy="0"/>
+        </a:xfrm>
+      </p:grpSpPr>
+      <p:pic>
+        <p:nvPicPr>
+          <p:cNvPr id="5" name="Picture 4">
+            <a:extLst>
+              <a:ext uri="{FF2B5EF4-FFF2-40B4-BE49-F238E27FC236}">
+                <a16:creationId xmlns:a16="http://schemas.microsoft.com/office/drawing/2014/main" id="{07FE389E-7462-441F-AF70-6DCAD8227B45}"/>
+              </a:ext>
+            </a:extLst>
+          </p:cNvPr>
+          <p:cNvPicPr>
+            <a:picLocks noChangeAspect="1"/>
+          </p:cNvPicPr>
+          <p:nvPr/>
+        </p:nvPicPr>
+        <p:blipFill>
+          <a:blip r:embed="rId2">
+            <a:extLst>
+              <a:ext uri="{28A0092B-C50C-407E-A947-70E740481C1C}">
+                <a14:useLocalDpi xmlns:a14="http://schemas.microsoft.com/office/drawing/2010/main" val="0"/>
+              </a:ext>
+            </a:extLst>
+          </a:blip>
+          <a:stretch>
+            <a:fillRect/>
+          </a:stretch>
+        </p:blipFill>
+        <p:spPr>
+          <a:xfrm>
+            <a:off x="3390900" y="1914525"/>
+            <a:ext cx="5410200" cy="3028950"/>
+          </a:xfrm>
+          <a:prstGeom prst="rect">
+            <a:avLst/>
+          </a:prstGeom>
+        </p:spPr>
+      </p:pic>
+    </p:spTree>
+    <p:extLst>
+      <p:ext uri="{BB962C8B-B14F-4D97-AF65-F5344CB8AC3E}">
+        <p14:creationId xmlns:p14="http://schemas.microsoft.com/office/powerpoint/2010/main" val="3639521828"/>
+      </p:ext>
+    </p:extLst>
+  </p:cSld>
+  <p:clrMapOvr>
+    <a:masterClrMapping/>
+  </p:clrMapOvr>
+</p:sld>
+</file>
+
+<file path=ppt/slides/slide12.xml><?xml version="1.0" encoding="utf-8"?>
+<p:sld xmlns:a="http://schemas.openxmlformats.org/drawingml/2006/main" xmlns:r="http://schemas.openxmlformats.org/officeDocument/2006/relationships" xmlns:p="http://schemas.openxmlformats.org/presentationml/2006/main">
+  <p:cSld>
+    <p:spTree>
+      <p:nvGrpSpPr>
+        <p:cNvPr id="1" name=""/>
+        <p:cNvGrpSpPr/>
+        <p:nvPr/>
+      </p:nvGrpSpPr>
+      <p:grpSpPr>
+        <a:xfrm>
+          <a:off x="0" y="0"/>
+          <a:ext cx="0" cy="0"/>
+          <a:chOff x="0" y="0"/>
+          <a:chExt cx="0" cy="0"/>
+        </a:xfrm>
+      </p:grpSpPr>
+      <p:sp>
+        <p:nvSpPr>
+          <p:cNvPr id="2" name="Rectangle 1">
+            <a:extLst>
+              <a:ext uri="{FF2B5EF4-FFF2-40B4-BE49-F238E27FC236}">
+                <a16:creationId xmlns:a16="http://schemas.microsoft.com/office/drawing/2014/main" id="{5CEAFB5A-CBA5-49E1-B137-767DC94DE92B}"/>
+              </a:ext>
+            </a:extLst>
+          </p:cNvPr>
+          <p:cNvSpPr/>
+          <p:nvPr/>
+        </p:nvSpPr>
+        <p:spPr>
+          <a:xfrm>
+            <a:off x="4464048" y="2967335"/>
+            <a:ext cx="3263907" cy="923330"/>
+          </a:xfrm>
+          <a:prstGeom prst="rect">
+            <a:avLst/>
+          </a:prstGeom>
+          <a:noFill/>
+        </p:spPr>
+        <p:txBody>
+          <a:bodyPr wrap="none" lIns="91440" tIns="45720" rIns="91440" bIns="45720">
+            <a:spAutoFit/>
+          </a:bodyPr>
+          <a:lstStyle/>
+          <a:p>
+            <a:pPr algn="ctr"/>
+            <a:r>
+              <a:rPr lang="en-US" sz="5400" b="0" cap="none" spc="0" dirty="0">
+                <a:ln w="0"/>
+                <a:solidFill>
+                  <a:schemeClr val="tx1"/>
+                </a:solidFill>
+                <a:effectLst>
+                  <a:outerShdw blurRad="38100" dist="19050" dir="2700000" algn="tl" rotWithShape="0">
+                    <a:schemeClr val="dk1">
+                      <a:alpha val="40000"/>
+                    </a:schemeClr>
+                  </a:outerShdw>
+                </a:effectLst>
+              </a:rPr>
+              <a:t>Thank you.</a:t>
+            </a:r>
+          </a:p>
+        </p:txBody>
+      </p:sp>
+    </p:spTree>
+    <p:extLst>
+      <p:ext uri="{BB962C8B-B14F-4D97-AF65-F5344CB8AC3E}">
+        <p14:creationId xmlns:p14="http://schemas.microsoft.com/office/powerpoint/2010/main" val="2718685546"/>
+      </p:ext>
+    </p:extLst>
+  </p:cSld>
+  <p:clrMapOvr>
+    <a:masterClrMapping/>
+  </p:clrMapOvr>
+</p:sld>
+</file>
+
 <file path=ppt/slides/slide2.xml><?xml version="1.0" encoding="utf-8"?>
 <p:sld xmlns:a="http://schemas.openxmlformats.org/drawingml/2006/main" xmlns:r="http://schemas.openxmlformats.org/officeDocument/2006/relationships" xmlns:p="http://schemas.openxmlformats.org/presentationml/2006/main">
   <p:cSld>
@@ -4447,7 +4619,7 @@
           <a:p>
             <a:r>
               <a:rPr lang="en-US" sz="2000" dirty="0"/>
-              <a:t>Busiest Country in terms of road traffic:</a:t>
+              <a:t>is one of busiest countries in terms of road traffic:</a:t>
             </a:r>
           </a:p>
           <a:p>
@@ -4561,7 +4733,7 @@
     </p:spTree>
     <p:extLst>
       <p:ext uri="{BB962C8B-B14F-4D97-AF65-F5344CB8AC3E}">
-        <p14:creationId xmlns:p14="http://schemas.microsoft.com/office/powerpoint/2010/main" val="171835976"/>
+        <p14:creationId xmlns:p14="http://schemas.microsoft.com/office/powerpoint/2010/main" val="465829609"/>
       </p:ext>
     </p:extLst>
   </p:cSld>
@@ -4681,7 +4853,7 @@
     </p:spTree>
     <p:extLst>
       <p:ext uri="{BB962C8B-B14F-4D97-AF65-F5344CB8AC3E}">
-        <p14:creationId xmlns:p14="http://schemas.microsoft.com/office/powerpoint/2010/main" val="1333734352"/>
+        <p14:creationId xmlns:p14="http://schemas.microsoft.com/office/powerpoint/2010/main" val="730585142"/>
       </p:ext>
     </p:extLst>
   </p:cSld>
@@ -4931,7 +5103,7 @@
     </p:spTree>
     <p:extLst>
       <p:ext uri="{BB962C8B-B14F-4D97-AF65-F5344CB8AC3E}">
-        <p14:creationId xmlns:p14="http://schemas.microsoft.com/office/powerpoint/2010/main" val="1644327249"/>
+        <p14:creationId xmlns:p14="http://schemas.microsoft.com/office/powerpoint/2010/main" val="2733372892"/>
       </p:ext>
     </p:extLst>
   </p:cSld>
@@ -5180,14 +5352,6 @@
 <file path=ppt/slides/slide6.xml><?xml version="1.0" encoding="utf-8"?>
 <p:sld xmlns:a="http://schemas.openxmlformats.org/drawingml/2006/main" xmlns:r="http://schemas.openxmlformats.org/officeDocument/2006/relationships" xmlns:p="http://schemas.openxmlformats.org/presentationml/2006/main">
   <p:cSld>
-    <p:bg>
-      <p:bgPr>
-        <a:solidFill>
-          <a:schemeClr val="bg1"/>
-        </a:solidFill>
-        <a:effectLst/>
-      </p:bgPr>
-    </p:bg>
     <p:spTree>
       <p:nvGrpSpPr>
         <p:cNvPr id="1" name=""/>
@@ -5723,7 +5887,7 @@
     </p:spTree>
     <p:extLst>
       <p:ext uri="{BB962C8B-B14F-4D97-AF65-F5344CB8AC3E}">
-        <p14:creationId xmlns:p14="http://schemas.microsoft.com/office/powerpoint/2010/main" val="1044642986"/>
+        <p14:creationId xmlns:p14="http://schemas.microsoft.com/office/powerpoint/2010/main" val="1062915283"/>
       </p:ext>
     </p:extLst>
   </p:cSld>
@@ -6371,32 +6535,321 @@
                   </a:schemeClr>
                 </a:solidFill>
               </a:rPr>
-              <a:t>Which Vehicles are prone </a:t>
-            </a:r>
-            <a:r>
-              <a:rPr lang="en-US" b="1">
-                <a:solidFill>
-                  <a:schemeClr val="accent1">
-                    <a:lumMod val="75000"/>
-                  </a:schemeClr>
-                </a:solidFill>
-              </a:rPr>
-              <a:t>to accidents?</a:t>
-            </a:r>
-            <a:endParaRPr lang="en-US" b="1" dirty="0">
-              <a:solidFill>
-                <a:schemeClr val="accent1">
-                  <a:lumMod val="75000"/>
-                </a:schemeClr>
-              </a:solidFill>
-            </a:endParaRPr>
+              <a:t>Which Vehicles are prone to accidents?</a:t>
+            </a:r>
           </a:p>
         </p:txBody>
       </p:sp>
     </p:spTree>
     <p:extLst>
       <p:ext uri="{BB962C8B-B14F-4D97-AF65-F5344CB8AC3E}">
-        <p14:creationId xmlns:p14="http://schemas.microsoft.com/office/powerpoint/2010/main" val="1339316662"/>
+        <p14:creationId xmlns:p14="http://schemas.microsoft.com/office/powerpoint/2010/main" val="1036730118"/>
+      </p:ext>
+    </p:extLst>
+  </p:cSld>
+  <p:clrMapOvr>
+    <a:masterClrMapping/>
+  </p:clrMapOvr>
+</p:sld>
+</file>
+
+<file path=ppt/slides/slide8.xml><?xml version="1.0" encoding="utf-8"?>
+<p:sld xmlns:a="http://schemas.openxmlformats.org/drawingml/2006/main" xmlns:r="http://schemas.openxmlformats.org/officeDocument/2006/relationships" xmlns:p="http://schemas.openxmlformats.org/presentationml/2006/main">
+  <p:cSld>
+    <p:spTree>
+      <p:nvGrpSpPr>
+        <p:cNvPr id="1" name=""/>
+        <p:cNvGrpSpPr/>
+        <p:nvPr/>
+      </p:nvGrpSpPr>
+      <p:grpSpPr>
+        <a:xfrm>
+          <a:off x="0" y="0"/>
+          <a:ext cx="0" cy="0"/>
+          <a:chOff x="0" y="0"/>
+          <a:chExt cx="0" cy="0"/>
+        </a:xfrm>
+      </p:grpSpPr>
+      <p:pic>
+        <p:nvPicPr>
+          <p:cNvPr id="3" name="Picture 2" descr="A picture containing screenshot&#10;&#10;Description generated with high confidence">
+            <a:extLst>
+              <a:ext uri="{FF2B5EF4-FFF2-40B4-BE49-F238E27FC236}">
+                <a16:creationId xmlns:a16="http://schemas.microsoft.com/office/drawing/2014/main" id="{BD141C97-315F-4E62-A021-CF408781DEAA}"/>
+              </a:ext>
+            </a:extLst>
+          </p:cNvPr>
+          <p:cNvPicPr>
+            <a:picLocks noChangeAspect="1"/>
+          </p:cNvPicPr>
+          <p:nvPr/>
+        </p:nvPicPr>
+        <p:blipFill>
+          <a:blip r:embed="rId2">
+            <a:extLst>
+              <a:ext uri="{28A0092B-C50C-407E-A947-70E740481C1C}">
+                <a14:useLocalDpi xmlns:a14="http://schemas.microsoft.com/office/drawing/2010/main" val="0"/>
+              </a:ext>
+            </a:extLst>
+          </a:blip>
+          <a:stretch>
+            <a:fillRect/>
+          </a:stretch>
+        </p:blipFill>
+        <p:spPr>
+          <a:xfrm>
+            <a:off x="624275" y="1671782"/>
+            <a:ext cx="11262926" cy="5186217"/>
+          </a:xfrm>
+          <a:prstGeom prst="rect">
+            <a:avLst/>
+          </a:prstGeom>
+        </p:spPr>
+      </p:pic>
+      <p:sp>
+        <p:nvSpPr>
+          <p:cNvPr id="4" name="TextBox 3">
+            <a:extLst>
+              <a:ext uri="{FF2B5EF4-FFF2-40B4-BE49-F238E27FC236}">
+                <a16:creationId xmlns:a16="http://schemas.microsoft.com/office/drawing/2014/main" id="{63E0A213-3E46-489B-B47A-A897E4BC30D2}"/>
+              </a:ext>
+            </a:extLst>
+          </p:cNvPr>
+          <p:cNvSpPr txBox="1"/>
+          <p:nvPr/>
+        </p:nvSpPr>
+        <p:spPr>
+          <a:xfrm rot="16200000">
+            <a:off x="-104739" y="4027619"/>
+            <a:ext cx="1181029" cy="276999"/>
+          </a:xfrm>
+          <a:prstGeom prst="rect">
+            <a:avLst/>
+          </a:prstGeom>
+          <a:noFill/>
+        </p:spPr>
+        <p:txBody>
+          <a:bodyPr wrap="none" rtlCol="0">
+            <a:spAutoFit/>
+          </a:bodyPr>
+          <a:lstStyle/>
+          <a:p>
+            <a:r>
+              <a:rPr lang="en-US" sz="1200" dirty="0"/>
+              <a:t>Number of cars </a:t>
+            </a:r>
+          </a:p>
+        </p:txBody>
+      </p:sp>
+      <p:sp>
+        <p:nvSpPr>
+          <p:cNvPr id="5" name="Rectangle 4">
+            <a:extLst>
+              <a:ext uri="{FF2B5EF4-FFF2-40B4-BE49-F238E27FC236}">
+                <a16:creationId xmlns:a16="http://schemas.microsoft.com/office/drawing/2014/main" id="{8D90056D-6AE2-4A7E-904C-8B02FF4C4C8E}"/>
+              </a:ext>
+            </a:extLst>
+          </p:cNvPr>
+          <p:cNvSpPr/>
+          <p:nvPr/>
+        </p:nvSpPr>
+        <p:spPr>
+          <a:xfrm>
+            <a:off x="1015467" y="824406"/>
+            <a:ext cx="2559007" cy="369332"/>
+          </a:xfrm>
+          <a:prstGeom prst="rect">
+            <a:avLst/>
+          </a:prstGeom>
+        </p:spPr>
+        <p:txBody>
+          <a:bodyPr wrap="square">
+            <a:spAutoFit/>
+          </a:bodyPr>
+          <a:lstStyle/>
+          <a:p>
+            <a:r>
+              <a:rPr lang="en-US" b="1" dirty="0">
+                <a:solidFill>
+                  <a:srgbClr val="FF0000"/>
+                </a:solidFill>
+              </a:rPr>
+              <a:t>Top 35 car companies</a:t>
+            </a:r>
+          </a:p>
+        </p:txBody>
+      </p:sp>
+    </p:spTree>
+    <p:extLst>
+      <p:ext uri="{BB962C8B-B14F-4D97-AF65-F5344CB8AC3E}">
+        <p14:creationId xmlns:p14="http://schemas.microsoft.com/office/powerpoint/2010/main" val="1925786565"/>
+      </p:ext>
+    </p:extLst>
+  </p:cSld>
+  <p:clrMapOvr>
+    <a:masterClrMapping/>
+  </p:clrMapOvr>
+</p:sld>
+</file>
+
+<file path=ppt/slides/slide9.xml><?xml version="1.0" encoding="utf-8"?>
+<p:sld xmlns:a="http://schemas.openxmlformats.org/drawingml/2006/main" xmlns:r="http://schemas.openxmlformats.org/officeDocument/2006/relationships" xmlns:p="http://schemas.openxmlformats.org/presentationml/2006/main">
+  <p:cSld>
+    <p:spTree>
+      <p:nvGrpSpPr>
+        <p:cNvPr id="1" name=""/>
+        <p:cNvGrpSpPr/>
+        <p:nvPr/>
+      </p:nvGrpSpPr>
+      <p:grpSpPr>
+        <a:xfrm>
+          <a:off x="0" y="0"/>
+          <a:ext cx="0" cy="0"/>
+          <a:chOff x="0" y="0"/>
+          <a:chExt cx="0" cy="0"/>
+        </a:xfrm>
+      </p:grpSpPr>
+      <p:pic>
+        <p:nvPicPr>
+          <p:cNvPr id="3" name="Picture 2" descr="A picture containing text&#10;&#10;Description generated with high confidence">
+            <a:extLst>
+              <a:ext uri="{FF2B5EF4-FFF2-40B4-BE49-F238E27FC236}">
+                <a16:creationId xmlns:a16="http://schemas.microsoft.com/office/drawing/2014/main" id="{201F0D79-2DDE-4FB7-8D11-0FE2EAFA468F}"/>
+              </a:ext>
+            </a:extLst>
+          </p:cNvPr>
+          <p:cNvPicPr>
+            <a:picLocks noChangeAspect="1"/>
+          </p:cNvPicPr>
+          <p:nvPr/>
+        </p:nvPicPr>
+        <p:blipFill>
+          <a:blip r:embed="rId2">
+            <a:extLst>
+              <a:ext uri="{28A0092B-C50C-407E-A947-70E740481C1C}">
+                <a14:useLocalDpi xmlns:a14="http://schemas.microsoft.com/office/drawing/2010/main" val="0"/>
+              </a:ext>
+            </a:extLst>
+          </a:blip>
+          <a:stretch>
+            <a:fillRect/>
+          </a:stretch>
+        </p:blipFill>
+        <p:spPr>
+          <a:xfrm>
+            <a:off x="1302634" y="1454952"/>
+            <a:ext cx="8900931" cy="5403048"/>
+          </a:xfrm>
+          <a:prstGeom prst="rect">
+            <a:avLst/>
+          </a:prstGeom>
+        </p:spPr>
+      </p:pic>
+      <p:sp>
+        <p:nvSpPr>
+          <p:cNvPr id="4" name="Rectangle 3">
+            <a:extLst>
+              <a:ext uri="{FF2B5EF4-FFF2-40B4-BE49-F238E27FC236}">
+                <a16:creationId xmlns:a16="http://schemas.microsoft.com/office/drawing/2014/main" id="{C2E6D45C-EAEF-4E06-96E8-7AFC09BA5086}"/>
+              </a:ext>
+            </a:extLst>
+          </p:cNvPr>
+          <p:cNvSpPr/>
+          <p:nvPr/>
+        </p:nvSpPr>
+        <p:spPr>
+          <a:xfrm>
+            <a:off x="862143" y="234434"/>
+            <a:ext cx="3424527" cy="369332"/>
+          </a:xfrm>
+          <a:prstGeom prst="rect">
+            <a:avLst/>
+          </a:prstGeom>
+        </p:spPr>
+        <p:txBody>
+          <a:bodyPr wrap="none">
+            <a:spAutoFit/>
+          </a:bodyPr>
+          <a:lstStyle/>
+          <a:p>
+            <a:r>
+              <a:rPr lang="en-US" b="1" dirty="0">
+                <a:solidFill>
+                  <a:srgbClr val="FF0000"/>
+                </a:solidFill>
+              </a:rPr>
+              <a:t>Deaths due to car accidents(2016)</a:t>
+            </a:r>
+          </a:p>
+        </p:txBody>
+      </p:sp>
+      <p:sp>
+        <p:nvSpPr>
+          <p:cNvPr id="5" name="Rectangle 4">
+            <a:extLst>
+              <a:ext uri="{FF2B5EF4-FFF2-40B4-BE49-F238E27FC236}">
+                <a16:creationId xmlns:a16="http://schemas.microsoft.com/office/drawing/2014/main" id="{B1C16712-24EB-4D75-8570-DC2D7A696F31}"/>
+              </a:ext>
+            </a:extLst>
+          </p:cNvPr>
+          <p:cNvSpPr/>
+          <p:nvPr/>
+        </p:nvSpPr>
+        <p:spPr>
+          <a:xfrm>
+            <a:off x="1302634" y="706193"/>
+            <a:ext cx="6096000" cy="1477328"/>
+          </a:xfrm>
+          <a:prstGeom prst="rect">
+            <a:avLst/>
+          </a:prstGeom>
+        </p:spPr>
+        <p:txBody>
+          <a:bodyPr>
+            <a:spAutoFit/>
+          </a:bodyPr>
+          <a:lstStyle/>
+          <a:p>
+            <a:pPr marL="342900" indent="-342900"/>
+            <a:r>
+              <a:rPr lang="en-US" dirty="0"/>
+              <a:t>Colors getting darker in states </a:t>
+            </a:r>
+            <a:r>
+              <a:rPr lang="en-US" b="1" dirty="0"/>
+              <a:t>Texas, California, Florida  </a:t>
+            </a:r>
+            <a:r>
+              <a:rPr lang="en-US" dirty="0"/>
+              <a:t>represent higher number of deaths due to car accidents.</a:t>
+            </a:r>
+          </a:p>
+          <a:p>
+            <a:r>
+              <a:rPr lang="en-US" dirty="0"/>
+              <a:t>        </a:t>
+            </a:r>
+          </a:p>
+          <a:p>
+            <a:pPr marL="342900" indent="-342900">
+              <a:buFont typeface="Arial" panose="020B0604020202020204" pitchFamily="34" charset="0"/>
+              <a:buChar char="•"/>
+            </a:pPr>
+            <a:endParaRPr lang="en-US" dirty="0"/>
+          </a:p>
+          <a:p>
+            <a:pPr marL="342900" indent="-342900">
+              <a:buFont typeface="Arial" panose="020B0604020202020204" pitchFamily="34" charset="0"/>
+              <a:buChar char="•"/>
+            </a:pPr>
+            <a:endParaRPr lang="en-US" dirty="0"/>
+          </a:p>
+        </p:txBody>
+      </p:sp>
+    </p:spTree>
+    <p:extLst>
+      <p:ext uri="{BB962C8B-B14F-4D97-AF65-F5344CB8AC3E}">
+        <p14:creationId xmlns:p14="http://schemas.microsoft.com/office/powerpoint/2010/main" val="1519732216"/>
       </p:ext>
     </p:extLst>
   </p:cSld>
